--- a/doc/IP5_Präsentation.pptx
+++ b/doc/IP5_Präsentation.pptx
@@ -109,6 +109,11 @@
       </a:defRPr>
     </a:lvl9pPr>
   </p:defaultTextStyle>
+  <p:extLst>
+    <p:ext uri="{EFAFB233-063F-42B5-8137-9DF3F51BA10A}">
+      <p15:sldGuideLst xmlns:p15="http://schemas.microsoft.com/office/powerpoint/2012/main"/>
+    </p:ext>
+  </p:extLst>
 </p:presentation>
 </file>
 
@@ -117,7 +122,7 @@
   <pc:docChgLst>
     <pc:chgData name="Matthias Ernst" userId="df635837de665df2" providerId="LiveId" clId="{07710505-4B3F-46BD-9A31-15FA784D19EE}"/>
     <pc:docChg chg="undo custSel addSld modSld">
-      <pc:chgData name="Matthias Ernst" userId="df635837de665df2" providerId="LiveId" clId="{07710505-4B3F-46BD-9A31-15FA784D19EE}" dt="2018-01-28T15:29:48.102" v="1851" actId="20577"/>
+      <pc:chgData name="Matthias Ernst" userId="df635837de665df2" providerId="LiveId" clId="{07710505-4B3F-46BD-9A31-15FA784D19EE}" dt="2018-01-29T15:58:09.896" v="1985" actId="20577"/>
       <pc:docMkLst>
         <pc:docMk/>
       </pc:docMkLst>
@@ -145,7 +150,7 @@
         </pc:picChg>
       </pc:sldChg>
       <pc:sldChg chg="addSp delSp modSp add">
-        <pc:chgData name="Matthias Ernst" userId="df635837de665df2" providerId="LiveId" clId="{07710505-4B3F-46BD-9A31-15FA784D19EE}" dt="2018-01-28T14:10:18.006" v="924" actId="20577"/>
+        <pc:chgData name="Matthias Ernst" userId="df635837de665df2" providerId="LiveId" clId="{07710505-4B3F-46BD-9A31-15FA784D19EE}" dt="2018-01-29T15:58:09.896" v="1985" actId="20577"/>
         <pc:sldMkLst>
           <pc:docMk/>
           <pc:sldMk cId="558888117" sldId="257"/>
@@ -159,7 +164,7 @@
           </ac:spMkLst>
         </pc:spChg>
         <pc:spChg chg="del">
-          <ac:chgData name="Matthias Ernst" userId="df635837de665df2" providerId="LiveId" clId="{07710505-4B3F-46BD-9A31-15FA784D19EE}" dt="2018-01-28T12:00:10.663" v="36"/>
+          <ac:chgData name="Matthias Ernst" userId="df635837de665df2" providerId="LiveId" clId="{07710505-4B3F-46BD-9A31-15FA784D19EE}" dt="2018-01-28T12:00:10.663" v="36" actId="20577"/>
           <ac:spMkLst>
             <pc:docMk/>
             <pc:sldMk cId="558888117" sldId="257"/>
@@ -167,7 +172,7 @@
           </ac:spMkLst>
         </pc:spChg>
         <pc:spChg chg="add mod">
-          <ac:chgData name="Matthias Ernst" userId="df635837de665df2" providerId="LiveId" clId="{07710505-4B3F-46BD-9A31-15FA784D19EE}" dt="2018-01-28T14:10:18.006" v="924" actId="20577"/>
+          <ac:chgData name="Matthias Ernst" userId="df635837de665df2" providerId="LiveId" clId="{07710505-4B3F-46BD-9A31-15FA784D19EE}" dt="2018-01-29T15:58:09.896" v="1985" actId="20577"/>
           <ac:spMkLst>
             <pc:docMk/>
             <pc:sldMk cId="558888117" sldId="257"/>
@@ -214,7 +219,7 @@
         </pc:spChg>
       </pc:sldChg>
       <pc:sldChg chg="add">
-        <pc:chgData name="Matthias Ernst" userId="df635837de665df2" providerId="LiveId" clId="{07710505-4B3F-46BD-9A31-15FA784D19EE}" dt="2018-01-28T15:17:20.288" v="1830"/>
+        <pc:chgData name="Matthias Ernst" userId="df635837de665df2" providerId="LiveId" clId="{07710505-4B3F-46BD-9A31-15FA784D19EE}" dt="2018-01-28T15:17:20.288" v="1830" actId="20577"/>
         <pc:sldMkLst>
           <pc:docMk/>
           <pc:sldMk cId="1187637616" sldId="260"/>
@@ -389,7 +394,7 @@
           <a:p>
             <a:fld id="{9A52744F-0620-4A81-84A0-5B203D154010}" type="datetimeFigureOut">
               <a:rPr lang="de-CH" smtClean="0"/>
-              <a:t>28.01.2018</a:t>
+              <a:t>30.01.2018</a:t>
             </a:fld>
             <a:endParaRPr lang="de-CH"/>
           </a:p>
@@ -589,7 +594,7 @@
           <a:p>
             <a:fld id="{9A52744F-0620-4A81-84A0-5B203D154010}" type="datetimeFigureOut">
               <a:rPr lang="de-CH" smtClean="0"/>
-              <a:t>28.01.2018</a:t>
+              <a:t>30.01.2018</a:t>
             </a:fld>
             <a:endParaRPr lang="de-CH"/>
           </a:p>
@@ -799,7 +804,7 @@
           <a:p>
             <a:fld id="{9A52744F-0620-4A81-84A0-5B203D154010}" type="datetimeFigureOut">
               <a:rPr lang="de-CH" smtClean="0"/>
-              <a:t>28.01.2018</a:t>
+              <a:t>30.01.2018</a:t>
             </a:fld>
             <a:endParaRPr lang="de-CH"/>
           </a:p>
@@ -999,7 +1004,7 @@
           <a:p>
             <a:fld id="{9A52744F-0620-4A81-84A0-5B203D154010}" type="datetimeFigureOut">
               <a:rPr lang="de-CH" smtClean="0"/>
-              <a:t>28.01.2018</a:t>
+              <a:t>30.01.2018</a:t>
             </a:fld>
             <a:endParaRPr lang="de-CH"/>
           </a:p>
@@ -1275,7 +1280,7 @@
           <a:p>
             <a:fld id="{9A52744F-0620-4A81-84A0-5B203D154010}" type="datetimeFigureOut">
               <a:rPr lang="de-CH" smtClean="0"/>
-              <a:t>28.01.2018</a:t>
+              <a:t>30.01.2018</a:t>
             </a:fld>
             <a:endParaRPr lang="de-CH"/>
           </a:p>
@@ -1543,7 +1548,7 @@
           <a:p>
             <a:fld id="{9A52744F-0620-4A81-84A0-5B203D154010}" type="datetimeFigureOut">
               <a:rPr lang="de-CH" smtClean="0"/>
-              <a:t>28.01.2018</a:t>
+              <a:t>30.01.2018</a:t>
             </a:fld>
             <a:endParaRPr lang="de-CH"/>
           </a:p>
@@ -1958,7 +1963,7 @@
           <a:p>
             <a:fld id="{9A52744F-0620-4A81-84A0-5B203D154010}" type="datetimeFigureOut">
               <a:rPr lang="de-CH" smtClean="0"/>
-              <a:t>28.01.2018</a:t>
+              <a:t>30.01.2018</a:t>
             </a:fld>
             <a:endParaRPr lang="de-CH"/>
           </a:p>
@@ -2100,7 +2105,7 @@
           <a:p>
             <a:fld id="{9A52744F-0620-4A81-84A0-5B203D154010}" type="datetimeFigureOut">
               <a:rPr lang="de-CH" smtClean="0"/>
-              <a:t>28.01.2018</a:t>
+              <a:t>30.01.2018</a:t>
             </a:fld>
             <a:endParaRPr lang="de-CH"/>
           </a:p>
@@ -2213,7 +2218,7 @@
           <a:p>
             <a:fld id="{9A52744F-0620-4A81-84A0-5B203D154010}" type="datetimeFigureOut">
               <a:rPr lang="de-CH" smtClean="0"/>
-              <a:t>28.01.2018</a:t>
+              <a:t>30.01.2018</a:t>
             </a:fld>
             <a:endParaRPr lang="de-CH"/>
           </a:p>
@@ -2526,7 +2531,7 @@
           <a:p>
             <a:fld id="{9A52744F-0620-4A81-84A0-5B203D154010}" type="datetimeFigureOut">
               <a:rPr lang="de-CH" smtClean="0"/>
-              <a:t>28.01.2018</a:t>
+              <a:t>30.01.2018</a:t>
             </a:fld>
             <a:endParaRPr lang="de-CH"/>
           </a:p>
@@ -2815,7 +2820,7 @@
           <a:p>
             <a:fld id="{9A52744F-0620-4A81-84A0-5B203D154010}" type="datetimeFigureOut">
               <a:rPr lang="de-CH" smtClean="0"/>
-              <a:t>28.01.2018</a:t>
+              <a:t>30.01.2018</a:t>
             </a:fld>
             <a:endParaRPr lang="de-CH"/>
           </a:p>
@@ -3058,7 +3063,7 @@
           <a:p>
             <a:fld id="{9A52744F-0620-4A81-84A0-5B203D154010}" type="datetimeFigureOut">
               <a:rPr lang="de-CH" smtClean="0"/>
-              <a:t>28.01.2018</a:t>
+              <a:t>30.01.2018</a:t>
             </a:fld>
             <a:endParaRPr lang="de-CH"/>
           </a:p>
@@ -3742,19 +3747,43 @@
           <a:p>
             <a:r>
               <a:rPr lang="de-CH" dirty="0"/>
-              <a:t>Webseite zeigen, von UZH Projekt sprechen</a:t>
-            </a:r>
-          </a:p>
-          <a:p>
-            <a:r>
-              <a:rPr lang="de-CH" dirty="0"/>
-              <a:t>Eingabe von Sätzen zeigen, Tonbeispiele abspielen</a:t>
-            </a:r>
-          </a:p>
-          <a:p>
-            <a:r>
-              <a:rPr lang="de-CH" dirty="0"/>
-              <a:t>Problemstellung</a:t>
+              <a:t>Webseite zeigen, von UZH Projekt sprechen (</a:t>
+            </a:r>
+            <a:r>
+              <a:rPr lang="de-CH" dirty="0" err="1"/>
+              <a:t>matthias</a:t>
+            </a:r>
+            <a:r>
+              <a:rPr lang="de-CH" dirty="0"/>
+              <a:t>)</a:t>
+            </a:r>
+          </a:p>
+          <a:p>
+            <a:r>
+              <a:rPr lang="de-CH" dirty="0"/>
+              <a:t>Eingabe von Sätzen zeigen, Tonbeispiele abspielen (</a:t>
+            </a:r>
+            <a:r>
+              <a:rPr lang="de-CH" dirty="0" err="1"/>
+              <a:t>matthias</a:t>
+            </a:r>
+            <a:r>
+              <a:rPr lang="de-CH" dirty="0"/>
+              <a:t>)</a:t>
+            </a:r>
+          </a:p>
+          <a:p>
+            <a:r>
+              <a:rPr lang="de-CH" dirty="0"/>
+              <a:t>Problemstellung(Matthias ziele </a:t>
+            </a:r>
+            <a:r>
+              <a:rPr lang="de-CH" dirty="0" err="1"/>
+              <a:t>arbeit</a:t>
+            </a:r>
+            <a:r>
+              <a:rPr lang="de-CH" dirty="0"/>
+              <a:t> plus fragen)</a:t>
             </a:r>
           </a:p>
           <a:p>
@@ -3768,20 +3797,45 @@
             </a:r>
             <a:r>
               <a:rPr lang="de-CH" dirty="0"/>
-              <a:t> mit mind. 1 offensichtlich schlechten Satz)</a:t>
-            </a:r>
-          </a:p>
-          <a:p>
-            <a:r>
-              <a:rPr lang="de-CH" dirty="0"/>
-              <a:t>Wir müssen schlechte ausfiltern</a:t>
-            </a:r>
-          </a:p>
-          <a:p>
-            <a:r>
-              <a:rPr lang="de-CH" dirty="0"/>
-              <a:t>Was ist ein schlechter Satz (wie gut ist ein Satz)</a:t>
-            </a:r>
+              <a:t> mit mind. 1 offensichtlich schlechten Satz)(</a:t>
+            </a:r>
+            <a:r>
+              <a:rPr lang="de-CH" dirty="0" err="1"/>
+              <a:t>matthias</a:t>
+            </a:r>
+            <a:r>
+              <a:rPr lang="de-CH" dirty="0"/>
+              <a:t>)</a:t>
+            </a:r>
+          </a:p>
+          <a:p>
+            <a:r>
+              <a:rPr lang="de-CH" dirty="0"/>
+              <a:t>Wir müssen schlechte ausfiltern (</a:t>
+            </a:r>
+            <a:r>
+              <a:rPr lang="de-CH" dirty="0" err="1"/>
+              <a:t>matthias</a:t>
+            </a:r>
+            <a:r>
+              <a:rPr lang="de-CH" dirty="0"/>
+              <a:t>)</a:t>
+            </a:r>
+          </a:p>
+          <a:p>
+            <a:r>
+              <a:rPr lang="de-CH" dirty="0"/>
+              <a:t>Was ist ein schlechter Satz (wie gut ist ein Satz) (</a:t>
+            </a:r>
+            <a:r>
+              <a:rPr lang="de-CH" dirty="0" err="1"/>
+              <a:t>matthias</a:t>
+            </a:r>
+            <a:r>
+              <a:rPr lang="de-CH"/>
+              <a:t>)</a:t>
+            </a:r>
+            <a:endParaRPr lang="de-CH" dirty="0"/>
           </a:p>
           <a:p>
             <a:r>

--- a/doc/IP5_Präsentation.pptx
+++ b/doc/IP5_Präsentation.pptx
@@ -4,13 +4,24 @@
   <p:sldMasterIdLst>
     <p:sldMasterId id="2147483648" r:id="rId1"/>
   </p:sldMasterIdLst>
+  <p:notesMasterIdLst>
+    <p:notesMasterId r:id="rId16"/>
+  </p:notesMasterIdLst>
   <p:sldIdLst>
     <p:sldId id="256" r:id="rId2"/>
     <p:sldId id="261" r:id="rId3"/>
     <p:sldId id="257" r:id="rId4"/>
     <p:sldId id="259" r:id="rId5"/>
     <p:sldId id="260" r:id="rId6"/>
-    <p:sldId id="258" r:id="rId7"/>
+    <p:sldId id="262" r:id="rId7"/>
+    <p:sldId id="263" r:id="rId8"/>
+    <p:sldId id="264" r:id="rId9"/>
+    <p:sldId id="265" r:id="rId10"/>
+    <p:sldId id="266" r:id="rId11"/>
+    <p:sldId id="267" r:id="rId12"/>
+    <p:sldId id="268" r:id="rId13"/>
+    <p:sldId id="269" r:id="rId14"/>
+    <p:sldId id="258" r:id="rId15"/>
   </p:sldIdLst>
   <p:sldSz cx="12192000" cy="6858000"/>
   <p:notesSz cx="6858000" cy="9144000"/>
@@ -117,12 +128,16 @@
 </p:presentation>
 </file>
 
+<file path=ppt/revisionInfo.xml><?xml version="1.0" encoding="utf-8"?>
+<p1510:revInfo xmlns:a="http://schemas.openxmlformats.org/drawingml/2006/main" xmlns:r="http://schemas.openxmlformats.org/officeDocument/2006/relationships" xmlns:p1510="http://schemas.microsoft.com/office/powerpoint/2015/10/main"/>
+</file>
+
 <file path=ppt/changesInfos/changesInfo1.xml><?xml version="1.0" encoding="utf-8"?>
 <pc:chgInfo xmlns:a="http://schemas.openxmlformats.org/drawingml/2006/main" xmlns:r="http://schemas.openxmlformats.org/officeDocument/2006/relationships" xmlns:ac="http://schemas.microsoft.com/office/drawing/2013/main/command" xmlns:pc="http://schemas.microsoft.com/office/powerpoint/2013/main/command">
   <pc:docChgLst>
     <pc:chgData name="Matthias Ernst" userId="df635837de665df2" providerId="LiveId" clId="{07710505-4B3F-46BD-9A31-15FA784D19EE}"/>
-    <pc:docChg chg="undo custSel addSld modSld">
-      <pc:chgData name="Matthias Ernst" userId="df635837de665df2" providerId="LiveId" clId="{07710505-4B3F-46BD-9A31-15FA784D19EE}" dt="2018-01-29T15:58:09.896" v="1985" actId="20577"/>
+    <pc:docChg chg="undo redo custSel addSld modSld">
+      <pc:chgData name="Matthias Ernst" userId="df635837de665df2" providerId="LiveId" clId="{07710505-4B3F-46BD-9A31-15FA784D19EE}" dt="2018-01-30T09:29:05.910" v="2172"/>
       <pc:docMkLst>
         <pc:docMk/>
       </pc:docMkLst>
@@ -218,12 +233,116 @@
           </ac:spMkLst>
         </pc:spChg>
       </pc:sldChg>
-      <pc:sldChg chg="add">
-        <pc:chgData name="Matthias Ernst" userId="df635837de665df2" providerId="LiveId" clId="{07710505-4B3F-46BD-9A31-15FA784D19EE}" dt="2018-01-28T15:17:20.288" v="1830" actId="20577"/>
+      <pc:sldChg chg="addSp delSp modSp add mod setBg setClrOvrMap modNotesTx">
+        <pc:chgData name="Matthias Ernst" userId="df635837de665df2" providerId="LiveId" clId="{07710505-4B3F-46BD-9A31-15FA784D19EE}" dt="2018-01-30T09:19:36.726" v="2008" actId="26606"/>
         <pc:sldMkLst>
           <pc:docMk/>
           <pc:sldMk cId="1187637616" sldId="260"/>
         </pc:sldMkLst>
+        <pc:spChg chg="mod">
+          <ac:chgData name="Matthias Ernst" userId="df635837de665df2" providerId="LiveId" clId="{07710505-4B3F-46BD-9A31-15FA784D19EE}" dt="2018-01-30T09:19:36.726" v="2008" actId="26606"/>
+          <ac:spMkLst>
+            <pc:docMk/>
+            <pc:sldMk cId="1187637616" sldId="260"/>
+            <ac:spMk id="2" creationId="{EE38F210-1E8E-4E2A-9174-110A5C3E2FA7}"/>
+          </ac:spMkLst>
+        </pc:spChg>
+        <pc:spChg chg="mod">
+          <ac:chgData name="Matthias Ernst" userId="df635837de665df2" providerId="LiveId" clId="{07710505-4B3F-46BD-9A31-15FA784D19EE}" dt="2018-01-30T09:19:36.726" v="2008" actId="26606"/>
+          <ac:spMkLst>
+            <pc:docMk/>
+            <pc:sldMk cId="1187637616" sldId="260"/>
+            <ac:spMk id="3" creationId="{C2B529A9-146E-457E-895A-DCD62B292D65}"/>
+          </ac:spMkLst>
+        </pc:spChg>
+        <pc:spChg chg="add del">
+          <ac:chgData name="Matthias Ernst" userId="df635837de665df2" providerId="LiveId" clId="{07710505-4B3F-46BD-9A31-15FA784D19EE}" dt="2018-01-30T09:18:57.268" v="1997" actId="26606"/>
+          <ac:spMkLst>
+            <pc:docMk/>
+            <pc:sldMk cId="1187637616" sldId="260"/>
+            <ac:spMk id="9" creationId="{71B2258F-86CA-4D4D-8270-BC05FCDEBFB3}"/>
+          </ac:spMkLst>
+        </pc:spChg>
+        <pc:spChg chg="add del">
+          <ac:chgData name="Matthias Ernst" userId="df635837de665df2" providerId="LiveId" clId="{07710505-4B3F-46BD-9A31-15FA784D19EE}" dt="2018-01-30T09:19:00.166" v="1999" actId="26606"/>
+          <ac:spMkLst>
+            <pc:docMk/>
+            <pc:sldMk cId="1187637616" sldId="260"/>
+            <ac:spMk id="12" creationId="{AB45A142-4255-493C-8284-5D566C121B10}"/>
+          </ac:spMkLst>
+        </pc:spChg>
+        <pc:spChg chg="add del">
+          <ac:chgData name="Matthias Ernst" userId="df635837de665df2" providerId="LiveId" clId="{07710505-4B3F-46BD-9A31-15FA784D19EE}" dt="2018-01-30T09:19:04.504" v="2001" actId="26606"/>
+          <ac:spMkLst>
+            <pc:docMk/>
+            <pc:sldMk cId="1187637616" sldId="260"/>
+            <ac:spMk id="13" creationId="{B672F332-AF08-46C6-94F0-77684310D7B7}"/>
+          </ac:spMkLst>
+        </pc:spChg>
+        <pc:spChg chg="add del">
+          <ac:chgData name="Matthias Ernst" userId="df635837de665df2" providerId="LiveId" clId="{07710505-4B3F-46BD-9A31-15FA784D19EE}" dt="2018-01-30T09:19:04.504" v="2001" actId="26606"/>
+          <ac:spMkLst>
+            <pc:docMk/>
+            <pc:sldMk cId="1187637616" sldId="260"/>
+            <ac:spMk id="14" creationId="{559AE206-7EBA-4D33-8BC9-9D8158553F0E}"/>
+          </ac:spMkLst>
+        </pc:spChg>
+        <pc:spChg chg="add del">
+          <ac:chgData name="Matthias Ernst" userId="df635837de665df2" providerId="LiveId" clId="{07710505-4B3F-46BD-9A31-15FA784D19EE}" dt="2018-01-30T09:19:04.504" v="2001" actId="26606"/>
+          <ac:spMkLst>
+            <pc:docMk/>
+            <pc:sldMk cId="1187637616" sldId="260"/>
+            <ac:spMk id="15" creationId="{34244EF8-D73A-40E1-BE73-D46E6B4B04ED}"/>
+          </ac:spMkLst>
+        </pc:spChg>
+        <pc:spChg chg="add del">
+          <ac:chgData name="Matthias Ernst" userId="df635837de665df2" providerId="LiveId" clId="{07710505-4B3F-46BD-9A31-15FA784D19EE}" dt="2018-01-30T09:19:04.504" v="2001" actId="26606"/>
+          <ac:spMkLst>
+            <pc:docMk/>
+            <pc:sldMk cId="1187637616" sldId="260"/>
+            <ac:spMk id="17" creationId="{6437D937-A7F1-4011-92B4-328E5BE1B166}"/>
+          </ac:spMkLst>
+        </pc:spChg>
+        <pc:spChg chg="add del">
+          <ac:chgData name="Matthias Ernst" userId="df635837de665df2" providerId="LiveId" clId="{07710505-4B3F-46BD-9A31-15FA784D19EE}" dt="2018-01-30T09:19:36.726" v="2008" actId="26606"/>
+          <ac:spMkLst>
+            <pc:docMk/>
+            <pc:sldMk cId="1187637616" sldId="260"/>
+            <ac:spMk id="19" creationId="{AB45A142-4255-493C-8284-5D566C121B10}"/>
+          </ac:spMkLst>
+        </pc:spChg>
+        <pc:picChg chg="add mod ord">
+          <ac:chgData name="Matthias Ernst" userId="df635837de665df2" providerId="LiveId" clId="{07710505-4B3F-46BD-9A31-15FA784D19EE}" dt="2018-01-30T09:19:36.726" v="2008" actId="26606"/>
+          <ac:picMkLst>
+            <pc:docMk/>
+            <pc:sldMk cId="1187637616" sldId="260"/>
+            <ac:picMk id="4" creationId="{95532021-EBDB-4896-89AE-561EB24351A0}"/>
+          </ac:picMkLst>
+        </pc:picChg>
+        <pc:cxnChg chg="add del">
+          <ac:chgData name="Matthias Ernst" userId="df635837de665df2" providerId="LiveId" clId="{07710505-4B3F-46BD-9A31-15FA784D19EE}" dt="2018-01-30T09:19:00.166" v="1999" actId="26606"/>
+          <ac:cxnSpMkLst>
+            <pc:docMk/>
+            <pc:sldMk cId="1187637616" sldId="260"/>
+            <ac:cxnSpMk id="11" creationId="{38FB9660-F42F-4313-BBC4-47C007FE484C}"/>
+          </ac:cxnSpMkLst>
+        </pc:cxnChg>
+        <pc:cxnChg chg="add del">
+          <ac:chgData name="Matthias Ernst" userId="df635837de665df2" providerId="LiveId" clId="{07710505-4B3F-46BD-9A31-15FA784D19EE}" dt="2018-01-30T09:19:04.504" v="2001" actId="26606"/>
+          <ac:cxnSpMkLst>
+            <pc:docMk/>
+            <pc:sldMk cId="1187637616" sldId="260"/>
+            <ac:cxnSpMk id="16" creationId="{9E8E38ED-369A-44C2-B635-0BED0E48A6E8}"/>
+          </ac:cxnSpMkLst>
+        </pc:cxnChg>
+        <pc:cxnChg chg="add del">
+          <ac:chgData name="Matthias Ernst" userId="df635837de665df2" providerId="LiveId" clId="{07710505-4B3F-46BD-9A31-15FA784D19EE}" dt="2018-01-30T09:19:36.726" v="2008" actId="26606"/>
+          <ac:cxnSpMkLst>
+            <pc:docMk/>
+            <pc:sldMk cId="1187637616" sldId="260"/>
+            <ac:cxnSpMk id="20" creationId="{38FB9660-F42F-4313-BBC4-47C007FE484C}"/>
+          </ac:cxnSpMkLst>
+        </pc:cxnChg>
       </pc:sldChg>
       <pc:sldChg chg="modSp add">
         <pc:chgData name="Matthias Ernst" userId="df635837de665df2" providerId="LiveId" clId="{07710505-4B3F-46BD-9A31-15FA784D19EE}" dt="2018-01-28T15:21:31.912" v="1850" actId="20577"/>
@@ -240,9 +359,1483 @@
           </ac:spMkLst>
         </pc:spChg>
       </pc:sldChg>
+      <pc:sldChg chg="addSp delSp modSp add">
+        <pc:chgData name="Matthias Ernst" userId="df635837de665df2" providerId="LiveId" clId="{07710505-4B3F-46BD-9A31-15FA784D19EE}" dt="2018-01-30T09:21:08.841" v="2043" actId="20577"/>
+        <pc:sldMkLst>
+          <pc:docMk/>
+          <pc:sldMk cId="1533386935" sldId="262"/>
+        </pc:sldMkLst>
+        <pc:spChg chg="mod">
+          <ac:chgData name="Matthias Ernst" userId="df635837de665df2" providerId="LiveId" clId="{07710505-4B3F-46BD-9A31-15FA784D19EE}" dt="2018-01-30T09:21:08.841" v="2043" actId="20577"/>
+          <ac:spMkLst>
+            <pc:docMk/>
+            <pc:sldMk cId="1533386935" sldId="262"/>
+            <ac:spMk id="2" creationId="{192D5B4B-DBBB-4D64-B9B1-F0D6841A5E6E}"/>
+          </ac:spMkLst>
+        </pc:spChg>
+        <pc:spChg chg="del">
+          <ac:chgData name="Matthias Ernst" userId="df635837de665df2" providerId="LiveId" clId="{07710505-4B3F-46BD-9A31-15FA784D19EE}" dt="2018-01-30T09:20:44.728" v="2010" actId="20577"/>
+          <ac:spMkLst>
+            <pc:docMk/>
+            <pc:sldMk cId="1533386935" sldId="262"/>
+            <ac:spMk id="3" creationId="{6206E292-26FD-4A1E-A03F-D58BC359332A}"/>
+          </ac:spMkLst>
+        </pc:spChg>
+        <pc:picChg chg="add mod">
+          <ac:chgData name="Matthias Ernst" userId="df635837de665df2" providerId="LiveId" clId="{07710505-4B3F-46BD-9A31-15FA784D19EE}" dt="2018-01-30T09:20:44.728" v="2010" actId="20577"/>
+          <ac:picMkLst>
+            <pc:docMk/>
+            <pc:sldMk cId="1533386935" sldId="262"/>
+            <ac:picMk id="4" creationId="{D6B35A9B-4199-4482-8FED-BF89F83A1387}"/>
+          </ac:picMkLst>
+        </pc:picChg>
+      </pc:sldChg>
+      <pc:sldChg chg="addSp delSp modSp add modNotesTx">
+        <pc:chgData name="Matthias Ernst" userId="df635837de665df2" providerId="LiveId" clId="{07710505-4B3F-46BD-9A31-15FA784D19EE}" dt="2018-01-30T09:29:05.910" v="2172"/>
+        <pc:sldMkLst>
+          <pc:docMk/>
+          <pc:sldMk cId="2005733577" sldId="263"/>
+        </pc:sldMkLst>
+        <pc:spChg chg="mod">
+          <ac:chgData name="Matthias Ernst" userId="df635837de665df2" providerId="LiveId" clId="{07710505-4B3F-46BD-9A31-15FA784D19EE}" dt="2018-01-30T09:24:35.758" v="2109" actId="20577"/>
+          <ac:spMkLst>
+            <pc:docMk/>
+            <pc:sldMk cId="2005733577" sldId="263"/>
+            <ac:spMk id="2" creationId="{FE8D31B3-EB2A-499E-8726-D707E776407D}"/>
+          </ac:spMkLst>
+        </pc:spChg>
+        <pc:spChg chg="del">
+          <ac:chgData name="Matthias Ernst" userId="df635837de665df2" providerId="LiveId" clId="{07710505-4B3F-46BD-9A31-15FA784D19EE}" dt="2018-01-30T09:22:04.895" v="2045"/>
+          <ac:spMkLst>
+            <pc:docMk/>
+            <pc:sldMk cId="2005733577" sldId="263"/>
+            <ac:spMk id="3" creationId="{DEC5A201-ABFE-424E-A4F4-821612FE42B2}"/>
+          </ac:spMkLst>
+        </pc:spChg>
+        <pc:spChg chg="add del mod">
+          <ac:chgData name="Matthias Ernst" userId="df635837de665df2" providerId="LiveId" clId="{07710505-4B3F-46BD-9A31-15FA784D19EE}" dt="2018-01-30T09:27:18.412" v="2167"/>
+          <ac:spMkLst>
+            <pc:docMk/>
+            <pc:sldMk cId="2005733577" sldId="263"/>
+            <ac:spMk id="5" creationId="{D4B75463-C366-4034-B5C6-80A81B27F00A}"/>
+          </ac:spMkLst>
+        </pc:spChg>
+        <pc:spChg chg="add mod">
+          <ac:chgData name="Matthias Ernst" userId="df635837de665df2" providerId="LiveId" clId="{07710505-4B3F-46BD-9A31-15FA784D19EE}" dt="2018-01-30T09:26:55.229" v="2157" actId="2085"/>
+          <ac:spMkLst>
+            <pc:docMk/>
+            <pc:sldMk cId="2005733577" sldId="263"/>
+            <ac:spMk id="6" creationId="{91B95A9B-9792-4121-AFBE-322179A1022F}"/>
+          </ac:spMkLst>
+        </pc:spChg>
+        <pc:spChg chg="add mod">
+          <ac:chgData name="Matthias Ernst" userId="df635837de665df2" providerId="LiveId" clId="{07710505-4B3F-46BD-9A31-15FA784D19EE}" dt="2018-01-30T09:29:05.910" v="2172"/>
+          <ac:spMkLst>
+            <pc:docMk/>
+            <pc:sldMk cId="2005733577" sldId="263"/>
+            <ac:spMk id="7" creationId="{18B6D0A0-7776-43DA-A094-B0EB8577C848}"/>
+          </ac:spMkLst>
+        </pc:spChg>
+        <pc:picChg chg="add mod">
+          <ac:chgData name="Matthias Ernst" userId="df635837de665df2" providerId="LiveId" clId="{07710505-4B3F-46BD-9A31-15FA784D19EE}" dt="2018-01-30T09:27:17.679" v="2165" actId="1076"/>
+          <ac:picMkLst>
+            <pc:docMk/>
+            <pc:sldMk cId="2005733577" sldId="263"/>
+            <ac:picMk id="4" creationId="{B7650D72-1569-4394-ADBB-0253E391A25D}"/>
+          </ac:picMkLst>
+        </pc:picChg>
+      </pc:sldChg>
     </pc:docChg>
   </pc:docChgLst>
 </pc:chgInfo>
+</file>
+
+<file path=ppt/notesMasters/notesMaster1.xml><?xml version="1.0" encoding="utf-8"?>
+<p:notesMaster xmlns:a="http://schemas.openxmlformats.org/drawingml/2006/main" xmlns:r="http://schemas.openxmlformats.org/officeDocument/2006/relationships" xmlns:p="http://schemas.openxmlformats.org/presentationml/2006/main">
+  <p:cSld>
+    <p:bg>
+      <p:bgRef idx="1001">
+        <a:schemeClr val="bg1"/>
+      </p:bgRef>
+    </p:bg>
+    <p:spTree>
+      <p:nvGrpSpPr>
+        <p:cNvPr id="1" name=""/>
+        <p:cNvGrpSpPr/>
+        <p:nvPr/>
+      </p:nvGrpSpPr>
+      <p:grpSpPr>
+        <a:xfrm>
+          <a:off x="0" y="0"/>
+          <a:ext cx="0" cy="0"/>
+          <a:chOff x="0" y="0"/>
+          <a:chExt cx="0" cy="0"/>
+        </a:xfrm>
+      </p:grpSpPr>
+      <p:sp>
+        <p:nvSpPr>
+          <p:cNvPr id="2" name="Kopfzeilenplatzhalter 1"/>
+          <p:cNvSpPr>
+            <a:spLocks noGrp="1"/>
+          </p:cNvSpPr>
+          <p:nvPr>
+            <p:ph type="hdr" sz="quarter"/>
+          </p:nvPr>
+        </p:nvSpPr>
+        <p:spPr>
+          <a:xfrm>
+            <a:off x="0" y="0"/>
+            <a:ext cx="2971800" cy="458788"/>
+          </a:xfrm>
+          <a:prstGeom prst="rect">
+            <a:avLst/>
+          </a:prstGeom>
+        </p:spPr>
+        <p:txBody>
+          <a:bodyPr vert="horz" lIns="91440" tIns="45720" rIns="91440" bIns="45720" rtlCol="0"/>
+          <a:lstStyle>
+            <a:lvl1pPr algn="l">
+              <a:defRPr sz="1200"/>
+            </a:lvl1pPr>
+          </a:lstStyle>
+          <a:p>
+            <a:endParaRPr lang="de-CH"/>
+          </a:p>
+        </p:txBody>
+      </p:sp>
+      <p:sp>
+        <p:nvSpPr>
+          <p:cNvPr id="3" name="Datumsplatzhalter 2"/>
+          <p:cNvSpPr>
+            <a:spLocks noGrp="1"/>
+          </p:cNvSpPr>
+          <p:nvPr>
+            <p:ph type="dt" idx="1"/>
+          </p:nvPr>
+        </p:nvSpPr>
+        <p:spPr>
+          <a:xfrm>
+            <a:off x="3884613" y="0"/>
+            <a:ext cx="2971800" cy="458788"/>
+          </a:xfrm>
+          <a:prstGeom prst="rect">
+            <a:avLst/>
+          </a:prstGeom>
+        </p:spPr>
+        <p:txBody>
+          <a:bodyPr vert="horz" lIns="91440" tIns="45720" rIns="91440" bIns="45720" rtlCol="0"/>
+          <a:lstStyle>
+            <a:lvl1pPr algn="r">
+              <a:defRPr sz="1200"/>
+            </a:lvl1pPr>
+          </a:lstStyle>
+          <a:p>
+            <a:fld id="{2F468405-9BEB-4A75-AE5D-FBB2AC4FD6EF}" type="datetimeFigureOut">
+              <a:rPr lang="de-CH" smtClean="0"/>
+              <a:t>30.01.2018</a:t>
+            </a:fld>
+            <a:endParaRPr lang="de-CH"/>
+          </a:p>
+        </p:txBody>
+      </p:sp>
+      <p:sp>
+        <p:nvSpPr>
+          <p:cNvPr id="4" name="Folienbildplatzhalter 3"/>
+          <p:cNvSpPr>
+            <a:spLocks noGrp="1" noRot="1" noChangeAspect="1"/>
+          </p:cNvSpPr>
+          <p:nvPr>
+            <p:ph type="sldImg" idx="2"/>
+          </p:nvPr>
+        </p:nvSpPr>
+        <p:spPr>
+          <a:xfrm>
+            <a:off x="685800" y="1143000"/>
+            <a:ext cx="5486400" cy="3086100"/>
+          </a:xfrm>
+          <a:prstGeom prst="rect">
+            <a:avLst/>
+          </a:prstGeom>
+          <a:noFill/>
+          <a:ln w="12700">
+            <a:solidFill>
+              <a:prstClr val="black"/>
+            </a:solidFill>
+          </a:ln>
+        </p:spPr>
+        <p:txBody>
+          <a:bodyPr vert="horz" lIns="91440" tIns="45720" rIns="91440" bIns="45720" rtlCol="0" anchor="ctr"/>
+          <a:lstStyle/>
+          <a:p>
+            <a:endParaRPr lang="de-CH"/>
+          </a:p>
+        </p:txBody>
+      </p:sp>
+      <p:sp>
+        <p:nvSpPr>
+          <p:cNvPr id="5" name="Notizenplatzhalter 4"/>
+          <p:cNvSpPr>
+            <a:spLocks noGrp="1"/>
+          </p:cNvSpPr>
+          <p:nvPr>
+            <p:ph type="body" sz="quarter" idx="3"/>
+          </p:nvPr>
+        </p:nvSpPr>
+        <p:spPr>
+          <a:xfrm>
+            <a:off x="685800" y="4400550"/>
+            <a:ext cx="5486400" cy="3600450"/>
+          </a:xfrm>
+          <a:prstGeom prst="rect">
+            <a:avLst/>
+          </a:prstGeom>
+        </p:spPr>
+        <p:txBody>
+          <a:bodyPr vert="horz" lIns="91440" tIns="45720" rIns="91440" bIns="45720" rtlCol="0"/>
+          <a:lstStyle/>
+          <a:p>
+            <a:pPr lvl="0"/>
+            <a:r>
+              <a:rPr lang="de-DE"/>
+              <a:t>Mastertextformat bearbeiten</a:t>
+            </a:r>
+          </a:p>
+          <a:p>
+            <a:pPr lvl="1"/>
+            <a:r>
+              <a:rPr lang="de-DE"/>
+              <a:t>Zweite Ebene</a:t>
+            </a:r>
+          </a:p>
+          <a:p>
+            <a:pPr lvl="2"/>
+            <a:r>
+              <a:rPr lang="de-DE"/>
+              <a:t>Dritte Ebene</a:t>
+            </a:r>
+          </a:p>
+          <a:p>
+            <a:pPr lvl="3"/>
+            <a:r>
+              <a:rPr lang="de-DE"/>
+              <a:t>Vierte Ebene</a:t>
+            </a:r>
+          </a:p>
+          <a:p>
+            <a:pPr lvl="4"/>
+            <a:r>
+              <a:rPr lang="de-DE"/>
+              <a:t>Fünfte Ebene</a:t>
+            </a:r>
+            <a:endParaRPr lang="de-CH"/>
+          </a:p>
+        </p:txBody>
+      </p:sp>
+      <p:sp>
+        <p:nvSpPr>
+          <p:cNvPr id="6" name="Fußzeilenplatzhalter 5"/>
+          <p:cNvSpPr>
+            <a:spLocks noGrp="1"/>
+          </p:cNvSpPr>
+          <p:nvPr>
+            <p:ph type="ftr" sz="quarter" idx="4"/>
+          </p:nvPr>
+        </p:nvSpPr>
+        <p:spPr>
+          <a:xfrm>
+            <a:off x="0" y="8685213"/>
+            <a:ext cx="2971800" cy="458787"/>
+          </a:xfrm>
+          <a:prstGeom prst="rect">
+            <a:avLst/>
+          </a:prstGeom>
+        </p:spPr>
+        <p:txBody>
+          <a:bodyPr vert="horz" lIns="91440" tIns="45720" rIns="91440" bIns="45720" rtlCol="0" anchor="b"/>
+          <a:lstStyle>
+            <a:lvl1pPr algn="l">
+              <a:defRPr sz="1200"/>
+            </a:lvl1pPr>
+          </a:lstStyle>
+          <a:p>
+            <a:endParaRPr lang="de-CH"/>
+          </a:p>
+        </p:txBody>
+      </p:sp>
+      <p:sp>
+        <p:nvSpPr>
+          <p:cNvPr id="7" name="Foliennummernplatzhalter 6"/>
+          <p:cNvSpPr>
+            <a:spLocks noGrp="1"/>
+          </p:cNvSpPr>
+          <p:nvPr>
+            <p:ph type="sldNum" sz="quarter" idx="5"/>
+          </p:nvPr>
+        </p:nvSpPr>
+        <p:spPr>
+          <a:xfrm>
+            <a:off x="3884613" y="8685213"/>
+            <a:ext cx="2971800" cy="458787"/>
+          </a:xfrm>
+          <a:prstGeom prst="rect">
+            <a:avLst/>
+          </a:prstGeom>
+        </p:spPr>
+        <p:txBody>
+          <a:bodyPr vert="horz" lIns="91440" tIns="45720" rIns="91440" bIns="45720" rtlCol="0" anchor="b"/>
+          <a:lstStyle>
+            <a:lvl1pPr algn="r">
+              <a:defRPr sz="1200"/>
+            </a:lvl1pPr>
+          </a:lstStyle>
+          <a:p>
+            <a:fld id="{E295798E-7BEE-4A25-96C8-F832B2F1E69A}" type="slidenum">
+              <a:rPr lang="de-CH" smtClean="0"/>
+              <a:t>‹Nr.›</a:t>
+            </a:fld>
+            <a:endParaRPr lang="de-CH"/>
+          </a:p>
+        </p:txBody>
+      </p:sp>
+    </p:spTree>
+    <p:extLst>
+      <p:ext uri="{BB962C8B-B14F-4D97-AF65-F5344CB8AC3E}">
+        <p14:creationId xmlns:p14="http://schemas.microsoft.com/office/powerpoint/2010/main" val="1929126454"/>
+      </p:ext>
+    </p:extLst>
+  </p:cSld>
+  <p:clrMap bg1="lt1" tx1="dk1" bg2="lt2" tx2="dk2" accent1="accent1" accent2="accent2" accent3="accent3" accent4="accent4" accent5="accent5" accent6="accent6" hlink="hlink" folHlink="folHlink"/>
+  <p:notesStyle>
+    <a:lvl1pPr marL="0" algn="l" defTabSz="914400" rtl="0" eaLnBrk="1" latinLnBrk="0" hangingPunct="1">
+      <a:defRPr sz="1200" kern="1200">
+        <a:solidFill>
+          <a:schemeClr val="tx1"/>
+        </a:solidFill>
+        <a:latin typeface="+mn-lt"/>
+        <a:ea typeface="+mn-ea"/>
+        <a:cs typeface="+mn-cs"/>
+      </a:defRPr>
+    </a:lvl1pPr>
+    <a:lvl2pPr marL="457200" algn="l" defTabSz="914400" rtl="0" eaLnBrk="1" latinLnBrk="0" hangingPunct="1">
+      <a:defRPr sz="1200" kern="1200">
+        <a:solidFill>
+          <a:schemeClr val="tx1"/>
+        </a:solidFill>
+        <a:latin typeface="+mn-lt"/>
+        <a:ea typeface="+mn-ea"/>
+        <a:cs typeface="+mn-cs"/>
+      </a:defRPr>
+    </a:lvl2pPr>
+    <a:lvl3pPr marL="914400" algn="l" defTabSz="914400" rtl="0" eaLnBrk="1" latinLnBrk="0" hangingPunct="1">
+      <a:defRPr sz="1200" kern="1200">
+        <a:solidFill>
+          <a:schemeClr val="tx1"/>
+        </a:solidFill>
+        <a:latin typeface="+mn-lt"/>
+        <a:ea typeface="+mn-ea"/>
+        <a:cs typeface="+mn-cs"/>
+      </a:defRPr>
+    </a:lvl3pPr>
+    <a:lvl4pPr marL="1371600" algn="l" defTabSz="914400" rtl="0" eaLnBrk="1" latinLnBrk="0" hangingPunct="1">
+      <a:defRPr sz="1200" kern="1200">
+        <a:solidFill>
+          <a:schemeClr val="tx1"/>
+        </a:solidFill>
+        <a:latin typeface="+mn-lt"/>
+        <a:ea typeface="+mn-ea"/>
+        <a:cs typeface="+mn-cs"/>
+      </a:defRPr>
+    </a:lvl4pPr>
+    <a:lvl5pPr marL="1828800" algn="l" defTabSz="914400" rtl="0" eaLnBrk="1" latinLnBrk="0" hangingPunct="1">
+      <a:defRPr sz="1200" kern="1200">
+        <a:solidFill>
+          <a:schemeClr val="tx1"/>
+        </a:solidFill>
+        <a:latin typeface="+mn-lt"/>
+        <a:ea typeface="+mn-ea"/>
+        <a:cs typeface="+mn-cs"/>
+      </a:defRPr>
+    </a:lvl5pPr>
+    <a:lvl6pPr marL="2286000" algn="l" defTabSz="914400" rtl="0" eaLnBrk="1" latinLnBrk="0" hangingPunct="1">
+      <a:defRPr sz="1200" kern="1200">
+        <a:solidFill>
+          <a:schemeClr val="tx1"/>
+        </a:solidFill>
+        <a:latin typeface="+mn-lt"/>
+        <a:ea typeface="+mn-ea"/>
+        <a:cs typeface="+mn-cs"/>
+      </a:defRPr>
+    </a:lvl6pPr>
+    <a:lvl7pPr marL="2743200" algn="l" defTabSz="914400" rtl="0" eaLnBrk="1" latinLnBrk="0" hangingPunct="1">
+      <a:defRPr sz="1200" kern="1200">
+        <a:solidFill>
+          <a:schemeClr val="tx1"/>
+        </a:solidFill>
+        <a:latin typeface="+mn-lt"/>
+        <a:ea typeface="+mn-ea"/>
+        <a:cs typeface="+mn-cs"/>
+      </a:defRPr>
+    </a:lvl7pPr>
+    <a:lvl8pPr marL="3200400" algn="l" defTabSz="914400" rtl="0" eaLnBrk="1" latinLnBrk="0" hangingPunct="1">
+      <a:defRPr sz="1200" kern="1200">
+        <a:solidFill>
+          <a:schemeClr val="tx1"/>
+        </a:solidFill>
+        <a:latin typeface="+mn-lt"/>
+        <a:ea typeface="+mn-ea"/>
+        <a:cs typeface="+mn-cs"/>
+      </a:defRPr>
+    </a:lvl8pPr>
+    <a:lvl9pPr marL="3657600" algn="l" defTabSz="914400" rtl="0" eaLnBrk="1" latinLnBrk="0" hangingPunct="1">
+      <a:defRPr sz="1200" kern="1200">
+        <a:solidFill>
+          <a:schemeClr val="tx1"/>
+        </a:solidFill>
+        <a:latin typeface="+mn-lt"/>
+        <a:ea typeface="+mn-ea"/>
+        <a:cs typeface="+mn-cs"/>
+      </a:defRPr>
+    </a:lvl9pPr>
+  </p:notesStyle>
+</p:notesMaster>
+</file>
+
+<file path=ppt/notesSlides/notesSlide1.xml><?xml version="1.0" encoding="utf-8"?>
+<p:notes xmlns:a="http://schemas.openxmlformats.org/drawingml/2006/main" xmlns:r="http://schemas.openxmlformats.org/officeDocument/2006/relationships" xmlns:p="http://schemas.openxmlformats.org/presentationml/2006/main">
+  <p:cSld>
+    <p:spTree>
+      <p:nvGrpSpPr>
+        <p:cNvPr id="1" name=""/>
+        <p:cNvGrpSpPr/>
+        <p:nvPr/>
+      </p:nvGrpSpPr>
+      <p:grpSpPr>
+        <a:xfrm>
+          <a:off x="0" y="0"/>
+          <a:ext cx="0" cy="0"/>
+          <a:chOff x="0" y="0"/>
+          <a:chExt cx="0" cy="0"/>
+        </a:xfrm>
+      </p:grpSpPr>
+      <p:sp>
+        <p:nvSpPr>
+          <p:cNvPr id="2" name="Folienbildplatzhalter 1"/>
+          <p:cNvSpPr>
+            <a:spLocks noGrp="1" noRot="1" noChangeAspect="1"/>
+          </p:cNvSpPr>
+          <p:nvPr>
+            <p:ph type="sldImg"/>
+          </p:nvPr>
+        </p:nvSpPr>
+        <p:spPr/>
+      </p:sp>
+      <p:sp>
+        <p:nvSpPr>
+          <p:cNvPr id="3" name="Notizenplatzhalter 2"/>
+          <p:cNvSpPr>
+            <a:spLocks noGrp="1"/>
+          </p:cNvSpPr>
+          <p:nvPr>
+            <p:ph type="body" idx="1"/>
+          </p:nvPr>
+        </p:nvSpPr>
+        <p:spPr/>
+        <p:txBody>
+          <a:bodyPr/>
+          <a:lstStyle/>
+          <a:p>
+            <a:r>
+              <a:rPr lang="de-CH" dirty="0"/>
+              <a:t>Im Rahmen des vom Schweizerischen </a:t>
+            </a:r>
+            <a:r>
+              <a:rPr lang="de-CH" dirty="0" err="1"/>
+              <a:t>Nationalfods</a:t>
+            </a:r>
+            <a:r>
+              <a:rPr lang="de-CH" dirty="0"/>
+              <a:t> geförderten Agora-Project «Citizen </a:t>
+            </a:r>
+            <a:r>
+              <a:rPr lang="de-CH" dirty="0" err="1"/>
+              <a:t>Linguistics</a:t>
+            </a:r>
+            <a:r>
+              <a:rPr lang="de-CH" dirty="0"/>
+              <a:t>: </a:t>
+            </a:r>
+            <a:r>
+              <a:rPr lang="de-CH" dirty="0" err="1"/>
+              <a:t>Locate</a:t>
+            </a:r>
+            <a:r>
+              <a:rPr lang="de-CH" dirty="0"/>
+              <a:t> </a:t>
+            </a:r>
+            <a:r>
+              <a:rPr lang="de-CH" dirty="0" err="1"/>
+              <a:t>that</a:t>
+            </a:r>
+            <a:r>
+              <a:rPr lang="de-CH" dirty="0"/>
+              <a:t> </a:t>
+            </a:r>
+            <a:r>
+              <a:rPr lang="de-CH" dirty="0" err="1"/>
+              <a:t>dialect</a:t>
+            </a:r>
+            <a:r>
+              <a:rPr lang="de-CH" dirty="0"/>
+              <a:t>!» ist die Website www.dindialaekt.ch/ entstanden. Auf dieser Website können Benutzer unter Anderem folgenden Task erledigen: </a:t>
+            </a:r>
+          </a:p>
+          <a:p>
+            <a:r>
+              <a:rPr lang="de-CH" dirty="0"/>
+              <a:t>• Transkription schweizerdeutschen Audiofiles </a:t>
+            </a:r>
+          </a:p>
+          <a:p>
+            <a:r>
+              <a:rPr lang="de-CH" dirty="0"/>
+              <a:t>• Identifizieren von Dialekten mittels Lokalisierung auf einer Karte </a:t>
+            </a:r>
+          </a:p>
+          <a:p>
+            <a:r>
+              <a:rPr lang="de-CH" dirty="0"/>
+              <a:t>• Übersetzung von schweizerdeutschen zu hochdeutschen Texten </a:t>
+            </a:r>
+          </a:p>
+        </p:txBody>
+      </p:sp>
+      <p:sp>
+        <p:nvSpPr>
+          <p:cNvPr id="4" name="Foliennummernplatzhalter 3"/>
+          <p:cNvSpPr>
+            <a:spLocks noGrp="1"/>
+          </p:cNvSpPr>
+          <p:nvPr>
+            <p:ph type="sldNum" sz="quarter" idx="10"/>
+          </p:nvPr>
+        </p:nvSpPr>
+        <p:spPr/>
+        <p:txBody>
+          <a:bodyPr/>
+          <a:lstStyle/>
+          <a:p>
+            <a:fld id="{E295798E-7BEE-4A25-96C8-F832B2F1E69A}" type="slidenum">
+              <a:rPr lang="de-CH" smtClean="0"/>
+              <a:t>5</a:t>
+            </a:fld>
+            <a:endParaRPr lang="de-CH"/>
+          </a:p>
+        </p:txBody>
+      </p:sp>
+    </p:spTree>
+    <p:extLst>
+      <p:ext uri="{BB962C8B-B14F-4D97-AF65-F5344CB8AC3E}">
+        <p14:creationId xmlns:p14="http://schemas.microsoft.com/office/powerpoint/2010/main" val="1948098643"/>
+      </p:ext>
+    </p:extLst>
+  </p:cSld>
+  <p:clrMapOvr>
+    <a:masterClrMapping/>
+  </p:clrMapOvr>
+</p:notes>
+</file>
+
+<file path=ppt/notesSlides/notesSlide2.xml><?xml version="1.0" encoding="utf-8"?>
+<p:notes xmlns:a="http://schemas.openxmlformats.org/drawingml/2006/main" xmlns:r="http://schemas.openxmlformats.org/officeDocument/2006/relationships" xmlns:p="http://schemas.openxmlformats.org/presentationml/2006/main">
+  <p:cSld>
+    <p:spTree>
+      <p:nvGrpSpPr>
+        <p:cNvPr id="1" name=""/>
+        <p:cNvGrpSpPr/>
+        <p:nvPr/>
+      </p:nvGrpSpPr>
+      <p:grpSpPr>
+        <a:xfrm>
+          <a:off x="0" y="0"/>
+          <a:ext cx="0" cy="0"/>
+          <a:chOff x="0" y="0"/>
+          <a:chExt cx="0" cy="0"/>
+        </a:xfrm>
+      </p:grpSpPr>
+      <p:sp>
+        <p:nvSpPr>
+          <p:cNvPr id="2" name="Folienbildplatzhalter 1"/>
+          <p:cNvSpPr>
+            <a:spLocks noGrp="1" noRot="1" noChangeAspect="1"/>
+          </p:cNvSpPr>
+          <p:nvPr>
+            <p:ph type="sldImg"/>
+          </p:nvPr>
+        </p:nvSpPr>
+        <p:spPr/>
+      </p:sp>
+      <p:sp>
+        <p:nvSpPr>
+          <p:cNvPr id="3" name="Notizenplatzhalter 2"/>
+          <p:cNvSpPr>
+            <a:spLocks noGrp="1"/>
+          </p:cNvSpPr>
+          <p:nvPr>
+            <p:ph type="body" idx="1"/>
+          </p:nvPr>
+        </p:nvSpPr>
+        <p:spPr/>
+        <p:txBody>
+          <a:bodyPr/>
+          <a:lstStyle/>
+          <a:p>
+            <a:endParaRPr lang="de-CH" dirty="0"/>
+          </a:p>
+        </p:txBody>
+      </p:sp>
+      <p:sp>
+        <p:nvSpPr>
+          <p:cNvPr id="4" name="Foliennummernplatzhalter 3"/>
+          <p:cNvSpPr>
+            <a:spLocks noGrp="1"/>
+          </p:cNvSpPr>
+          <p:nvPr>
+            <p:ph type="sldNum" sz="quarter" idx="10"/>
+          </p:nvPr>
+        </p:nvSpPr>
+        <p:spPr/>
+        <p:txBody>
+          <a:bodyPr/>
+          <a:lstStyle/>
+          <a:p>
+            <a:fld id="{E295798E-7BEE-4A25-96C8-F832B2F1E69A}" type="slidenum">
+              <a:rPr lang="de-CH" smtClean="0"/>
+              <a:t>6</a:t>
+            </a:fld>
+            <a:endParaRPr lang="de-CH"/>
+          </a:p>
+        </p:txBody>
+      </p:sp>
+    </p:spTree>
+    <p:extLst>
+      <p:ext uri="{BB962C8B-B14F-4D97-AF65-F5344CB8AC3E}">
+        <p14:creationId xmlns:p14="http://schemas.microsoft.com/office/powerpoint/2010/main" val="2628772706"/>
+      </p:ext>
+    </p:extLst>
+  </p:cSld>
+  <p:clrMapOvr>
+    <a:masterClrMapping/>
+  </p:clrMapOvr>
+</p:notes>
+</file>
+
+<file path=ppt/notesSlides/notesSlide3.xml><?xml version="1.0" encoding="utf-8"?>
+<p:notes xmlns:a="http://schemas.openxmlformats.org/drawingml/2006/main" xmlns:r="http://schemas.openxmlformats.org/officeDocument/2006/relationships" xmlns:p="http://schemas.openxmlformats.org/presentationml/2006/main">
+  <p:cSld>
+    <p:spTree>
+      <p:nvGrpSpPr>
+        <p:cNvPr id="1" name=""/>
+        <p:cNvGrpSpPr/>
+        <p:nvPr/>
+      </p:nvGrpSpPr>
+      <p:grpSpPr>
+        <a:xfrm>
+          <a:off x="0" y="0"/>
+          <a:ext cx="0" cy="0"/>
+          <a:chOff x="0" y="0"/>
+          <a:chExt cx="0" cy="0"/>
+        </a:xfrm>
+      </p:grpSpPr>
+      <p:sp>
+        <p:nvSpPr>
+          <p:cNvPr id="2" name="Folienbildplatzhalter 1"/>
+          <p:cNvSpPr>
+            <a:spLocks noGrp="1" noRot="1" noChangeAspect="1"/>
+          </p:cNvSpPr>
+          <p:nvPr>
+            <p:ph type="sldImg"/>
+          </p:nvPr>
+        </p:nvSpPr>
+        <p:spPr/>
+      </p:sp>
+      <p:sp>
+        <p:nvSpPr>
+          <p:cNvPr id="3" name="Notizenplatzhalter 2"/>
+          <p:cNvSpPr>
+            <a:spLocks noGrp="1"/>
+          </p:cNvSpPr>
+          <p:nvPr>
+            <p:ph type="body" idx="1"/>
+          </p:nvPr>
+        </p:nvSpPr>
+        <p:spPr/>
+        <p:txBody>
+          <a:bodyPr/>
+          <a:lstStyle/>
+          <a:p>
+            <a:r>
+              <a:rPr lang="de-CH" dirty="0"/>
+              <a:t>Gutes Beispiel, Ohne Fehler und Auslassungen</a:t>
+            </a:r>
+          </a:p>
+          <a:p>
+            <a:endParaRPr lang="de-CH" dirty="0"/>
+          </a:p>
+          <a:p>
+            <a:r>
+              <a:rPr lang="de-CH" dirty="0"/>
+              <a:t>• D </a:t>
+            </a:r>
+            <a:r>
+              <a:rPr lang="de-CH" dirty="0" err="1"/>
+              <a:t>sägässli</a:t>
+            </a:r>
+            <a:r>
+              <a:rPr lang="de-CH" dirty="0"/>
+              <a:t> </a:t>
+            </a:r>
+            <a:r>
+              <a:rPr lang="de-CH" dirty="0" err="1"/>
+              <a:t>diä</a:t>
+            </a:r>
+            <a:r>
+              <a:rPr lang="de-CH" dirty="0"/>
+              <a:t> </a:t>
+            </a:r>
+            <a:r>
+              <a:rPr lang="de-CH" dirty="0" err="1"/>
+              <a:t>wärdid</a:t>
+            </a:r>
+            <a:r>
+              <a:rPr lang="de-CH" dirty="0"/>
+              <a:t>       am </a:t>
+            </a:r>
+            <a:r>
+              <a:rPr lang="de-CH" dirty="0" err="1"/>
+              <a:t>oobet</a:t>
+            </a:r>
+            <a:r>
+              <a:rPr lang="de-CH" dirty="0"/>
+              <a:t> </a:t>
+            </a:r>
+            <a:r>
+              <a:rPr lang="de-CH" dirty="0" err="1"/>
+              <a:t>voräne</a:t>
+            </a:r>
+            <a:r>
+              <a:rPr lang="de-CH" dirty="0"/>
+              <a:t> schon      </a:t>
+            </a:r>
+            <a:r>
+              <a:rPr lang="de-CH" dirty="0" err="1"/>
+              <a:t>tänglet</a:t>
+            </a:r>
+            <a:r>
+              <a:rPr lang="de-CH" dirty="0"/>
+              <a:t> ins </a:t>
+            </a:r>
+            <a:r>
+              <a:rPr lang="de-CH" dirty="0" err="1"/>
+              <a:t>grüschtet</a:t>
+            </a:r>
+            <a:r>
+              <a:rPr lang="de-CH" dirty="0"/>
+              <a:t>      Dass </a:t>
+            </a:r>
+            <a:r>
+              <a:rPr lang="de-CH" dirty="0" err="1"/>
+              <a:t>me</a:t>
+            </a:r>
+            <a:r>
+              <a:rPr lang="de-CH" dirty="0"/>
+              <a:t> denn </a:t>
+            </a:r>
+            <a:r>
+              <a:rPr lang="de-CH" dirty="0" err="1"/>
+              <a:t>moore</a:t>
+            </a:r>
+            <a:r>
+              <a:rPr lang="de-CH" dirty="0"/>
+              <a:t>     </a:t>
+            </a:r>
+            <a:r>
+              <a:rPr lang="de-CH" dirty="0" err="1"/>
+              <a:t>dess</a:t>
+            </a:r>
+            <a:r>
+              <a:rPr lang="de-CH" dirty="0"/>
+              <a:t> a </a:t>
+            </a:r>
+            <a:r>
+              <a:rPr lang="de-CH" dirty="0" err="1"/>
+              <a:t>morgete</a:t>
+            </a:r>
+            <a:r>
+              <a:rPr lang="de-CH" dirty="0"/>
+              <a:t> </a:t>
+            </a:r>
+            <a:r>
+              <a:rPr lang="de-CH" dirty="0" err="1"/>
+              <a:t>cho</a:t>
+            </a:r>
+            <a:r>
+              <a:rPr lang="de-CH" dirty="0"/>
+              <a:t> </a:t>
+            </a:r>
+            <a:r>
+              <a:rPr lang="de-CH" dirty="0" err="1"/>
+              <a:t>druflousmääje</a:t>
+            </a:r>
+            <a:endParaRPr lang="de-CH" dirty="0"/>
+          </a:p>
+        </p:txBody>
+      </p:sp>
+      <p:sp>
+        <p:nvSpPr>
+          <p:cNvPr id="4" name="Foliennummernplatzhalter 3"/>
+          <p:cNvSpPr>
+            <a:spLocks noGrp="1"/>
+          </p:cNvSpPr>
+          <p:nvPr>
+            <p:ph type="sldNum" sz="quarter" idx="10"/>
+          </p:nvPr>
+        </p:nvSpPr>
+        <p:spPr/>
+        <p:txBody>
+          <a:bodyPr/>
+          <a:lstStyle/>
+          <a:p>
+            <a:fld id="{E295798E-7BEE-4A25-96C8-F832B2F1E69A}" type="slidenum">
+              <a:rPr lang="de-CH" smtClean="0"/>
+              <a:t>7</a:t>
+            </a:fld>
+            <a:endParaRPr lang="de-CH"/>
+          </a:p>
+        </p:txBody>
+      </p:sp>
+    </p:spTree>
+    <p:extLst>
+      <p:ext uri="{BB962C8B-B14F-4D97-AF65-F5344CB8AC3E}">
+        <p14:creationId xmlns:p14="http://schemas.microsoft.com/office/powerpoint/2010/main" val="4201625103"/>
+      </p:ext>
+    </p:extLst>
+  </p:cSld>
+  <p:clrMapOvr>
+    <a:masterClrMapping/>
+  </p:clrMapOvr>
+</p:notes>
+</file>
+
+<file path=ppt/notesSlides/notesSlide4.xml><?xml version="1.0" encoding="utf-8"?>
+<p:notes xmlns:a="http://schemas.openxmlformats.org/drawingml/2006/main" xmlns:r="http://schemas.openxmlformats.org/officeDocument/2006/relationships" xmlns:p="http://schemas.openxmlformats.org/presentationml/2006/main">
+  <p:cSld>
+    <p:spTree>
+      <p:nvGrpSpPr>
+        <p:cNvPr id="1" name=""/>
+        <p:cNvGrpSpPr/>
+        <p:nvPr/>
+      </p:nvGrpSpPr>
+      <p:grpSpPr>
+        <a:xfrm>
+          <a:off x="0" y="0"/>
+          <a:ext cx="0" cy="0"/>
+          <a:chOff x="0" y="0"/>
+          <a:chExt cx="0" cy="0"/>
+        </a:xfrm>
+      </p:grpSpPr>
+      <p:sp>
+        <p:nvSpPr>
+          <p:cNvPr id="2" name="Folienbildplatzhalter 1"/>
+          <p:cNvSpPr>
+            <a:spLocks noGrp="1" noRot="1" noChangeAspect="1"/>
+          </p:cNvSpPr>
+          <p:nvPr>
+            <p:ph type="sldImg"/>
+          </p:nvPr>
+        </p:nvSpPr>
+        <p:spPr/>
+      </p:sp>
+      <p:sp>
+        <p:nvSpPr>
+          <p:cNvPr id="3" name="Notizenplatzhalter 2"/>
+          <p:cNvSpPr>
+            <a:spLocks noGrp="1"/>
+          </p:cNvSpPr>
+          <p:nvPr>
+            <p:ph type="body" idx="1"/>
+          </p:nvPr>
+        </p:nvSpPr>
+        <p:spPr/>
+        <p:txBody>
+          <a:bodyPr/>
+          <a:lstStyle/>
+          <a:p>
+            <a:r>
+              <a:rPr lang="de-CH" dirty="0" err="1"/>
+              <a:t>Schelchte</a:t>
+            </a:r>
+            <a:r>
+              <a:rPr lang="de-CH" dirty="0"/>
+              <a:t> </a:t>
+            </a:r>
+            <a:r>
+              <a:rPr lang="de-CH" dirty="0" err="1"/>
+              <a:t>eingabe</a:t>
+            </a:r>
+            <a:r>
+              <a:rPr lang="de-CH" dirty="0"/>
+              <a:t>, </a:t>
+            </a:r>
+            <a:r>
+              <a:rPr lang="de-CH" dirty="0" err="1"/>
+              <a:t>auslassungen</a:t>
+            </a:r>
+            <a:endParaRPr lang="de-CH" dirty="0"/>
+          </a:p>
+        </p:txBody>
+      </p:sp>
+      <p:sp>
+        <p:nvSpPr>
+          <p:cNvPr id="4" name="Foliennummernplatzhalter 3"/>
+          <p:cNvSpPr>
+            <a:spLocks noGrp="1"/>
+          </p:cNvSpPr>
+          <p:nvPr>
+            <p:ph type="sldNum" sz="quarter" idx="10"/>
+          </p:nvPr>
+        </p:nvSpPr>
+        <p:spPr/>
+        <p:txBody>
+          <a:bodyPr/>
+          <a:lstStyle/>
+          <a:p>
+            <a:fld id="{E295798E-7BEE-4A25-96C8-F832B2F1E69A}" type="slidenum">
+              <a:rPr lang="de-CH" smtClean="0"/>
+              <a:t>8</a:t>
+            </a:fld>
+            <a:endParaRPr lang="de-CH"/>
+          </a:p>
+        </p:txBody>
+      </p:sp>
+    </p:spTree>
+    <p:extLst>
+      <p:ext uri="{BB962C8B-B14F-4D97-AF65-F5344CB8AC3E}">
+        <p14:creationId xmlns:p14="http://schemas.microsoft.com/office/powerpoint/2010/main" val="433927186"/>
+      </p:ext>
+    </p:extLst>
+  </p:cSld>
+  <p:clrMapOvr>
+    <a:masterClrMapping/>
+  </p:clrMapOvr>
+</p:notes>
+</file>
+
+<file path=ppt/notesSlides/notesSlide5.xml><?xml version="1.0" encoding="utf-8"?>
+<p:notes xmlns:a="http://schemas.openxmlformats.org/drawingml/2006/main" xmlns:r="http://schemas.openxmlformats.org/officeDocument/2006/relationships" xmlns:p="http://schemas.openxmlformats.org/presentationml/2006/main">
+  <p:cSld>
+    <p:spTree>
+      <p:nvGrpSpPr>
+        <p:cNvPr id="1" name=""/>
+        <p:cNvGrpSpPr/>
+        <p:nvPr/>
+      </p:nvGrpSpPr>
+      <p:grpSpPr>
+        <a:xfrm>
+          <a:off x="0" y="0"/>
+          <a:ext cx="0" cy="0"/>
+          <a:chOff x="0" y="0"/>
+          <a:chExt cx="0" cy="0"/>
+        </a:xfrm>
+      </p:grpSpPr>
+      <p:sp>
+        <p:nvSpPr>
+          <p:cNvPr id="2" name="Folienbildplatzhalter 1"/>
+          <p:cNvSpPr>
+            <a:spLocks noGrp="1" noRot="1" noChangeAspect="1"/>
+          </p:cNvSpPr>
+          <p:nvPr>
+            <p:ph type="sldImg"/>
+          </p:nvPr>
+        </p:nvSpPr>
+        <p:spPr/>
+      </p:sp>
+      <p:sp>
+        <p:nvSpPr>
+          <p:cNvPr id="3" name="Notizenplatzhalter 2"/>
+          <p:cNvSpPr>
+            <a:spLocks noGrp="1"/>
+          </p:cNvSpPr>
+          <p:nvPr>
+            <p:ph type="body" idx="1"/>
+          </p:nvPr>
+        </p:nvSpPr>
+        <p:spPr/>
+        <p:txBody>
+          <a:bodyPr/>
+          <a:lstStyle/>
+          <a:p>
+            <a:r>
+              <a:rPr lang="de-CH" dirty="0"/>
+              <a:t>Falsche </a:t>
+            </a:r>
+            <a:r>
+              <a:rPr lang="de-CH" dirty="0" err="1"/>
+              <a:t>eingabe</a:t>
+            </a:r>
+            <a:endParaRPr lang="de-CH" dirty="0"/>
+          </a:p>
+        </p:txBody>
+      </p:sp>
+      <p:sp>
+        <p:nvSpPr>
+          <p:cNvPr id="4" name="Foliennummernplatzhalter 3"/>
+          <p:cNvSpPr>
+            <a:spLocks noGrp="1"/>
+          </p:cNvSpPr>
+          <p:nvPr>
+            <p:ph type="sldNum" sz="quarter" idx="10"/>
+          </p:nvPr>
+        </p:nvSpPr>
+        <p:spPr/>
+        <p:txBody>
+          <a:bodyPr/>
+          <a:lstStyle/>
+          <a:p>
+            <a:fld id="{E295798E-7BEE-4A25-96C8-F832B2F1E69A}" type="slidenum">
+              <a:rPr lang="de-CH" smtClean="0"/>
+              <a:t>9</a:t>
+            </a:fld>
+            <a:endParaRPr lang="de-CH"/>
+          </a:p>
+        </p:txBody>
+      </p:sp>
+    </p:spTree>
+    <p:extLst>
+      <p:ext uri="{BB962C8B-B14F-4D97-AF65-F5344CB8AC3E}">
+        <p14:creationId xmlns:p14="http://schemas.microsoft.com/office/powerpoint/2010/main" val="1018921890"/>
+      </p:ext>
+    </p:extLst>
+  </p:cSld>
+  <p:clrMapOvr>
+    <a:masterClrMapping/>
+  </p:clrMapOvr>
+</p:notes>
+</file>
+
+<file path=ppt/notesSlides/notesSlide6.xml><?xml version="1.0" encoding="utf-8"?>
+<p:notes xmlns:a="http://schemas.openxmlformats.org/drawingml/2006/main" xmlns:r="http://schemas.openxmlformats.org/officeDocument/2006/relationships" xmlns:p="http://schemas.openxmlformats.org/presentationml/2006/main">
+  <p:cSld>
+    <p:spTree>
+      <p:nvGrpSpPr>
+        <p:cNvPr id="1" name=""/>
+        <p:cNvGrpSpPr/>
+        <p:nvPr/>
+      </p:nvGrpSpPr>
+      <p:grpSpPr>
+        <a:xfrm>
+          <a:off x="0" y="0"/>
+          <a:ext cx="0" cy="0"/>
+          <a:chOff x="0" y="0"/>
+          <a:chExt cx="0" cy="0"/>
+        </a:xfrm>
+      </p:grpSpPr>
+      <p:sp>
+        <p:nvSpPr>
+          <p:cNvPr id="2" name="Folienbildplatzhalter 1"/>
+          <p:cNvSpPr>
+            <a:spLocks noGrp="1" noRot="1" noChangeAspect="1"/>
+          </p:cNvSpPr>
+          <p:nvPr>
+            <p:ph type="sldImg"/>
+          </p:nvPr>
+        </p:nvSpPr>
+        <p:spPr/>
+      </p:sp>
+      <p:sp>
+        <p:nvSpPr>
+          <p:cNvPr id="3" name="Notizenplatzhalter 2"/>
+          <p:cNvSpPr>
+            <a:spLocks noGrp="1"/>
+          </p:cNvSpPr>
+          <p:nvPr>
+            <p:ph type="body" idx="1"/>
+          </p:nvPr>
+        </p:nvSpPr>
+        <p:spPr/>
+        <p:txBody>
+          <a:bodyPr/>
+          <a:lstStyle/>
+          <a:p>
+            <a:endParaRPr lang="de-CH" dirty="0"/>
+          </a:p>
+        </p:txBody>
+      </p:sp>
+      <p:sp>
+        <p:nvSpPr>
+          <p:cNvPr id="4" name="Foliennummernplatzhalter 3"/>
+          <p:cNvSpPr>
+            <a:spLocks noGrp="1"/>
+          </p:cNvSpPr>
+          <p:nvPr>
+            <p:ph type="sldNum" sz="quarter" idx="10"/>
+          </p:nvPr>
+        </p:nvSpPr>
+        <p:spPr/>
+        <p:txBody>
+          <a:bodyPr/>
+          <a:lstStyle/>
+          <a:p>
+            <a:fld id="{E295798E-7BEE-4A25-96C8-F832B2F1E69A}" type="slidenum">
+              <a:rPr lang="de-CH" smtClean="0"/>
+              <a:t>10</a:t>
+            </a:fld>
+            <a:endParaRPr lang="de-CH"/>
+          </a:p>
+        </p:txBody>
+      </p:sp>
+    </p:spTree>
+    <p:extLst>
+      <p:ext uri="{BB962C8B-B14F-4D97-AF65-F5344CB8AC3E}">
+        <p14:creationId xmlns:p14="http://schemas.microsoft.com/office/powerpoint/2010/main" val="3199094075"/>
+      </p:ext>
+    </p:extLst>
+  </p:cSld>
+  <p:clrMapOvr>
+    <a:masterClrMapping/>
+  </p:clrMapOvr>
+</p:notes>
+</file>
+
+<file path=ppt/notesSlides/notesSlide7.xml><?xml version="1.0" encoding="utf-8"?>
+<p:notes xmlns:a="http://schemas.openxmlformats.org/drawingml/2006/main" xmlns:r="http://schemas.openxmlformats.org/officeDocument/2006/relationships" xmlns:p="http://schemas.openxmlformats.org/presentationml/2006/main">
+  <p:cSld>
+    <p:spTree>
+      <p:nvGrpSpPr>
+        <p:cNvPr id="1" name=""/>
+        <p:cNvGrpSpPr/>
+        <p:nvPr/>
+      </p:nvGrpSpPr>
+      <p:grpSpPr>
+        <a:xfrm>
+          <a:off x="0" y="0"/>
+          <a:ext cx="0" cy="0"/>
+          <a:chOff x="0" y="0"/>
+          <a:chExt cx="0" cy="0"/>
+        </a:xfrm>
+      </p:grpSpPr>
+      <p:sp>
+        <p:nvSpPr>
+          <p:cNvPr id="2" name="Folienbildplatzhalter 1"/>
+          <p:cNvSpPr>
+            <a:spLocks noGrp="1" noRot="1" noChangeAspect="1"/>
+          </p:cNvSpPr>
+          <p:nvPr>
+            <p:ph type="sldImg"/>
+          </p:nvPr>
+        </p:nvSpPr>
+        <p:spPr/>
+      </p:sp>
+      <p:sp>
+        <p:nvSpPr>
+          <p:cNvPr id="3" name="Notizenplatzhalter 2"/>
+          <p:cNvSpPr>
+            <a:spLocks noGrp="1"/>
+          </p:cNvSpPr>
+          <p:nvPr>
+            <p:ph type="body" idx="1"/>
+          </p:nvPr>
+        </p:nvSpPr>
+        <p:spPr/>
+        <p:txBody>
+          <a:bodyPr/>
+          <a:lstStyle/>
+          <a:p>
+            <a:pPr marL="228600" indent="-228600">
+              <a:buAutoNum type="arabicPeriod"/>
+            </a:pPr>
+            <a:r>
+              <a:rPr lang="de-CH" dirty="0"/>
+              <a:t>Offensichtlich schlecht</a:t>
+            </a:r>
+          </a:p>
+          <a:p>
+            <a:pPr marL="228600" indent="-228600">
+              <a:buAutoNum type="arabicPeriod"/>
+            </a:pPr>
+            <a:r>
+              <a:rPr lang="de-CH" dirty="0"/>
+              <a:t>Nicht unbrauchbar, aber mit </a:t>
+            </a:r>
+            <a:r>
+              <a:rPr lang="de-CH" dirty="0" err="1"/>
+              <a:t>auslassung</a:t>
+            </a:r>
+            <a:endParaRPr lang="de-CH" dirty="0"/>
+          </a:p>
+          <a:p>
+            <a:pPr marL="228600" indent="-228600">
+              <a:buAutoNum type="arabicPeriod"/>
+            </a:pPr>
+            <a:r>
+              <a:rPr lang="de-CH" dirty="0"/>
+              <a:t>Sehr Gut</a:t>
+            </a:r>
+          </a:p>
+          <a:p>
+            <a:pPr marL="228600" indent="-228600">
+              <a:buAutoNum type="arabicPeriod"/>
+            </a:pPr>
+            <a:r>
+              <a:rPr lang="de-CH" dirty="0"/>
+              <a:t>Sehr gut</a:t>
+            </a:r>
+          </a:p>
+          <a:p>
+            <a:pPr marL="228600" indent="-228600">
+              <a:buAutoNum type="arabicPeriod"/>
+            </a:pPr>
+            <a:endParaRPr lang="de-CH" dirty="0"/>
+          </a:p>
+          <a:p>
+            <a:pPr marL="0" indent="0">
+              <a:buNone/>
+            </a:pPr>
+            <a:r>
+              <a:rPr lang="de-CH" dirty="0"/>
+              <a:t>Sofort ersichtlich ist, dass Transkription 1 nicht gut und in diesem Fall sogar völlig unbrauchbar ist. Die andern drei Transkriptionen sind zwar brauchbar, weisen jedoch dennoch qualitative Unterschiede auf: Transkription 2 ist unvollständig: *** ersetzt hier «</a:t>
+            </a:r>
+            <a:r>
+              <a:rPr lang="de-CH" dirty="0" err="1"/>
+              <a:t>Burdine</a:t>
+            </a:r>
+            <a:r>
+              <a:rPr lang="de-CH" dirty="0"/>
+              <a:t>» oder «</a:t>
+            </a:r>
+            <a:r>
+              <a:rPr lang="de-CH" dirty="0" err="1"/>
+              <a:t>Puurdine</a:t>
+            </a:r>
+            <a:r>
+              <a:rPr lang="de-CH" dirty="0"/>
+              <a:t>». Transkription 4 verwendet die Buchstaben è und é, was für schweizerdeutsch eher ungewöhnlich ist. </a:t>
+            </a:r>
+          </a:p>
+        </p:txBody>
+      </p:sp>
+      <p:sp>
+        <p:nvSpPr>
+          <p:cNvPr id="4" name="Foliennummernplatzhalter 3"/>
+          <p:cNvSpPr>
+            <a:spLocks noGrp="1"/>
+          </p:cNvSpPr>
+          <p:nvPr>
+            <p:ph type="sldNum" sz="quarter" idx="10"/>
+          </p:nvPr>
+        </p:nvSpPr>
+        <p:spPr/>
+        <p:txBody>
+          <a:bodyPr/>
+          <a:lstStyle/>
+          <a:p>
+            <a:fld id="{E295798E-7BEE-4A25-96C8-F832B2F1E69A}" type="slidenum">
+              <a:rPr lang="de-CH" smtClean="0"/>
+              <a:t>11</a:t>
+            </a:fld>
+            <a:endParaRPr lang="de-CH"/>
+          </a:p>
+        </p:txBody>
+      </p:sp>
+    </p:spTree>
+    <p:extLst>
+      <p:ext uri="{BB962C8B-B14F-4D97-AF65-F5344CB8AC3E}">
+        <p14:creationId xmlns:p14="http://schemas.microsoft.com/office/powerpoint/2010/main" val="52000717"/>
+      </p:ext>
+    </p:extLst>
+  </p:cSld>
+  <p:clrMapOvr>
+    <a:masterClrMapping/>
+  </p:clrMapOvr>
+</p:notes>
+</file>
+
+<file path=ppt/notesSlides/notesSlide8.xml><?xml version="1.0" encoding="utf-8"?>
+<p:notes xmlns:a="http://schemas.openxmlformats.org/drawingml/2006/main" xmlns:r="http://schemas.openxmlformats.org/officeDocument/2006/relationships" xmlns:p="http://schemas.openxmlformats.org/presentationml/2006/main">
+  <p:cSld>
+    <p:spTree>
+      <p:nvGrpSpPr>
+        <p:cNvPr id="1" name=""/>
+        <p:cNvGrpSpPr/>
+        <p:nvPr/>
+      </p:nvGrpSpPr>
+      <p:grpSpPr>
+        <a:xfrm>
+          <a:off x="0" y="0"/>
+          <a:ext cx="0" cy="0"/>
+          <a:chOff x="0" y="0"/>
+          <a:chExt cx="0" cy="0"/>
+        </a:xfrm>
+      </p:grpSpPr>
+      <p:sp>
+        <p:nvSpPr>
+          <p:cNvPr id="2" name="Folienbildplatzhalter 1"/>
+          <p:cNvSpPr>
+            <a:spLocks noGrp="1" noRot="1" noChangeAspect="1"/>
+          </p:cNvSpPr>
+          <p:nvPr>
+            <p:ph type="sldImg"/>
+          </p:nvPr>
+        </p:nvSpPr>
+        <p:spPr/>
+      </p:sp>
+      <p:sp>
+        <p:nvSpPr>
+          <p:cNvPr id="3" name="Notizenplatzhalter 2"/>
+          <p:cNvSpPr>
+            <a:spLocks noGrp="1"/>
+          </p:cNvSpPr>
+          <p:nvPr>
+            <p:ph type="body" idx="1"/>
+          </p:nvPr>
+        </p:nvSpPr>
+        <p:spPr/>
+        <p:txBody>
+          <a:bodyPr/>
+          <a:lstStyle/>
+          <a:p>
+            <a:r>
+              <a:rPr lang="de-CH" dirty="0"/>
+              <a:t>Man sah gut im vorherigen </a:t>
+            </a:r>
+            <a:r>
+              <a:rPr lang="de-CH" dirty="0" err="1"/>
+              <a:t>beispiel</a:t>
+            </a:r>
+            <a:r>
+              <a:rPr lang="de-CH" dirty="0"/>
+              <a:t>, </a:t>
+            </a:r>
+          </a:p>
+        </p:txBody>
+      </p:sp>
+      <p:sp>
+        <p:nvSpPr>
+          <p:cNvPr id="4" name="Foliennummernplatzhalter 3"/>
+          <p:cNvSpPr>
+            <a:spLocks noGrp="1"/>
+          </p:cNvSpPr>
+          <p:nvPr>
+            <p:ph type="sldNum" sz="quarter" idx="10"/>
+          </p:nvPr>
+        </p:nvSpPr>
+        <p:spPr/>
+        <p:txBody>
+          <a:bodyPr/>
+          <a:lstStyle/>
+          <a:p>
+            <a:fld id="{E295798E-7BEE-4A25-96C8-F832B2F1E69A}" type="slidenum">
+              <a:rPr lang="de-CH" smtClean="0"/>
+              <a:t>12</a:t>
+            </a:fld>
+            <a:endParaRPr lang="de-CH"/>
+          </a:p>
+        </p:txBody>
+      </p:sp>
+    </p:spTree>
+    <p:extLst>
+      <p:ext uri="{BB962C8B-B14F-4D97-AF65-F5344CB8AC3E}">
+        <p14:creationId xmlns:p14="http://schemas.microsoft.com/office/powerpoint/2010/main" val="1806015672"/>
+      </p:ext>
+    </p:extLst>
+  </p:cSld>
+  <p:clrMapOvr>
+    <a:masterClrMapping/>
+  </p:clrMapOvr>
+</p:notes>
+</file>
+
+<file path=ppt/notesSlides/notesSlide9.xml><?xml version="1.0" encoding="utf-8"?>
+<p:notes xmlns:a="http://schemas.openxmlformats.org/drawingml/2006/main" xmlns:r="http://schemas.openxmlformats.org/officeDocument/2006/relationships" xmlns:p="http://schemas.openxmlformats.org/presentationml/2006/main">
+  <p:cSld>
+    <p:spTree>
+      <p:nvGrpSpPr>
+        <p:cNvPr id="1" name=""/>
+        <p:cNvGrpSpPr/>
+        <p:nvPr/>
+      </p:nvGrpSpPr>
+      <p:grpSpPr>
+        <a:xfrm>
+          <a:off x="0" y="0"/>
+          <a:ext cx="0" cy="0"/>
+          <a:chOff x="0" y="0"/>
+          <a:chExt cx="0" cy="0"/>
+        </a:xfrm>
+      </p:grpSpPr>
+      <p:sp>
+        <p:nvSpPr>
+          <p:cNvPr id="2" name="Folienbildplatzhalter 1"/>
+          <p:cNvSpPr>
+            <a:spLocks noGrp="1" noRot="1" noChangeAspect="1"/>
+          </p:cNvSpPr>
+          <p:nvPr>
+            <p:ph type="sldImg"/>
+          </p:nvPr>
+        </p:nvSpPr>
+        <p:spPr/>
+      </p:sp>
+      <p:sp>
+        <p:nvSpPr>
+          <p:cNvPr id="3" name="Notizenplatzhalter 2"/>
+          <p:cNvSpPr>
+            <a:spLocks noGrp="1"/>
+          </p:cNvSpPr>
+          <p:nvPr>
+            <p:ph type="body" idx="1"/>
+          </p:nvPr>
+        </p:nvSpPr>
+        <p:spPr/>
+        <p:txBody>
+          <a:bodyPr/>
+          <a:lstStyle/>
+          <a:p>
+            <a:endParaRPr lang="de-CH" dirty="0"/>
+          </a:p>
+        </p:txBody>
+      </p:sp>
+      <p:sp>
+        <p:nvSpPr>
+          <p:cNvPr id="4" name="Foliennummernplatzhalter 3"/>
+          <p:cNvSpPr>
+            <a:spLocks noGrp="1"/>
+          </p:cNvSpPr>
+          <p:nvPr>
+            <p:ph type="sldNum" sz="quarter" idx="10"/>
+          </p:nvPr>
+        </p:nvSpPr>
+        <p:spPr/>
+        <p:txBody>
+          <a:bodyPr/>
+          <a:lstStyle/>
+          <a:p>
+            <a:fld id="{E295798E-7BEE-4A25-96C8-F832B2F1E69A}" type="slidenum">
+              <a:rPr lang="de-CH" smtClean="0"/>
+              <a:t>13</a:t>
+            </a:fld>
+            <a:endParaRPr lang="de-CH"/>
+          </a:p>
+        </p:txBody>
+      </p:sp>
+    </p:spTree>
+    <p:extLst>
+      <p:ext uri="{BB962C8B-B14F-4D97-AF65-F5344CB8AC3E}">
+        <p14:creationId xmlns:p14="http://schemas.microsoft.com/office/powerpoint/2010/main" val="3298186004"/>
+      </p:ext>
+    </p:extLst>
+  </p:cSld>
+  <p:clrMapOvr>
+    <a:masterClrMapping/>
+  </p:clrMapOvr>
+</p:notes>
 </file>
 
 <file path=ppt/slideLayouts/slideLayout1.xml><?xml version="1.0" encoding="utf-8"?>
@@ -3585,6 +5178,1162 @@
 </p:sld>
 </file>
 
+<file path=ppt/slides/slide10.xml><?xml version="1.0" encoding="utf-8"?>
+<p:sld xmlns:a="http://schemas.openxmlformats.org/drawingml/2006/main" xmlns:r="http://schemas.openxmlformats.org/officeDocument/2006/relationships" xmlns:p="http://schemas.openxmlformats.org/presentationml/2006/main">
+  <p:cSld>
+    <p:spTree>
+      <p:nvGrpSpPr>
+        <p:cNvPr id="1" name=""/>
+        <p:cNvGrpSpPr/>
+        <p:nvPr/>
+      </p:nvGrpSpPr>
+      <p:grpSpPr>
+        <a:xfrm>
+          <a:off x="0" y="0"/>
+          <a:ext cx="0" cy="0"/>
+          <a:chOff x="0" y="0"/>
+          <a:chExt cx="0" cy="0"/>
+        </a:xfrm>
+      </p:grpSpPr>
+      <p:sp>
+        <p:nvSpPr>
+          <p:cNvPr id="2" name="Titel 1">
+            <a:extLst>
+              <a:ext uri="{FF2B5EF4-FFF2-40B4-BE49-F238E27FC236}">
+                <a16:creationId xmlns:a16="http://schemas.microsoft.com/office/drawing/2014/main" id="{3997EED2-F86F-4474-BCFE-B666CF02A030}"/>
+              </a:ext>
+            </a:extLst>
+          </p:cNvPr>
+          <p:cNvSpPr>
+            <a:spLocks noGrp="1"/>
+          </p:cNvSpPr>
+          <p:nvPr>
+            <p:ph type="title"/>
+          </p:nvPr>
+        </p:nvSpPr>
+        <p:spPr/>
+        <p:txBody>
+          <a:bodyPr/>
+          <a:lstStyle/>
+          <a:p>
+            <a:r>
+              <a:rPr lang="de-CH" dirty="0"/>
+              <a:t>Problemstellung</a:t>
+            </a:r>
+          </a:p>
+        </p:txBody>
+      </p:sp>
+      <p:sp>
+        <p:nvSpPr>
+          <p:cNvPr id="3" name="Inhaltsplatzhalter 2">
+            <a:extLst>
+              <a:ext uri="{FF2B5EF4-FFF2-40B4-BE49-F238E27FC236}">
+                <a16:creationId xmlns:a16="http://schemas.microsoft.com/office/drawing/2014/main" id="{C0928497-D66A-4CB5-BCA0-B2CDE1649E96}"/>
+              </a:ext>
+            </a:extLst>
+          </p:cNvPr>
+          <p:cNvSpPr>
+            <a:spLocks noGrp="1"/>
+          </p:cNvSpPr>
+          <p:nvPr>
+            <p:ph idx="1"/>
+          </p:nvPr>
+        </p:nvSpPr>
+        <p:spPr/>
+        <p:txBody>
+          <a:bodyPr/>
+          <a:lstStyle/>
+          <a:p>
+            <a:r>
+              <a:rPr lang="de-CH" dirty="0"/>
+              <a:t>Unbrauchbare Transkriptionen ausfiltern </a:t>
+            </a:r>
+          </a:p>
+          <a:p>
+            <a:r>
+              <a:rPr lang="de-CH" dirty="0"/>
+              <a:t>Gute Transkriptionen erkennen </a:t>
+            </a:r>
+          </a:p>
+          <a:p>
+            <a:r>
+              <a:rPr lang="de-CH" dirty="0"/>
+              <a:t>*** Auslassungen interpolieren aus guten Transkriptionen </a:t>
+            </a:r>
+          </a:p>
+          <a:p>
+            <a:r>
+              <a:rPr lang="de-CH" dirty="0"/>
+              <a:t>Schreibvarianten von Wörtern und Ausdrücken erkennen</a:t>
+            </a:r>
+          </a:p>
+          <a:p>
+            <a:r>
+              <a:rPr lang="de-CH" dirty="0"/>
+              <a:t>Welche Tools funktionieren mit unseren Daten?</a:t>
+            </a:r>
+          </a:p>
+          <a:p>
+            <a:r>
+              <a:rPr lang="de-CH" dirty="0"/>
+              <a:t>Welche und wie viele Daten brauchen wir für gute Resultate?</a:t>
+            </a:r>
+          </a:p>
+        </p:txBody>
+      </p:sp>
+    </p:spTree>
+    <p:extLst>
+      <p:ext uri="{BB962C8B-B14F-4D97-AF65-F5344CB8AC3E}">
+        <p14:creationId xmlns:p14="http://schemas.microsoft.com/office/powerpoint/2010/main" val="3978766200"/>
+      </p:ext>
+    </p:extLst>
+  </p:cSld>
+  <p:clrMapOvr>
+    <a:masterClrMapping/>
+  </p:clrMapOvr>
+</p:sld>
+</file>
+
+<file path=ppt/slides/slide11.xml><?xml version="1.0" encoding="utf-8"?>
+<p:sld xmlns:a="http://schemas.openxmlformats.org/drawingml/2006/main" xmlns:r="http://schemas.openxmlformats.org/officeDocument/2006/relationships" xmlns:p="http://schemas.openxmlformats.org/presentationml/2006/main">
+  <p:cSld>
+    <p:spTree>
+      <p:nvGrpSpPr>
+        <p:cNvPr id="1" name=""/>
+        <p:cNvGrpSpPr/>
+        <p:nvPr/>
+      </p:nvGrpSpPr>
+      <p:grpSpPr>
+        <a:xfrm>
+          <a:off x="0" y="0"/>
+          <a:ext cx="0" cy="0"/>
+          <a:chOff x="0" y="0"/>
+          <a:chExt cx="0" cy="0"/>
+        </a:xfrm>
+      </p:grpSpPr>
+      <p:sp>
+        <p:nvSpPr>
+          <p:cNvPr id="2" name="Titel 1">
+            <a:extLst>
+              <a:ext uri="{FF2B5EF4-FFF2-40B4-BE49-F238E27FC236}">
+                <a16:creationId xmlns:a16="http://schemas.microsoft.com/office/drawing/2014/main" id="{8BFD648F-1F5F-43D5-BF3B-335C46EA32A5}"/>
+              </a:ext>
+            </a:extLst>
+          </p:cNvPr>
+          <p:cNvSpPr>
+            <a:spLocks noGrp="1"/>
+          </p:cNvSpPr>
+          <p:nvPr>
+            <p:ph type="title"/>
+          </p:nvPr>
+        </p:nvSpPr>
+        <p:spPr/>
+        <p:txBody>
+          <a:bodyPr/>
+          <a:lstStyle/>
+          <a:p>
+            <a:r>
+              <a:rPr lang="de-CH" dirty="0"/>
+              <a:t>Wie sehen die eingelesenen Daten aus</a:t>
+            </a:r>
+          </a:p>
+        </p:txBody>
+      </p:sp>
+      <p:sp>
+        <p:nvSpPr>
+          <p:cNvPr id="3" name="Inhaltsplatzhalter 2">
+            <a:extLst>
+              <a:ext uri="{FF2B5EF4-FFF2-40B4-BE49-F238E27FC236}">
+                <a16:creationId xmlns:a16="http://schemas.microsoft.com/office/drawing/2014/main" id="{D4F61CBA-E9BA-49CD-8BE8-2BEE19F3B9D2}"/>
+              </a:ext>
+            </a:extLst>
+          </p:cNvPr>
+          <p:cNvSpPr>
+            <a:spLocks noGrp="1"/>
+          </p:cNvSpPr>
+          <p:nvPr>
+            <p:ph idx="1"/>
+          </p:nvPr>
+        </p:nvSpPr>
+        <p:spPr/>
+        <p:txBody>
+          <a:bodyPr>
+            <a:normAutofit fontScale="92500" lnSpcReduction="10000"/>
+          </a:bodyPr>
+          <a:lstStyle/>
+          <a:p>
+            <a:pPr marL="0" indent="0">
+              <a:buNone/>
+            </a:pPr>
+            <a:r>
+              <a:rPr lang="de-CH" dirty="0"/>
+              <a:t>Beispiel Task 1851 </a:t>
+            </a:r>
+          </a:p>
+          <a:p>
+            <a:pPr marL="514350" indent="-514350">
+              <a:buFont typeface="+mj-lt"/>
+              <a:buAutoNum type="arabicPeriod"/>
+            </a:pPr>
+            <a:r>
+              <a:rPr lang="de-CH" dirty="0" err="1"/>
+              <a:t>élk</a:t>
+            </a:r>
+            <a:r>
+              <a:rPr lang="de-CH" dirty="0"/>
+              <a:t> </a:t>
+            </a:r>
+            <a:r>
+              <a:rPr lang="de-CH" dirty="0" err="1"/>
+              <a:t>ék</a:t>
+            </a:r>
+            <a:r>
+              <a:rPr lang="de-CH" dirty="0"/>
+              <a:t> </a:t>
+            </a:r>
+            <a:r>
+              <a:rPr lang="de-CH" dirty="0" err="1"/>
+              <a:t>ékl</a:t>
+            </a:r>
+            <a:r>
+              <a:rPr lang="de-CH" dirty="0"/>
+              <a:t> </a:t>
+            </a:r>
+            <a:r>
+              <a:rPr lang="de-CH" dirty="0" err="1"/>
+              <a:t>ékl</a:t>
+            </a:r>
+            <a:r>
+              <a:rPr lang="de-CH" dirty="0"/>
+              <a:t> </a:t>
+            </a:r>
+            <a:r>
+              <a:rPr lang="de-CH" dirty="0" err="1"/>
+              <a:t>asda</a:t>
+            </a:r>
+            <a:r>
+              <a:rPr lang="de-CH" dirty="0"/>
+              <a:t> </a:t>
+            </a:r>
+          </a:p>
+          <a:p>
+            <a:pPr marL="514350" indent="-514350">
+              <a:buFont typeface="+mj-lt"/>
+              <a:buAutoNum type="arabicPeriod"/>
+            </a:pPr>
+            <a:r>
+              <a:rPr lang="de-CH" dirty="0" err="1"/>
+              <a:t>Nacher</a:t>
+            </a:r>
+            <a:r>
+              <a:rPr lang="de-CH" dirty="0"/>
+              <a:t> </a:t>
+            </a:r>
+            <a:r>
+              <a:rPr lang="de-CH" dirty="0" err="1"/>
+              <a:t>heisis</a:t>
+            </a:r>
+            <a:r>
+              <a:rPr lang="de-CH" dirty="0"/>
+              <a:t> </a:t>
+            </a:r>
+            <a:r>
+              <a:rPr lang="de-CH" dirty="0" err="1"/>
+              <a:t>uusenageretschöplet</a:t>
+            </a:r>
+            <a:r>
+              <a:rPr lang="de-CH" dirty="0"/>
+              <a:t> </a:t>
+            </a:r>
+            <a:r>
+              <a:rPr lang="de-CH" dirty="0" err="1"/>
+              <a:t>ond</a:t>
+            </a:r>
+            <a:r>
+              <a:rPr lang="de-CH" dirty="0"/>
+              <a:t> *** </a:t>
+            </a:r>
+            <a:r>
+              <a:rPr lang="de-CH" dirty="0" err="1"/>
+              <a:t>zämebonge</a:t>
+            </a:r>
+            <a:r>
+              <a:rPr lang="de-CH" dirty="0"/>
+              <a:t> weder </a:t>
+            </a:r>
+            <a:r>
+              <a:rPr lang="de-CH" dirty="0" err="1"/>
+              <a:t>us</a:t>
+            </a:r>
+            <a:r>
+              <a:rPr lang="de-CH" dirty="0"/>
+              <a:t> weder </a:t>
+            </a:r>
+            <a:r>
+              <a:rPr lang="de-CH" dirty="0" err="1"/>
+              <a:t>of</a:t>
+            </a:r>
+            <a:r>
+              <a:rPr lang="de-CH" dirty="0"/>
+              <a:t> </a:t>
+            </a:r>
+            <a:r>
+              <a:rPr lang="de-CH" dirty="0" err="1"/>
+              <a:t>d'Reite</a:t>
+            </a:r>
+            <a:r>
+              <a:rPr lang="de-CH" dirty="0"/>
+              <a:t> </a:t>
+            </a:r>
+            <a:r>
+              <a:rPr lang="de-CH" dirty="0" err="1"/>
+              <a:t>uecheto</a:t>
+            </a:r>
+            <a:r>
+              <a:rPr lang="de-CH" dirty="0"/>
+              <a:t> </a:t>
+            </a:r>
+            <a:r>
+              <a:rPr lang="de-CH" dirty="0" err="1"/>
+              <a:t>od'Frocht</a:t>
+            </a:r>
+            <a:r>
+              <a:rPr lang="de-CH" dirty="0"/>
+              <a:t> </a:t>
+            </a:r>
+            <a:r>
+              <a:rPr lang="de-CH" dirty="0" err="1"/>
+              <a:t>heisi</a:t>
+            </a:r>
+            <a:r>
+              <a:rPr lang="de-CH" dirty="0"/>
+              <a:t> am Bode </a:t>
+            </a:r>
+            <a:r>
+              <a:rPr lang="de-CH" dirty="0" err="1"/>
+              <a:t>usegrächet</a:t>
+            </a:r>
+            <a:r>
+              <a:rPr lang="de-CH" dirty="0"/>
+              <a:t> </a:t>
+            </a:r>
+            <a:r>
+              <a:rPr lang="de-CH" dirty="0" err="1"/>
+              <a:t>ond</a:t>
+            </a:r>
+            <a:r>
+              <a:rPr lang="de-CH" dirty="0"/>
+              <a:t> </a:t>
+            </a:r>
+            <a:r>
+              <a:rPr lang="de-CH" dirty="0" err="1"/>
+              <a:t>nachere</a:t>
+            </a:r>
+            <a:r>
+              <a:rPr lang="de-CH" dirty="0"/>
+              <a:t> na </a:t>
+            </a:r>
+            <a:r>
+              <a:rPr lang="de-CH" dirty="0" err="1"/>
+              <a:t>Huufe</a:t>
+            </a:r>
+            <a:r>
+              <a:rPr lang="de-CH" dirty="0"/>
+              <a:t> </a:t>
+            </a:r>
+            <a:r>
+              <a:rPr lang="de-CH" dirty="0" err="1"/>
+              <a:t>geschtossed</a:t>
+            </a:r>
+            <a:r>
+              <a:rPr lang="de-CH" dirty="0"/>
+              <a:t>. </a:t>
+            </a:r>
+          </a:p>
+          <a:p>
+            <a:pPr marL="514350" indent="-514350">
+              <a:buFont typeface="+mj-lt"/>
+              <a:buAutoNum type="arabicPeriod"/>
+            </a:pPr>
+            <a:r>
+              <a:rPr lang="de-CH" dirty="0" err="1"/>
+              <a:t>nächäär</a:t>
+            </a:r>
+            <a:r>
+              <a:rPr lang="de-CH" dirty="0"/>
+              <a:t> </a:t>
+            </a:r>
+            <a:r>
+              <a:rPr lang="de-CH" dirty="0" err="1"/>
+              <a:t>heisis</a:t>
+            </a:r>
+            <a:r>
+              <a:rPr lang="de-CH" dirty="0"/>
+              <a:t> </a:t>
+            </a:r>
+            <a:r>
+              <a:rPr lang="de-CH" dirty="0" err="1"/>
+              <a:t>userenangere</a:t>
+            </a:r>
+            <a:r>
+              <a:rPr lang="de-CH" dirty="0"/>
+              <a:t> </a:t>
+            </a:r>
+            <a:r>
+              <a:rPr lang="de-CH" dirty="0" err="1"/>
+              <a:t>gschüttlet</a:t>
+            </a:r>
+            <a:r>
+              <a:rPr lang="de-CH" dirty="0"/>
+              <a:t> und </a:t>
+            </a:r>
+            <a:r>
+              <a:rPr lang="de-CH" dirty="0" err="1"/>
+              <a:t>Burdine</a:t>
+            </a:r>
+            <a:r>
+              <a:rPr lang="de-CH" dirty="0"/>
+              <a:t> </a:t>
+            </a:r>
+            <a:r>
+              <a:rPr lang="de-CH" dirty="0" err="1"/>
+              <a:t>zämme</a:t>
+            </a:r>
+            <a:r>
+              <a:rPr lang="de-CH" dirty="0"/>
+              <a:t> </a:t>
+            </a:r>
+            <a:r>
+              <a:rPr lang="de-CH" dirty="0" err="1"/>
+              <a:t>bunge</a:t>
+            </a:r>
+            <a:r>
+              <a:rPr lang="de-CH" dirty="0"/>
+              <a:t> wider </a:t>
+            </a:r>
+            <a:r>
+              <a:rPr lang="de-CH" dirty="0" err="1"/>
+              <a:t>us</a:t>
+            </a:r>
+            <a:r>
+              <a:rPr lang="de-CH" dirty="0"/>
+              <a:t> wider </a:t>
+            </a:r>
+            <a:r>
+              <a:rPr lang="de-CH" dirty="0" err="1"/>
+              <a:t>ufd</a:t>
+            </a:r>
+            <a:r>
+              <a:rPr lang="de-CH" dirty="0"/>
+              <a:t> </a:t>
+            </a:r>
+            <a:r>
+              <a:rPr lang="de-CH" dirty="0" err="1"/>
+              <a:t>Reiti</a:t>
+            </a:r>
+            <a:r>
+              <a:rPr lang="de-CH" dirty="0"/>
+              <a:t> </a:t>
+            </a:r>
+            <a:r>
+              <a:rPr lang="de-CH" dirty="0" err="1"/>
+              <a:t>ufetoo</a:t>
+            </a:r>
+            <a:r>
+              <a:rPr lang="de-CH" dirty="0"/>
+              <a:t> </a:t>
+            </a:r>
+            <a:r>
+              <a:rPr lang="de-CH" dirty="0" err="1"/>
+              <a:t>ud</a:t>
+            </a:r>
+            <a:r>
+              <a:rPr lang="de-CH" dirty="0"/>
+              <a:t> Frucht </a:t>
+            </a:r>
+            <a:r>
+              <a:rPr lang="de-CH" dirty="0" err="1"/>
+              <a:t>heisi</a:t>
+            </a:r>
+            <a:r>
+              <a:rPr lang="de-CH" dirty="0"/>
+              <a:t> am Bode </a:t>
+            </a:r>
+            <a:r>
+              <a:rPr lang="de-CH" dirty="0" err="1"/>
+              <a:t>usegrächet</a:t>
+            </a:r>
+            <a:r>
+              <a:rPr lang="de-CH" dirty="0"/>
+              <a:t> und </a:t>
+            </a:r>
+            <a:r>
+              <a:rPr lang="de-CH" dirty="0" err="1"/>
+              <a:t>nächäär</a:t>
+            </a:r>
+            <a:r>
+              <a:rPr lang="de-CH" dirty="0"/>
+              <a:t> </a:t>
+            </a:r>
+            <a:r>
+              <a:rPr lang="de-CH" dirty="0" err="1"/>
+              <a:t>ane</a:t>
+            </a:r>
+            <a:r>
+              <a:rPr lang="de-CH" dirty="0"/>
+              <a:t> </a:t>
+            </a:r>
+            <a:r>
+              <a:rPr lang="de-CH" dirty="0" err="1"/>
+              <a:t>Huufe</a:t>
+            </a:r>
+            <a:r>
+              <a:rPr lang="de-CH" dirty="0"/>
+              <a:t> </a:t>
+            </a:r>
+            <a:r>
+              <a:rPr lang="de-CH" dirty="0" err="1"/>
+              <a:t>gschtoosse</a:t>
+            </a:r>
+            <a:r>
+              <a:rPr lang="de-CH" dirty="0"/>
+              <a:t> </a:t>
+            </a:r>
+          </a:p>
+          <a:p>
+            <a:pPr marL="514350" indent="-514350">
+              <a:buFont typeface="+mj-lt"/>
+              <a:buAutoNum type="arabicPeriod"/>
+            </a:pPr>
+            <a:r>
+              <a:rPr lang="de-CH" dirty="0" err="1"/>
+              <a:t>Nachhäär</a:t>
+            </a:r>
+            <a:r>
+              <a:rPr lang="de-CH" dirty="0"/>
+              <a:t> </a:t>
+            </a:r>
+            <a:r>
+              <a:rPr lang="de-CH" dirty="0" err="1"/>
+              <a:t>héysis</a:t>
+            </a:r>
+            <a:r>
+              <a:rPr lang="de-CH" dirty="0"/>
+              <a:t> </a:t>
+            </a:r>
+            <a:r>
+              <a:rPr lang="de-CH" dirty="0" err="1"/>
+              <a:t>usenangèrègschüttlet</a:t>
+            </a:r>
+            <a:r>
+              <a:rPr lang="de-CH" dirty="0"/>
+              <a:t> und </a:t>
+            </a:r>
+            <a:r>
+              <a:rPr lang="de-CH" dirty="0" err="1"/>
+              <a:t>Puurdine</a:t>
+            </a:r>
+            <a:r>
+              <a:rPr lang="de-CH" dirty="0"/>
+              <a:t> </a:t>
+            </a:r>
+            <a:r>
+              <a:rPr lang="de-CH" dirty="0" err="1"/>
+              <a:t>zämepunge</a:t>
+            </a:r>
+            <a:r>
+              <a:rPr lang="de-CH" dirty="0"/>
+              <a:t> wider </a:t>
+            </a:r>
+            <a:r>
+              <a:rPr lang="de-CH" dirty="0" err="1"/>
+              <a:t>us</a:t>
+            </a:r>
+            <a:r>
+              <a:rPr lang="de-CH" dirty="0"/>
+              <a:t> wider </a:t>
+            </a:r>
+            <a:r>
+              <a:rPr lang="de-CH" dirty="0" err="1"/>
+              <a:t>uft</a:t>
+            </a:r>
+            <a:r>
+              <a:rPr lang="de-CH" dirty="0"/>
+              <a:t> </a:t>
+            </a:r>
+            <a:r>
+              <a:rPr lang="de-CH" dirty="0" err="1"/>
+              <a:t>Reyti</a:t>
+            </a:r>
+            <a:r>
+              <a:rPr lang="de-CH" dirty="0"/>
+              <a:t> </a:t>
+            </a:r>
+            <a:r>
+              <a:rPr lang="de-CH" dirty="0" err="1"/>
+              <a:t>uechetoo</a:t>
+            </a:r>
+            <a:r>
+              <a:rPr lang="de-CH" dirty="0"/>
+              <a:t> u </a:t>
+            </a:r>
+            <a:r>
+              <a:rPr lang="de-CH" dirty="0" err="1"/>
+              <a:t>Pfrucht</a:t>
+            </a:r>
+            <a:r>
+              <a:rPr lang="de-CH" dirty="0"/>
+              <a:t> </a:t>
+            </a:r>
+            <a:r>
+              <a:rPr lang="de-CH" dirty="0" err="1"/>
+              <a:t>heysi</a:t>
+            </a:r>
+            <a:r>
+              <a:rPr lang="de-CH" dirty="0"/>
+              <a:t> am Bode </a:t>
+            </a:r>
+            <a:r>
+              <a:rPr lang="de-CH" dirty="0" err="1"/>
+              <a:t>usegrächet</a:t>
+            </a:r>
+            <a:r>
+              <a:rPr lang="de-CH" dirty="0"/>
+              <a:t> </a:t>
+            </a:r>
+            <a:r>
+              <a:rPr lang="de-CH" dirty="0" err="1"/>
+              <a:t>unt</a:t>
+            </a:r>
+            <a:r>
+              <a:rPr lang="de-CH" dirty="0"/>
+              <a:t> </a:t>
+            </a:r>
+            <a:r>
+              <a:rPr lang="de-CH" dirty="0" err="1"/>
+              <a:t>nachhäär</a:t>
+            </a:r>
+            <a:r>
+              <a:rPr lang="de-CH" dirty="0"/>
+              <a:t> </a:t>
+            </a:r>
+            <a:r>
+              <a:rPr lang="de-CH" dirty="0" err="1"/>
+              <a:t>ane</a:t>
+            </a:r>
+            <a:r>
+              <a:rPr lang="de-CH" dirty="0"/>
+              <a:t> </a:t>
+            </a:r>
+            <a:r>
+              <a:rPr lang="de-CH" dirty="0" err="1"/>
+              <a:t>Huuffe</a:t>
+            </a:r>
+            <a:r>
+              <a:rPr lang="de-CH" dirty="0"/>
+              <a:t> </a:t>
+            </a:r>
+            <a:r>
+              <a:rPr lang="de-CH" dirty="0" err="1"/>
+              <a:t>gschtoosse</a:t>
+            </a:r>
+            <a:endParaRPr lang="de-CH" dirty="0"/>
+          </a:p>
+        </p:txBody>
+      </p:sp>
+      <p:pic>
+        <p:nvPicPr>
+          <p:cNvPr id="5" name="SDS_CD1_1_3_speaker1_4">
+            <a:hlinkClick r:id="" action="ppaction://media"/>
+            <a:extLst>
+              <a:ext uri="{FF2B5EF4-FFF2-40B4-BE49-F238E27FC236}">
+                <a16:creationId xmlns:a16="http://schemas.microsoft.com/office/drawing/2014/main" id="{21AAFB9D-2D6E-4795-8F80-25C26B1A3313}"/>
+              </a:ext>
+            </a:extLst>
+          </p:cNvPr>
+          <p:cNvPicPr>
+            <a:picLocks noChangeAspect="1"/>
+          </p:cNvPicPr>
+          <p:nvPr>
+            <a:audioFile r:link="rId2"/>
+            <p:extLst>
+              <p:ext uri="{DAA4B4D4-6D71-4841-9C94-3DE7FCFB9230}">
+                <p14:media xmlns:p14="http://schemas.microsoft.com/office/powerpoint/2010/main" r:embed="rId1"/>
+              </p:ext>
+            </p:extLst>
+          </p:nvPr>
+        </p:nvPicPr>
+        <p:blipFill>
+          <a:blip r:embed="rId5"/>
+          <a:stretch>
+            <a:fillRect/>
+          </a:stretch>
+        </p:blipFill>
+        <p:spPr>
+          <a:xfrm>
+            <a:off x="3436570" y="1825625"/>
+            <a:ext cx="304800" cy="304800"/>
+          </a:xfrm>
+          <a:prstGeom prst="rect">
+            <a:avLst/>
+          </a:prstGeom>
+        </p:spPr>
+      </p:pic>
+    </p:spTree>
+    <p:extLst>
+      <p:ext uri="{BB962C8B-B14F-4D97-AF65-F5344CB8AC3E}">
+        <p14:creationId xmlns:p14="http://schemas.microsoft.com/office/powerpoint/2010/main" val="1520582052"/>
+      </p:ext>
+    </p:extLst>
+  </p:cSld>
+  <p:clrMapOvr>
+    <a:masterClrMapping/>
+  </p:clrMapOvr>
+  <p:timing>
+    <p:tnLst>
+      <p:par>
+        <p:cTn id="1" dur="indefinite" restart="never" nodeType="tmRoot">
+          <p:childTnLst>
+            <p:seq concurrent="1" nextAc="seek">
+              <p:cTn id="2" dur="indefinite" nodeType="mainSeq">
+                <p:childTnLst>
+                  <p:par>
+                    <p:cTn id="3" fill="hold">
+                      <p:stCondLst>
+                        <p:cond delay="indefinite"/>
+                      </p:stCondLst>
+                      <p:childTnLst>
+                        <p:par>
+                          <p:cTn id="4" fill="hold">
+                            <p:stCondLst>
+                              <p:cond delay="0"/>
+                            </p:stCondLst>
+                            <p:childTnLst>
+                              <p:par>
+                                <p:cTn id="5" presetID="1" presetClass="mediacall" presetSubtype="0" fill="hold" nodeType="clickEffect">
+                                  <p:stCondLst>
+                                    <p:cond delay="0"/>
+                                  </p:stCondLst>
+                                  <p:childTnLst>
+                                    <p:cmd type="call" cmd="playFrom(0.0)">
+                                      <p:cBhvr>
+                                        <p:cTn id="6" dur="13453" fill="hold"/>
+                                        <p:tgtEl>
+                                          <p:spTgt spid="5"/>
+                                        </p:tgtEl>
+                                      </p:cBhvr>
+                                    </p:cmd>
+                                  </p:childTnLst>
+                                </p:cTn>
+                              </p:par>
+                            </p:childTnLst>
+                          </p:cTn>
+                        </p:par>
+                      </p:childTnLst>
+                    </p:cTn>
+                  </p:par>
+                </p:childTnLst>
+              </p:cTn>
+              <p:prevCondLst>
+                <p:cond evt="onPrev" delay="0">
+                  <p:tgtEl>
+                    <p:sldTgt/>
+                  </p:tgtEl>
+                </p:cond>
+              </p:prevCondLst>
+              <p:nextCondLst>
+                <p:cond evt="onNext" delay="0">
+                  <p:tgtEl>
+                    <p:sldTgt/>
+                  </p:tgtEl>
+                </p:cond>
+              </p:nextCondLst>
+            </p:seq>
+            <p:audio>
+              <p:cMediaNode vol="80000">
+                <p:cTn id="7" fill="hold" display="0">
+                  <p:stCondLst>
+                    <p:cond delay="indefinite"/>
+                  </p:stCondLst>
+                  <p:endCondLst>
+                    <p:cond evt="onStopAudio" delay="0">
+                      <p:tgtEl>
+                        <p:sldTgt/>
+                      </p:tgtEl>
+                    </p:cond>
+                  </p:endCondLst>
+                </p:cTn>
+                <p:tgtEl>
+                  <p:spTgt spid="5"/>
+                </p:tgtEl>
+              </p:cMediaNode>
+            </p:audio>
+          </p:childTnLst>
+        </p:cTn>
+      </p:par>
+    </p:tnLst>
+  </p:timing>
+</p:sld>
+</file>
+
+<file path=ppt/slides/slide12.xml><?xml version="1.0" encoding="utf-8"?>
+<p:sld xmlns:a="http://schemas.openxmlformats.org/drawingml/2006/main" xmlns:r="http://schemas.openxmlformats.org/officeDocument/2006/relationships" xmlns:p="http://schemas.openxmlformats.org/presentationml/2006/main">
+  <p:cSld>
+    <p:spTree>
+      <p:nvGrpSpPr>
+        <p:cNvPr id="1" name=""/>
+        <p:cNvGrpSpPr/>
+        <p:nvPr/>
+      </p:nvGrpSpPr>
+      <p:grpSpPr>
+        <a:xfrm>
+          <a:off x="0" y="0"/>
+          <a:ext cx="0" cy="0"/>
+          <a:chOff x="0" y="0"/>
+          <a:chExt cx="0" cy="0"/>
+        </a:xfrm>
+      </p:grpSpPr>
+      <p:sp>
+        <p:nvSpPr>
+          <p:cNvPr id="2" name="Titel 1">
+            <a:extLst>
+              <a:ext uri="{FF2B5EF4-FFF2-40B4-BE49-F238E27FC236}">
+                <a16:creationId xmlns:a16="http://schemas.microsoft.com/office/drawing/2014/main" id="{1D19591F-B468-424A-920E-217A9488C739}"/>
+              </a:ext>
+            </a:extLst>
+          </p:cNvPr>
+          <p:cNvSpPr>
+            <a:spLocks noGrp="1"/>
+          </p:cNvSpPr>
+          <p:nvPr>
+            <p:ph type="title"/>
+          </p:nvPr>
+        </p:nvSpPr>
+        <p:spPr>
+          <a:xfrm>
+            <a:off x="838199" y="365125"/>
+            <a:ext cx="10806776" cy="1325563"/>
+          </a:xfrm>
+        </p:spPr>
+        <p:txBody>
+          <a:bodyPr/>
+          <a:lstStyle/>
+          <a:p>
+            <a:r>
+              <a:rPr lang="de-CH" dirty="0"/>
+              <a:t>Wir müssen schlechte/unbrauchbare ausfiltern</a:t>
+            </a:r>
+          </a:p>
+        </p:txBody>
+      </p:sp>
+      <p:sp>
+        <p:nvSpPr>
+          <p:cNvPr id="3" name="Inhaltsplatzhalter 2">
+            <a:extLst>
+              <a:ext uri="{FF2B5EF4-FFF2-40B4-BE49-F238E27FC236}">
+                <a16:creationId xmlns:a16="http://schemas.microsoft.com/office/drawing/2014/main" id="{4365355F-D571-4346-A738-7675E2AD397E}"/>
+              </a:ext>
+            </a:extLst>
+          </p:cNvPr>
+          <p:cNvSpPr>
+            <a:spLocks noGrp="1"/>
+          </p:cNvSpPr>
+          <p:nvPr>
+            <p:ph idx="1"/>
+          </p:nvPr>
+        </p:nvSpPr>
+        <p:spPr/>
+        <p:txBody>
+          <a:bodyPr/>
+          <a:lstStyle/>
+          <a:p>
+            <a:r>
+              <a:rPr lang="de-CH" dirty="0"/>
+              <a:t>Schlechte/unbrauchbare Sätze verfälschen das Resultat</a:t>
+            </a:r>
+          </a:p>
+          <a:p>
+            <a:endParaRPr lang="de-CH" dirty="0"/>
+          </a:p>
+        </p:txBody>
+      </p:sp>
+    </p:spTree>
+    <p:extLst>
+      <p:ext uri="{BB962C8B-B14F-4D97-AF65-F5344CB8AC3E}">
+        <p14:creationId xmlns:p14="http://schemas.microsoft.com/office/powerpoint/2010/main" val="2870165025"/>
+      </p:ext>
+    </p:extLst>
+  </p:cSld>
+  <p:clrMapOvr>
+    <a:masterClrMapping/>
+  </p:clrMapOvr>
+</p:sld>
+</file>
+
+<file path=ppt/slides/slide13.xml><?xml version="1.0" encoding="utf-8"?>
+<p:sld xmlns:a="http://schemas.openxmlformats.org/drawingml/2006/main" xmlns:r="http://schemas.openxmlformats.org/officeDocument/2006/relationships" xmlns:p="http://schemas.openxmlformats.org/presentationml/2006/main">
+  <p:cSld>
+    <p:spTree>
+      <p:nvGrpSpPr>
+        <p:cNvPr id="1" name=""/>
+        <p:cNvGrpSpPr/>
+        <p:nvPr/>
+      </p:nvGrpSpPr>
+      <p:grpSpPr>
+        <a:xfrm>
+          <a:off x="0" y="0"/>
+          <a:ext cx="0" cy="0"/>
+          <a:chOff x="0" y="0"/>
+          <a:chExt cx="0" cy="0"/>
+        </a:xfrm>
+      </p:grpSpPr>
+      <p:sp>
+        <p:nvSpPr>
+          <p:cNvPr id="2" name="Titel 1">
+            <a:extLst>
+              <a:ext uri="{FF2B5EF4-FFF2-40B4-BE49-F238E27FC236}">
+                <a16:creationId xmlns:a16="http://schemas.microsoft.com/office/drawing/2014/main" id="{16AB071B-05BF-42CD-8775-E02914D264A5}"/>
+              </a:ext>
+            </a:extLst>
+          </p:cNvPr>
+          <p:cNvSpPr>
+            <a:spLocks noGrp="1"/>
+          </p:cNvSpPr>
+          <p:nvPr>
+            <p:ph type="title"/>
+          </p:nvPr>
+        </p:nvSpPr>
+        <p:spPr/>
+        <p:txBody>
+          <a:bodyPr/>
+          <a:lstStyle/>
+          <a:p>
+            <a:r>
+              <a:rPr lang="de-CH" dirty="0"/>
+              <a:t>Was definiert eine «gute» Transkription?</a:t>
+            </a:r>
+          </a:p>
+        </p:txBody>
+      </p:sp>
+      <p:sp>
+        <p:nvSpPr>
+          <p:cNvPr id="3" name="Inhaltsplatzhalter 2">
+            <a:extLst>
+              <a:ext uri="{FF2B5EF4-FFF2-40B4-BE49-F238E27FC236}">
+                <a16:creationId xmlns:a16="http://schemas.microsoft.com/office/drawing/2014/main" id="{C700256F-ED62-421D-8BB4-146212A03D6D}"/>
+              </a:ext>
+            </a:extLst>
+          </p:cNvPr>
+          <p:cNvSpPr>
+            <a:spLocks noGrp="1"/>
+          </p:cNvSpPr>
+          <p:nvPr>
+            <p:ph idx="1"/>
+          </p:nvPr>
+        </p:nvSpPr>
+        <p:spPr/>
+        <p:txBody>
+          <a:bodyPr/>
+          <a:lstStyle/>
+          <a:p>
+            <a:r>
+              <a:rPr lang="de-CH" dirty="0"/>
+              <a:t>Vollständigkeit</a:t>
+            </a:r>
+          </a:p>
+          <a:p>
+            <a:r>
+              <a:rPr lang="de-CH" dirty="0"/>
+              <a:t>Ähnlichkeit zu den anderen Sätzen</a:t>
+            </a:r>
+          </a:p>
+        </p:txBody>
+      </p:sp>
+      <p:pic>
+        <p:nvPicPr>
+          <p:cNvPr id="4" name="Grafik 3">
+            <a:extLst>
+              <a:ext uri="{FF2B5EF4-FFF2-40B4-BE49-F238E27FC236}">
+                <a16:creationId xmlns:a16="http://schemas.microsoft.com/office/drawing/2014/main" id="{839DDBAF-1F59-4E1B-84C5-C89DC18665D7}"/>
+              </a:ext>
+            </a:extLst>
+          </p:cNvPr>
+          <p:cNvPicPr>
+            <a:picLocks noChangeAspect="1"/>
+          </p:cNvPicPr>
+          <p:nvPr/>
+        </p:nvPicPr>
+        <p:blipFill>
+          <a:blip r:embed="rId3"/>
+          <a:stretch>
+            <a:fillRect/>
+          </a:stretch>
+        </p:blipFill>
+        <p:spPr>
+          <a:xfrm>
+            <a:off x="838200" y="2895600"/>
+            <a:ext cx="4276642" cy="3136582"/>
+          </a:xfrm>
+          <a:prstGeom prst="rect">
+            <a:avLst/>
+          </a:prstGeom>
+        </p:spPr>
+      </p:pic>
+      <p:sp>
+        <p:nvSpPr>
+          <p:cNvPr id="5" name="Textfeld 4">
+            <a:extLst>
+              <a:ext uri="{FF2B5EF4-FFF2-40B4-BE49-F238E27FC236}">
+                <a16:creationId xmlns:a16="http://schemas.microsoft.com/office/drawing/2014/main" id="{828038FA-B0A2-40CD-94A2-B9FD940F2741}"/>
+              </a:ext>
+            </a:extLst>
+          </p:cNvPr>
+          <p:cNvSpPr txBox="1"/>
+          <p:nvPr/>
+        </p:nvSpPr>
+        <p:spPr>
+          <a:xfrm>
+            <a:off x="5608320" y="3340506"/>
+            <a:ext cx="6055360" cy="2246769"/>
+          </a:xfrm>
+          <a:prstGeom prst="rect">
+            <a:avLst/>
+          </a:prstGeom>
+          <a:noFill/>
+        </p:spPr>
+        <p:txBody>
+          <a:bodyPr wrap="square" rtlCol="0">
+            <a:spAutoFit/>
+          </a:bodyPr>
+          <a:lstStyle/>
+          <a:p>
+            <a:r>
+              <a:rPr lang="de-CH" sz="2800" dirty="0"/>
+              <a:t>Pro Satz also: </a:t>
+            </a:r>
+          </a:p>
+          <a:p>
+            <a:r>
+              <a:rPr lang="de-CH" sz="2800" dirty="0"/>
+              <a:t>Satz 1: schlecht, schlecht, schlecht. </a:t>
+            </a:r>
+          </a:p>
+          <a:p>
+            <a:r>
+              <a:rPr lang="de-CH" sz="2800" dirty="0"/>
+              <a:t>Satz 2: schlecht, gut, gut. </a:t>
+            </a:r>
+          </a:p>
+          <a:p>
+            <a:r>
+              <a:rPr lang="de-CH" sz="2800" dirty="0"/>
+              <a:t>Satz 3: schlecht, gut, sehr gut. </a:t>
+            </a:r>
+          </a:p>
+          <a:p>
+            <a:r>
+              <a:rPr lang="de-CH" sz="2800" dirty="0"/>
+              <a:t>Satz 4: schlecht, gut, sehr gut.</a:t>
+            </a:r>
+          </a:p>
+        </p:txBody>
+      </p:sp>
+    </p:spTree>
+    <p:extLst>
+      <p:ext uri="{BB962C8B-B14F-4D97-AF65-F5344CB8AC3E}">
+        <p14:creationId xmlns:p14="http://schemas.microsoft.com/office/powerpoint/2010/main" val="3910765943"/>
+      </p:ext>
+    </p:extLst>
+  </p:cSld>
+  <p:clrMapOvr>
+    <a:masterClrMapping/>
+  </p:clrMapOvr>
+</p:sld>
+</file>
+
+<file path=ppt/slides/slide14.xml><?xml version="1.0" encoding="utf-8"?>
+<p:sld xmlns:a="http://schemas.openxmlformats.org/drawingml/2006/main" xmlns:r="http://schemas.openxmlformats.org/officeDocument/2006/relationships" xmlns:p="http://schemas.openxmlformats.org/presentationml/2006/main">
+  <p:cSld>
+    <p:spTree>
+      <p:nvGrpSpPr>
+        <p:cNvPr id="1" name=""/>
+        <p:cNvGrpSpPr/>
+        <p:nvPr/>
+      </p:nvGrpSpPr>
+      <p:grpSpPr>
+        <a:xfrm>
+          <a:off x="0" y="0"/>
+          <a:ext cx="0" cy="0"/>
+          <a:chOff x="0" y="0"/>
+          <a:chExt cx="0" cy="0"/>
+        </a:xfrm>
+      </p:grpSpPr>
+      <p:sp>
+        <p:nvSpPr>
+          <p:cNvPr id="2" name="Titel 1">
+            <a:extLst>
+              <a:ext uri="{FF2B5EF4-FFF2-40B4-BE49-F238E27FC236}">
+                <a16:creationId xmlns:a16="http://schemas.microsoft.com/office/drawing/2014/main" id="{85182441-F78A-4894-8E2F-76EF1DD26C13}"/>
+              </a:ext>
+            </a:extLst>
+          </p:cNvPr>
+          <p:cNvSpPr>
+            <a:spLocks noGrp="1"/>
+          </p:cNvSpPr>
+          <p:nvPr>
+            <p:ph type="title"/>
+          </p:nvPr>
+        </p:nvSpPr>
+        <p:spPr/>
+        <p:txBody>
+          <a:bodyPr/>
+          <a:lstStyle/>
+          <a:p>
+            <a:r>
+              <a:rPr lang="de-CH" dirty="0"/>
+              <a:t>2. Iteration</a:t>
+            </a:r>
+          </a:p>
+        </p:txBody>
+      </p:sp>
+      <p:sp>
+        <p:nvSpPr>
+          <p:cNvPr id="3" name="Inhaltsplatzhalter 2">
+            <a:extLst>
+              <a:ext uri="{FF2B5EF4-FFF2-40B4-BE49-F238E27FC236}">
+                <a16:creationId xmlns:a16="http://schemas.microsoft.com/office/drawing/2014/main" id="{76014429-F0E3-4329-A93E-3426E1BC6BE2}"/>
+              </a:ext>
+            </a:extLst>
+          </p:cNvPr>
+          <p:cNvSpPr>
+            <a:spLocks noGrp="1"/>
+          </p:cNvSpPr>
+          <p:nvPr>
+            <p:ph idx="1"/>
+          </p:nvPr>
+        </p:nvSpPr>
+        <p:spPr/>
+        <p:txBody>
+          <a:bodyPr/>
+          <a:lstStyle/>
+          <a:p>
+            <a:endParaRPr lang="de-CH"/>
+          </a:p>
+        </p:txBody>
+      </p:sp>
+    </p:spTree>
+    <p:extLst>
+      <p:ext uri="{BB962C8B-B14F-4D97-AF65-F5344CB8AC3E}">
+        <p14:creationId xmlns:p14="http://schemas.microsoft.com/office/powerpoint/2010/main" val="2895206770"/>
+      </p:ext>
+    </p:extLst>
+  </p:cSld>
+  <p:clrMapOvr>
+    <a:masterClrMapping/>
+  </p:clrMapOvr>
+</p:sld>
+</file>
+
 <file path=ppt/slides/slide2.xml><?xml version="1.0" encoding="utf-8"?>
 <p:sld xmlns:a="http://schemas.openxmlformats.org/drawingml/2006/main" xmlns:r="http://schemas.openxmlformats.org/officeDocument/2006/relationships" xmlns:p="http://schemas.openxmlformats.org/presentationml/2006/main">
   <p:cSld>
@@ -3832,10 +6581,9 @@
               <a:t>matthias</a:t>
             </a:r>
             <a:r>
-              <a:rPr lang="de-CH"/>
+              <a:rPr lang="de-CH" dirty="0"/>
               <a:t>)</a:t>
             </a:r>
-            <a:endParaRPr lang="de-CH" dirty="0"/>
           </a:p>
           <a:p>
             <a:r>
@@ -4254,6 +7002,14 @@
 <file path=ppt/slides/slide5.xml><?xml version="1.0" encoding="utf-8"?>
 <p:sld xmlns:a="http://schemas.openxmlformats.org/drawingml/2006/main" xmlns:r="http://schemas.openxmlformats.org/officeDocument/2006/relationships" xmlns:p="http://schemas.openxmlformats.org/presentationml/2006/main">
   <p:cSld>
+    <p:bg>
+      <p:bgPr>
+        <a:solidFill>
+          <a:schemeClr val="bg1"/>
+        </a:solidFill>
+        <a:effectLst/>
+      </p:bgPr>
+    </p:bg>
     <p:spTree>
       <p:nvGrpSpPr>
         <p:cNvPr id="1" name=""/>
@@ -4268,6 +7024,155 @@
           <a:chExt cx="0" cy="0"/>
         </a:xfrm>
       </p:grpSpPr>
+      <p:pic>
+        <p:nvPicPr>
+          <p:cNvPr id="4" name="Grafik 3">
+            <a:extLst>
+              <a:ext uri="{FF2B5EF4-FFF2-40B4-BE49-F238E27FC236}">
+                <a16:creationId xmlns:a16="http://schemas.microsoft.com/office/drawing/2014/main" id="{95532021-EBDB-4896-89AE-561EB24351A0}"/>
+              </a:ext>
+            </a:extLst>
+          </p:cNvPr>
+          <p:cNvPicPr>
+            <a:picLocks noChangeAspect="1"/>
+          </p:cNvPicPr>
+          <p:nvPr/>
+        </p:nvPicPr>
+        <p:blipFill>
+          <a:blip r:embed="rId3"/>
+          <a:stretch>
+            <a:fillRect/>
+          </a:stretch>
+        </p:blipFill>
+        <p:spPr>
+          <a:xfrm>
+            <a:off x="5153822" y="1081886"/>
+            <a:ext cx="6553545" cy="4702169"/>
+          </a:xfrm>
+          <a:prstGeom prst="rect">
+            <a:avLst/>
+          </a:prstGeom>
+        </p:spPr>
+      </p:pic>
+      <p:sp>
+        <p:nvSpPr>
+          <p:cNvPr id="19" name="Rectangle 8">
+            <a:extLst>
+              <a:ext uri="{FF2B5EF4-FFF2-40B4-BE49-F238E27FC236}">
+                <a16:creationId xmlns:a16="http://schemas.microsoft.com/office/drawing/2014/main" id="{AB45A142-4255-493C-8284-5D566C121B10}"/>
+              </a:ext>
+            </a:extLst>
+          </p:cNvPr>
+          <p:cNvSpPr>
+            <a:spLocks noGrp="1" noRot="1" noChangeAspect="1" noMove="1" noResize="1" noEditPoints="1" noAdjustHandles="1" noChangeArrowheads="1" noChangeShapeType="1" noTextEdit="1"/>
+          </p:cNvSpPr>
+          <p:nvPr>
+            <p:extLst>
+              <p:ext uri="{386F3935-93C4-4BCD-93E2-E3B085C9AB24}">
+                <p16:designElem xmlns:p16="http://schemas.microsoft.com/office/powerpoint/2015/main" val="1"/>
+              </p:ext>
+            </p:extLst>
+          </p:nvPr>
+        </p:nvSpPr>
+        <p:spPr bwMode="ltGray">
+          <a:xfrm>
+            <a:off x="336884" y="321177"/>
+            <a:ext cx="4332307" cy="6179552"/>
+          </a:xfrm>
+          <a:prstGeom prst="rect">
+            <a:avLst/>
+          </a:prstGeom>
+          <a:solidFill>
+            <a:schemeClr val="tx1">
+              <a:lumMod val="75000"/>
+              <a:lumOff val="25000"/>
+            </a:schemeClr>
+          </a:solidFill>
+          <a:ln w="127000" cap="sq" cmpd="thinThick">
+            <a:solidFill>
+              <a:schemeClr val="tx1">
+                <a:lumMod val="75000"/>
+                <a:lumOff val="25000"/>
+              </a:schemeClr>
+            </a:solidFill>
+          </a:ln>
+        </p:spPr>
+        <p:style>
+          <a:lnRef idx="2">
+            <a:schemeClr val="accent1">
+              <a:shade val="50000"/>
+            </a:schemeClr>
+          </a:lnRef>
+          <a:fillRef idx="1">
+            <a:schemeClr val="accent1"/>
+          </a:fillRef>
+          <a:effectRef idx="0">
+            <a:schemeClr val="accent1"/>
+          </a:effectRef>
+          <a:fontRef idx="minor">
+            <a:schemeClr val="lt1"/>
+          </a:fontRef>
+        </p:style>
+        <p:txBody>
+          <a:bodyPr rtlCol="0" anchor="ctr"/>
+          <a:lstStyle/>
+          <a:p>
+            <a:pPr algn="ctr"/>
+            <a:endParaRPr lang="en-US"/>
+          </a:p>
+        </p:txBody>
+      </p:sp>
+      <p:cxnSp>
+        <p:nvCxnSpPr>
+          <p:cNvPr id="20" name="Straight Connector 10">
+            <a:extLst>
+              <a:ext uri="{FF2B5EF4-FFF2-40B4-BE49-F238E27FC236}">
+                <a16:creationId xmlns:a16="http://schemas.microsoft.com/office/drawing/2014/main" id="{38FB9660-F42F-4313-BBC4-47C007FE484C}"/>
+              </a:ext>
+            </a:extLst>
+          </p:cNvPr>
+          <p:cNvCxnSpPr>
+            <a:cxnSpLocks noGrp="1" noRot="1" noChangeAspect="1" noMove="1" noResize="1" noEditPoints="1" noAdjustHandles="1" noChangeArrowheads="1" noChangeShapeType="1"/>
+          </p:cNvCxnSpPr>
+          <p:nvPr>
+            <p:extLst>
+              <p:ext uri="{386F3935-93C4-4BCD-93E2-E3B085C9AB24}">
+                <p16:designElem xmlns:p16="http://schemas.microsoft.com/office/powerpoint/2015/main" val="1"/>
+              </p:ext>
+            </p:extLst>
+          </p:nvPr>
+        </p:nvCxnSpPr>
+        <p:spPr>
+          <a:xfrm>
+            <a:off x="1191126" y="3910267"/>
+            <a:ext cx="2586790" cy="0"/>
+          </a:xfrm>
+          <a:prstGeom prst="line">
+            <a:avLst/>
+          </a:prstGeom>
+          <a:ln w="22225">
+            <a:solidFill>
+              <a:schemeClr val="bg1">
+                <a:lumMod val="85000"/>
+              </a:schemeClr>
+            </a:solidFill>
+          </a:ln>
+        </p:spPr>
+        <p:style>
+          <a:lnRef idx="1">
+            <a:schemeClr val="accent1"/>
+          </a:lnRef>
+          <a:fillRef idx="0">
+            <a:schemeClr val="accent1"/>
+          </a:fillRef>
+          <a:effectRef idx="0">
+            <a:schemeClr val="accent1"/>
+          </a:effectRef>
+          <a:fontRef idx="minor">
+            <a:schemeClr val="tx1"/>
+          </a:fontRef>
+        </p:style>
+      </p:cxnSp>
       <p:sp>
         <p:nvSpPr>
           <p:cNvPr id="2" name="Titel 1">
@@ -4284,12 +7189,30 @@
             <p:ph type="title"/>
           </p:nvPr>
         </p:nvSpPr>
-        <p:spPr/>
-        <p:txBody>
-          <a:bodyPr/>
-          <a:lstStyle/>
-          <a:p>
-            <a:endParaRPr lang="de-CH"/>
+        <p:spPr>
+          <a:xfrm>
+            <a:off x="674237" y="914400"/>
+            <a:ext cx="3657600" cy="2887579"/>
+          </a:xfrm>
+        </p:spPr>
+        <p:txBody>
+          <a:bodyPr vert="horz" lIns="91440" tIns="45720" rIns="91440" bIns="45720" rtlCol="0" anchor="b">
+            <a:normAutofit/>
+          </a:bodyPr>
+          <a:lstStyle/>
+          <a:p>
+            <a:pPr algn="ctr"/>
+            <a:r>
+              <a:rPr lang="en-US" sz="4800" kern="1200">
+                <a:solidFill>
+                  <a:schemeClr val="bg1"/>
+                </a:solidFill>
+                <a:latin typeface="+mj-lt"/>
+                <a:ea typeface="+mj-ea"/>
+                <a:cs typeface="+mj-cs"/>
+              </a:rPr>
+              <a:t>«Citizen Linguistics: Locate that dialect!»</a:t>
+            </a:r>
           </a:p>
         </p:txBody>
       </p:sp>
@@ -4309,12 +7232,40 @@
             <p:ph idx="1"/>
           </p:nvPr>
         </p:nvSpPr>
-        <p:spPr/>
-        <p:txBody>
-          <a:bodyPr/>
-          <a:lstStyle/>
-          <a:p>
-            <a:endParaRPr lang="de-CH" dirty="0"/>
+        <p:spPr>
+          <a:xfrm>
+            <a:off x="674237" y="4170501"/>
+            <a:ext cx="3657600" cy="1525597"/>
+          </a:xfrm>
+        </p:spPr>
+        <p:txBody>
+          <a:bodyPr vert="horz" lIns="91440" tIns="45720" rIns="91440" bIns="45720" rtlCol="0">
+            <a:normAutofit/>
+          </a:bodyPr>
+          <a:lstStyle/>
+          <a:p>
+            <a:pPr marL="0" indent="0" algn="ctr">
+              <a:buNone/>
+            </a:pPr>
+            <a:r>
+              <a:rPr lang="en-US" sz="2000" kern="1200">
+                <a:solidFill>
+                  <a:srgbClr val="00D1F7"/>
+                </a:solidFill>
+                <a:latin typeface="+mn-lt"/>
+                <a:ea typeface="+mn-ea"/>
+                <a:cs typeface="+mn-cs"/>
+              </a:rPr>
+              <a:t>www.dindialaekt.ch/ </a:t>
+            </a:r>
+            <a:endParaRPr lang="en-US" sz="2000" kern="1200" dirty="0">
+              <a:solidFill>
+                <a:srgbClr val="00D1F7"/>
+              </a:solidFill>
+              <a:latin typeface="+mn-lt"/>
+              <a:ea typeface="+mn-ea"/>
+              <a:cs typeface="+mn-cs"/>
+            </a:endParaRPr>
           </a:p>
         </p:txBody>
       </p:sp>
@@ -4353,7 +7304,7 @@
           <p:cNvPr id="2" name="Titel 1">
             <a:extLst>
               <a:ext uri="{FF2B5EF4-FFF2-40B4-BE49-F238E27FC236}">
-                <a16:creationId xmlns:a16="http://schemas.microsoft.com/office/drawing/2014/main" id="{85182441-F78A-4894-8E2F-76EF1DD26C13}"/>
+                <a16:creationId xmlns:a16="http://schemas.microsoft.com/office/drawing/2014/main" id="{192D5B4B-DBBB-4D64-B9B1-F0D6841A5E6E}"/>
               </a:ext>
             </a:extLst>
           </p:cNvPr>
@@ -4371,40 +7322,1544 @@
           <a:p>
             <a:r>
               <a:rPr lang="de-CH" dirty="0"/>
-              <a:t>2. Iteration</a:t>
-            </a:r>
-          </a:p>
-        </p:txBody>
-      </p:sp>
-      <p:sp>
-        <p:nvSpPr>
-          <p:cNvPr id="3" name="Inhaltsplatzhalter 2">
-            <a:extLst>
-              <a:ext uri="{FF2B5EF4-FFF2-40B4-BE49-F238E27FC236}">
-                <a16:creationId xmlns:a16="http://schemas.microsoft.com/office/drawing/2014/main" id="{76014429-F0E3-4329-A93E-3426E1BC6BE2}"/>
-              </a:ext>
-            </a:extLst>
-          </p:cNvPr>
-          <p:cNvSpPr>
-            <a:spLocks noGrp="1"/>
-          </p:cNvSpPr>
+              <a:t>Eingabe Schweizerdeutsche Sätze</a:t>
+            </a:r>
+          </a:p>
+        </p:txBody>
+      </p:sp>
+      <p:pic>
+        <p:nvPicPr>
+          <p:cNvPr id="4" name="Inhaltsplatzhalter 3">
+            <a:extLst>
+              <a:ext uri="{FF2B5EF4-FFF2-40B4-BE49-F238E27FC236}">
+                <a16:creationId xmlns:a16="http://schemas.microsoft.com/office/drawing/2014/main" id="{D6B35A9B-4199-4482-8FED-BF89F83A1387}"/>
+              </a:ext>
+            </a:extLst>
+          </p:cNvPr>
+          <p:cNvPicPr>
+            <a:picLocks noGrp="1" noChangeAspect="1"/>
+          </p:cNvPicPr>
           <p:nvPr>
             <p:ph idx="1"/>
           </p:nvPr>
-        </p:nvSpPr>
-        <p:spPr/>
-        <p:txBody>
-          <a:bodyPr/>
-          <a:lstStyle/>
-          <a:p>
-            <a:endParaRPr lang="de-CH"/>
-          </a:p>
-        </p:txBody>
-      </p:sp>
+        </p:nvPicPr>
+        <p:blipFill>
+          <a:blip r:embed="rId3"/>
+          <a:stretch>
+            <a:fillRect/>
+          </a:stretch>
+        </p:blipFill>
+        <p:spPr>
+          <a:xfrm>
+            <a:off x="1502372" y="1825625"/>
+            <a:ext cx="9187256" cy="4351338"/>
+          </a:xfrm>
+          <a:prstGeom prst="rect">
+            <a:avLst/>
+          </a:prstGeom>
+        </p:spPr>
+      </p:pic>
     </p:spTree>
     <p:extLst>
       <p:ext uri="{BB962C8B-B14F-4D97-AF65-F5344CB8AC3E}">
-        <p14:creationId xmlns:p14="http://schemas.microsoft.com/office/powerpoint/2010/main" val="2895206770"/>
+        <p14:creationId xmlns:p14="http://schemas.microsoft.com/office/powerpoint/2010/main" val="1533386935"/>
+      </p:ext>
+    </p:extLst>
+  </p:cSld>
+  <p:clrMapOvr>
+    <a:masterClrMapping/>
+  </p:clrMapOvr>
+</p:sld>
+</file>
+
+<file path=ppt/slides/slide7.xml><?xml version="1.0" encoding="utf-8"?>
+<p:sld xmlns:a="http://schemas.openxmlformats.org/drawingml/2006/main" xmlns:r="http://schemas.openxmlformats.org/officeDocument/2006/relationships" xmlns:p="http://schemas.openxmlformats.org/presentationml/2006/main">
+  <p:cSld>
+    <p:spTree>
+      <p:nvGrpSpPr>
+        <p:cNvPr id="1" name=""/>
+        <p:cNvGrpSpPr/>
+        <p:nvPr/>
+      </p:nvGrpSpPr>
+      <p:grpSpPr>
+        <a:xfrm>
+          <a:off x="0" y="0"/>
+          <a:ext cx="0" cy="0"/>
+          <a:chOff x="0" y="0"/>
+          <a:chExt cx="0" cy="0"/>
+        </a:xfrm>
+      </p:grpSpPr>
+      <p:sp>
+        <p:nvSpPr>
+          <p:cNvPr id="2" name="Titel 1">
+            <a:extLst>
+              <a:ext uri="{FF2B5EF4-FFF2-40B4-BE49-F238E27FC236}">
+                <a16:creationId xmlns:a16="http://schemas.microsoft.com/office/drawing/2014/main" id="{FE8D31B3-EB2A-499E-8726-D707E776407D}"/>
+              </a:ext>
+            </a:extLst>
+          </p:cNvPr>
+          <p:cNvSpPr>
+            <a:spLocks noGrp="1"/>
+          </p:cNvSpPr>
+          <p:nvPr>
+            <p:ph type="title"/>
+          </p:nvPr>
+        </p:nvSpPr>
+        <p:spPr/>
+        <p:txBody>
+          <a:bodyPr/>
+          <a:lstStyle/>
+          <a:p>
+            <a:r>
+              <a:rPr lang="de-CH" dirty="0"/>
+              <a:t>Beispiel Eingabe</a:t>
+            </a:r>
+          </a:p>
+        </p:txBody>
+      </p:sp>
+      <p:pic>
+        <p:nvPicPr>
+          <p:cNvPr id="4" name="Inhaltsplatzhalter 3">
+            <a:extLst>
+              <a:ext uri="{FF2B5EF4-FFF2-40B4-BE49-F238E27FC236}">
+                <a16:creationId xmlns:a16="http://schemas.microsoft.com/office/drawing/2014/main" id="{B7650D72-1569-4394-ADBB-0253E391A25D}"/>
+              </a:ext>
+            </a:extLst>
+          </p:cNvPr>
+          <p:cNvPicPr>
+            <a:picLocks noGrp="1" noChangeAspect="1"/>
+          </p:cNvPicPr>
+          <p:nvPr>
+            <p:ph idx="1"/>
+          </p:nvPr>
+        </p:nvPicPr>
+        <p:blipFill>
+          <a:blip r:embed="rId5"/>
+          <a:stretch>
+            <a:fillRect/>
+          </a:stretch>
+        </p:blipFill>
+        <p:spPr>
+          <a:xfrm>
+            <a:off x="1415540" y="1825625"/>
+            <a:ext cx="9360919" cy="4351338"/>
+          </a:xfrm>
+          <a:prstGeom prst="rect">
+            <a:avLst/>
+          </a:prstGeom>
+        </p:spPr>
+      </p:pic>
+      <p:sp>
+        <p:nvSpPr>
+          <p:cNvPr id="6" name="Rechteck 5">
+            <a:extLst>
+              <a:ext uri="{FF2B5EF4-FFF2-40B4-BE49-F238E27FC236}">
+                <a16:creationId xmlns:a16="http://schemas.microsoft.com/office/drawing/2014/main" id="{91B95A9B-9792-4121-AFBE-322179A1022F}"/>
+              </a:ext>
+            </a:extLst>
+          </p:cNvPr>
+          <p:cNvSpPr/>
+          <p:nvPr/>
+        </p:nvSpPr>
+        <p:spPr>
+          <a:xfrm>
+            <a:off x="1762188" y="1968079"/>
+            <a:ext cx="1962024" cy="369332"/>
+          </a:xfrm>
+          <a:prstGeom prst="rect">
+            <a:avLst/>
+          </a:prstGeom>
+          <a:noFill/>
+          <a:ln>
+            <a:noFill/>
+          </a:ln>
+        </p:spPr>
+        <p:style>
+          <a:lnRef idx="2">
+            <a:schemeClr val="accent1">
+              <a:shade val="50000"/>
+            </a:schemeClr>
+          </a:lnRef>
+          <a:fillRef idx="1">
+            <a:schemeClr val="accent1"/>
+          </a:fillRef>
+          <a:effectRef idx="0">
+            <a:schemeClr val="accent1"/>
+          </a:effectRef>
+          <a:fontRef idx="minor">
+            <a:schemeClr val="lt1"/>
+          </a:fontRef>
+        </p:style>
+        <p:txBody>
+          <a:bodyPr rtlCol="0" anchor="ctr"/>
+          <a:lstStyle/>
+          <a:p>
+            <a:pPr algn="ctr"/>
+            <a:endParaRPr lang="de-CH"/>
+          </a:p>
+        </p:txBody>
+      </p:sp>
+      <p:sp>
+        <p:nvSpPr>
+          <p:cNvPr id="7" name="Rechteck 6">
+            <a:extLst>
+              <a:ext uri="{FF2B5EF4-FFF2-40B4-BE49-F238E27FC236}">
+                <a16:creationId xmlns:a16="http://schemas.microsoft.com/office/drawing/2014/main" id="{18B6D0A0-7776-43DA-A094-B0EB8577C848}"/>
+              </a:ext>
+            </a:extLst>
+          </p:cNvPr>
+          <p:cNvSpPr/>
+          <p:nvPr/>
+        </p:nvSpPr>
+        <p:spPr>
+          <a:xfrm>
+            <a:off x="1762188" y="1968079"/>
+            <a:ext cx="1962024" cy="369332"/>
+          </a:xfrm>
+          <a:prstGeom prst="rect">
+            <a:avLst/>
+          </a:prstGeom>
+          <a:noFill/>
+          <a:ln>
+            <a:noFill/>
+          </a:ln>
+        </p:spPr>
+        <p:style>
+          <a:lnRef idx="2">
+            <a:schemeClr val="accent1">
+              <a:shade val="50000"/>
+            </a:schemeClr>
+          </a:lnRef>
+          <a:fillRef idx="1">
+            <a:schemeClr val="accent1"/>
+          </a:fillRef>
+          <a:effectRef idx="0">
+            <a:schemeClr val="accent1"/>
+          </a:effectRef>
+          <a:fontRef idx="minor">
+            <a:schemeClr val="lt1"/>
+          </a:fontRef>
+        </p:style>
+        <p:txBody>
+          <a:bodyPr rtlCol="0" anchor="ctr"/>
+          <a:lstStyle/>
+          <a:p>
+            <a:pPr algn="ctr"/>
+            <a:endParaRPr lang="de-CH"/>
+          </a:p>
+        </p:txBody>
+      </p:sp>
+      <p:sp>
+        <p:nvSpPr>
+          <p:cNvPr id="3" name="Rechteck 2">
+            <a:hlinkClick r:id="rId6" action="ppaction://hlinkfile"/>
+            <a:extLst>
+              <a:ext uri="{FF2B5EF4-FFF2-40B4-BE49-F238E27FC236}">
+                <a16:creationId xmlns:a16="http://schemas.microsoft.com/office/drawing/2014/main" id="{65A83495-70B5-4EF0-90DA-683C437228AE}"/>
+              </a:ext>
+            </a:extLst>
+          </p:cNvPr>
+          <p:cNvSpPr/>
+          <p:nvPr/>
+        </p:nvSpPr>
+        <p:spPr>
+          <a:xfrm>
+            <a:off x="1762188" y="1968079"/>
+            <a:ext cx="1962024" cy="369332"/>
+          </a:xfrm>
+          <a:prstGeom prst="rect">
+            <a:avLst/>
+          </a:prstGeom>
+          <a:noFill/>
+          <a:ln>
+            <a:noFill/>
+          </a:ln>
+        </p:spPr>
+        <p:style>
+          <a:lnRef idx="2">
+            <a:schemeClr val="accent1">
+              <a:shade val="50000"/>
+            </a:schemeClr>
+          </a:lnRef>
+          <a:fillRef idx="1">
+            <a:schemeClr val="accent1"/>
+          </a:fillRef>
+          <a:effectRef idx="0">
+            <a:schemeClr val="accent1"/>
+          </a:effectRef>
+          <a:fontRef idx="minor">
+            <a:schemeClr val="lt1"/>
+          </a:fontRef>
+        </p:style>
+        <p:txBody>
+          <a:bodyPr rtlCol="0" anchor="ctr"/>
+          <a:lstStyle/>
+          <a:p>
+            <a:pPr algn="ctr"/>
+            <a:endParaRPr lang="de-CH"/>
+          </a:p>
+        </p:txBody>
+      </p:sp>
+      <p:sp>
+        <p:nvSpPr>
+          <p:cNvPr id="5" name="Textfeld 4">
+            <a:extLst>
+              <a:ext uri="{FF2B5EF4-FFF2-40B4-BE49-F238E27FC236}">
+                <a16:creationId xmlns:a16="http://schemas.microsoft.com/office/drawing/2014/main" id="{2734B8EC-A002-4FDB-BC66-4F7E2EADEBA1}"/>
+              </a:ext>
+            </a:extLst>
+          </p:cNvPr>
+          <p:cNvSpPr txBox="1"/>
+          <p:nvPr/>
+        </p:nvSpPr>
+        <p:spPr>
+          <a:xfrm>
+            <a:off x="1834855" y="3021759"/>
+            <a:ext cx="1526019" cy="646331"/>
+          </a:xfrm>
+          <a:prstGeom prst="rect">
+            <a:avLst/>
+          </a:prstGeom>
+          <a:noFill/>
+        </p:spPr>
+        <p:txBody>
+          <a:bodyPr wrap="square" rtlCol="0">
+            <a:spAutoFit/>
+          </a:bodyPr>
+          <a:lstStyle/>
+          <a:p>
+            <a:r>
+              <a:rPr lang="de-CH"/>
+              <a:t>D sägässli diä wärdid</a:t>
+            </a:r>
+            <a:endParaRPr lang="de-CH" dirty="0"/>
+          </a:p>
+        </p:txBody>
+      </p:sp>
+      <p:sp>
+        <p:nvSpPr>
+          <p:cNvPr id="8" name="Textfeld 7">
+            <a:extLst>
+              <a:ext uri="{FF2B5EF4-FFF2-40B4-BE49-F238E27FC236}">
+                <a16:creationId xmlns:a16="http://schemas.microsoft.com/office/drawing/2014/main" id="{B4BA1586-39C7-4359-A8AF-541EA4A5B978}"/>
+              </a:ext>
+            </a:extLst>
+          </p:cNvPr>
+          <p:cNvSpPr txBox="1"/>
+          <p:nvPr/>
+        </p:nvSpPr>
+        <p:spPr>
+          <a:xfrm>
+            <a:off x="4160217" y="3021759"/>
+            <a:ext cx="1580519" cy="646331"/>
+          </a:xfrm>
+          <a:prstGeom prst="rect">
+            <a:avLst/>
+          </a:prstGeom>
+          <a:noFill/>
+        </p:spPr>
+        <p:txBody>
+          <a:bodyPr wrap="square" rtlCol="0">
+            <a:spAutoFit/>
+          </a:bodyPr>
+          <a:lstStyle/>
+          <a:p>
+            <a:r>
+              <a:rPr lang="de-CH" dirty="0"/>
+              <a:t>am </a:t>
+            </a:r>
+            <a:r>
+              <a:rPr lang="de-CH" dirty="0" err="1"/>
+              <a:t>oobet</a:t>
+            </a:r>
+            <a:r>
+              <a:rPr lang="de-CH" dirty="0"/>
+              <a:t> </a:t>
+            </a:r>
+            <a:r>
+              <a:rPr lang="de-CH" dirty="0" err="1"/>
+              <a:t>voräne</a:t>
+            </a:r>
+            <a:r>
+              <a:rPr lang="de-CH" dirty="0"/>
+              <a:t> schon</a:t>
+            </a:r>
+          </a:p>
+        </p:txBody>
+      </p:sp>
+      <p:sp>
+        <p:nvSpPr>
+          <p:cNvPr id="9" name="Textfeld 8">
+            <a:extLst>
+              <a:ext uri="{FF2B5EF4-FFF2-40B4-BE49-F238E27FC236}">
+                <a16:creationId xmlns:a16="http://schemas.microsoft.com/office/drawing/2014/main" id="{71FE9299-9CC9-4326-8611-E861A7CBA21E}"/>
+              </a:ext>
+            </a:extLst>
+          </p:cNvPr>
+          <p:cNvSpPr txBox="1"/>
+          <p:nvPr/>
+        </p:nvSpPr>
+        <p:spPr>
+          <a:xfrm>
+            <a:off x="6451266" y="3021759"/>
+            <a:ext cx="1580519" cy="646331"/>
+          </a:xfrm>
+          <a:prstGeom prst="rect">
+            <a:avLst/>
+          </a:prstGeom>
+          <a:noFill/>
+        </p:spPr>
+        <p:txBody>
+          <a:bodyPr wrap="square" rtlCol="0">
+            <a:spAutoFit/>
+          </a:bodyPr>
+          <a:lstStyle/>
+          <a:p>
+            <a:r>
+              <a:rPr lang="de-CH" dirty="0" err="1"/>
+              <a:t>tänglet</a:t>
+            </a:r>
+            <a:r>
+              <a:rPr lang="de-CH" dirty="0"/>
+              <a:t> ins </a:t>
+            </a:r>
+            <a:r>
+              <a:rPr lang="de-CH" dirty="0" err="1"/>
+              <a:t>grüschtet</a:t>
+            </a:r>
+            <a:endParaRPr lang="de-CH" dirty="0"/>
+          </a:p>
+        </p:txBody>
+      </p:sp>
+      <p:sp>
+        <p:nvSpPr>
+          <p:cNvPr id="10" name="Textfeld 9">
+            <a:extLst>
+              <a:ext uri="{FF2B5EF4-FFF2-40B4-BE49-F238E27FC236}">
+                <a16:creationId xmlns:a16="http://schemas.microsoft.com/office/drawing/2014/main" id="{1F549BA3-2F73-4C84-B92C-92BA74F410AE}"/>
+              </a:ext>
+            </a:extLst>
+          </p:cNvPr>
+          <p:cNvSpPr txBox="1"/>
+          <p:nvPr/>
+        </p:nvSpPr>
+        <p:spPr>
+          <a:xfrm>
+            <a:off x="8706992" y="3021758"/>
+            <a:ext cx="1580519" cy="646331"/>
+          </a:xfrm>
+          <a:prstGeom prst="rect">
+            <a:avLst/>
+          </a:prstGeom>
+          <a:noFill/>
+        </p:spPr>
+        <p:txBody>
+          <a:bodyPr wrap="square" rtlCol="0">
+            <a:spAutoFit/>
+          </a:bodyPr>
+          <a:lstStyle/>
+          <a:p>
+            <a:r>
+              <a:rPr lang="de-CH" dirty="0"/>
+              <a:t>Dass </a:t>
+            </a:r>
+            <a:r>
+              <a:rPr lang="de-CH" dirty="0" err="1"/>
+              <a:t>me</a:t>
+            </a:r>
+            <a:r>
+              <a:rPr lang="de-CH" dirty="0"/>
+              <a:t> denn </a:t>
+            </a:r>
+            <a:r>
+              <a:rPr lang="de-CH" dirty="0" err="1"/>
+              <a:t>moore</a:t>
+            </a:r>
+            <a:endParaRPr lang="de-CH" dirty="0"/>
+          </a:p>
+        </p:txBody>
+      </p:sp>
+      <p:sp>
+        <p:nvSpPr>
+          <p:cNvPr id="11" name="Textfeld 10">
+            <a:extLst>
+              <a:ext uri="{FF2B5EF4-FFF2-40B4-BE49-F238E27FC236}">
+                <a16:creationId xmlns:a16="http://schemas.microsoft.com/office/drawing/2014/main" id="{CC210DC8-1DFC-4808-A86F-98D1959576BC}"/>
+              </a:ext>
+            </a:extLst>
+          </p:cNvPr>
+          <p:cNvSpPr txBox="1"/>
+          <p:nvPr/>
+        </p:nvSpPr>
+        <p:spPr>
+          <a:xfrm>
+            <a:off x="1807604" y="4827346"/>
+            <a:ext cx="1916608" cy="646331"/>
+          </a:xfrm>
+          <a:prstGeom prst="rect">
+            <a:avLst/>
+          </a:prstGeom>
+          <a:noFill/>
+        </p:spPr>
+        <p:txBody>
+          <a:bodyPr wrap="square" rtlCol="0">
+            <a:spAutoFit/>
+          </a:bodyPr>
+          <a:lstStyle/>
+          <a:p>
+            <a:r>
+              <a:rPr lang="de-CH" dirty="0" err="1"/>
+              <a:t>dess</a:t>
+            </a:r>
+            <a:r>
+              <a:rPr lang="de-CH" dirty="0"/>
+              <a:t> a </a:t>
+            </a:r>
+            <a:r>
+              <a:rPr lang="de-CH" dirty="0" err="1"/>
+              <a:t>morgete</a:t>
+            </a:r>
+            <a:r>
+              <a:rPr lang="de-CH" dirty="0"/>
+              <a:t> </a:t>
+            </a:r>
+            <a:r>
+              <a:rPr lang="de-CH" dirty="0" err="1"/>
+              <a:t>cho</a:t>
+            </a:r>
+            <a:r>
+              <a:rPr lang="de-CH" dirty="0"/>
+              <a:t> </a:t>
+            </a:r>
+            <a:r>
+              <a:rPr lang="de-CH" dirty="0" err="1"/>
+              <a:t>druflousmääje</a:t>
+            </a:r>
+            <a:endParaRPr lang="de-CH" dirty="0"/>
+          </a:p>
+        </p:txBody>
+      </p:sp>
+      <p:pic>
+        <p:nvPicPr>
+          <p:cNvPr id="12" name="SDS_CD4_1_14_speaker1_4">
+            <a:hlinkClick r:id="" action="ppaction://media"/>
+            <a:extLst>
+              <a:ext uri="{FF2B5EF4-FFF2-40B4-BE49-F238E27FC236}">
+                <a16:creationId xmlns:a16="http://schemas.microsoft.com/office/drawing/2014/main" id="{581E1A09-42C7-4257-A82B-42B648608898}"/>
+              </a:ext>
+            </a:extLst>
+          </p:cNvPr>
+          <p:cNvPicPr>
+            <a:picLocks noChangeAspect="1"/>
+          </p:cNvPicPr>
+          <p:nvPr>
+            <a:audioFile r:link="rId2"/>
+            <p:extLst>
+              <p:ext uri="{DAA4B4D4-6D71-4841-9C94-3DE7FCFB9230}">
+                <p14:media xmlns:p14="http://schemas.microsoft.com/office/powerpoint/2010/main" r:embed="rId1"/>
+              </p:ext>
+            </p:extLst>
+          </p:nvPr>
+        </p:nvPicPr>
+        <p:blipFill>
+          <a:blip r:embed="rId7"/>
+          <a:stretch>
+            <a:fillRect/>
+          </a:stretch>
+        </p:blipFill>
+        <p:spPr>
+          <a:xfrm>
+            <a:off x="3766060" y="2000345"/>
+            <a:ext cx="304800" cy="304800"/>
+          </a:xfrm>
+          <a:prstGeom prst="rect">
+            <a:avLst/>
+          </a:prstGeom>
+        </p:spPr>
+      </p:pic>
+    </p:spTree>
+    <p:extLst>
+      <p:ext uri="{BB962C8B-B14F-4D97-AF65-F5344CB8AC3E}">
+        <p14:creationId xmlns:p14="http://schemas.microsoft.com/office/powerpoint/2010/main" val="2005733577"/>
+      </p:ext>
+    </p:extLst>
+  </p:cSld>
+  <p:clrMapOvr>
+    <a:masterClrMapping/>
+  </p:clrMapOvr>
+  <p:timing>
+    <p:tnLst>
+      <p:par>
+        <p:cTn id="1" dur="indefinite" restart="never" nodeType="tmRoot">
+          <p:childTnLst>
+            <p:seq concurrent="1" nextAc="seek">
+              <p:cTn id="2" dur="indefinite" nodeType="mainSeq">
+                <p:childTnLst>
+                  <p:par>
+                    <p:cTn id="3" fill="hold">
+                      <p:stCondLst>
+                        <p:cond delay="indefinite"/>
+                      </p:stCondLst>
+                      <p:childTnLst>
+                        <p:par>
+                          <p:cTn id="4" fill="hold">
+                            <p:stCondLst>
+                              <p:cond delay="0"/>
+                            </p:stCondLst>
+                            <p:childTnLst>
+                              <p:par>
+                                <p:cTn id="5" presetID="1" presetClass="mediacall" presetSubtype="0" fill="hold" nodeType="clickEffect">
+                                  <p:stCondLst>
+                                    <p:cond delay="0"/>
+                                  </p:stCondLst>
+                                  <p:childTnLst>
+                                    <p:cmd type="call" cmd="playFrom(0.0)">
+                                      <p:cBhvr>
+                                        <p:cTn id="6" dur="9665" fill="hold"/>
+                                        <p:tgtEl>
+                                          <p:spTgt spid="12"/>
+                                        </p:tgtEl>
+                                      </p:cBhvr>
+                                    </p:cmd>
+                                  </p:childTnLst>
+                                </p:cTn>
+                              </p:par>
+                            </p:childTnLst>
+                          </p:cTn>
+                        </p:par>
+                      </p:childTnLst>
+                    </p:cTn>
+                  </p:par>
+                </p:childTnLst>
+              </p:cTn>
+              <p:prevCondLst>
+                <p:cond evt="onPrev" delay="0">
+                  <p:tgtEl>
+                    <p:sldTgt/>
+                  </p:tgtEl>
+                </p:cond>
+              </p:prevCondLst>
+              <p:nextCondLst>
+                <p:cond evt="onNext" delay="0">
+                  <p:tgtEl>
+                    <p:sldTgt/>
+                  </p:tgtEl>
+                </p:cond>
+              </p:nextCondLst>
+            </p:seq>
+            <p:audio>
+              <p:cMediaNode vol="80000">
+                <p:cTn id="7" fill="hold" display="0">
+                  <p:stCondLst>
+                    <p:cond delay="indefinite"/>
+                  </p:stCondLst>
+                  <p:endCondLst>
+                    <p:cond evt="onStopAudio" delay="0">
+                      <p:tgtEl>
+                        <p:sldTgt/>
+                      </p:tgtEl>
+                    </p:cond>
+                  </p:endCondLst>
+                </p:cTn>
+                <p:tgtEl>
+                  <p:spTgt spid="12"/>
+                </p:tgtEl>
+              </p:cMediaNode>
+            </p:audio>
+          </p:childTnLst>
+        </p:cTn>
+      </p:par>
+    </p:tnLst>
+  </p:timing>
+</p:sld>
+</file>
+
+<file path=ppt/slides/slide8.xml><?xml version="1.0" encoding="utf-8"?>
+<p:sld xmlns:a="http://schemas.openxmlformats.org/drawingml/2006/main" xmlns:r="http://schemas.openxmlformats.org/officeDocument/2006/relationships" xmlns:p="http://schemas.openxmlformats.org/presentationml/2006/main">
+  <p:cSld>
+    <p:spTree>
+      <p:nvGrpSpPr>
+        <p:cNvPr id="1" name=""/>
+        <p:cNvGrpSpPr/>
+        <p:nvPr/>
+      </p:nvGrpSpPr>
+      <p:grpSpPr>
+        <a:xfrm>
+          <a:off x="0" y="0"/>
+          <a:ext cx="0" cy="0"/>
+          <a:chOff x="0" y="0"/>
+          <a:chExt cx="0" cy="0"/>
+        </a:xfrm>
+      </p:grpSpPr>
+      <p:sp>
+        <p:nvSpPr>
+          <p:cNvPr id="2" name="Titel 1">
+            <a:extLst>
+              <a:ext uri="{FF2B5EF4-FFF2-40B4-BE49-F238E27FC236}">
+                <a16:creationId xmlns:a16="http://schemas.microsoft.com/office/drawing/2014/main" id="{FE8D31B3-EB2A-499E-8726-D707E776407D}"/>
+              </a:ext>
+            </a:extLst>
+          </p:cNvPr>
+          <p:cNvSpPr>
+            <a:spLocks noGrp="1"/>
+          </p:cNvSpPr>
+          <p:nvPr>
+            <p:ph type="title"/>
+          </p:nvPr>
+        </p:nvSpPr>
+        <p:spPr/>
+        <p:txBody>
+          <a:bodyPr/>
+          <a:lstStyle/>
+          <a:p>
+            <a:r>
+              <a:rPr lang="de-CH" dirty="0"/>
+              <a:t>Beispiel Eingabe Schlecht</a:t>
+            </a:r>
+          </a:p>
+        </p:txBody>
+      </p:sp>
+      <p:pic>
+        <p:nvPicPr>
+          <p:cNvPr id="4" name="Inhaltsplatzhalter 3">
+            <a:extLst>
+              <a:ext uri="{FF2B5EF4-FFF2-40B4-BE49-F238E27FC236}">
+                <a16:creationId xmlns:a16="http://schemas.microsoft.com/office/drawing/2014/main" id="{B7650D72-1569-4394-ADBB-0253E391A25D}"/>
+              </a:ext>
+            </a:extLst>
+          </p:cNvPr>
+          <p:cNvPicPr>
+            <a:picLocks noGrp="1" noChangeAspect="1"/>
+          </p:cNvPicPr>
+          <p:nvPr>
+            <p:ph idx="1"/>
+          </p:nvPr>
+        </p:nvPicPr>
+        <p:blipFill>
+          <a:blip r:embed="rId3"/>
+          <a:stretch>
+            <a:fillRect/>
+          </a:stretch>
+        </p:blipFill>
+        <p:spPr>
+          <a:xfrm>
+            <a:off x="1415540" y="1825625"/>
+            <a:ext cx="9360919" cy="4351338"/>
+          </a:xfrm>
+          <a:prstGeom prst="rect">
+            <a:avLst/>
+          </a:prstGeom>
+        </p:spPr>
+      </p:pic>
+      <p:sp>
+        <p:nvSpPr>
+          <p:cNvPr id="6" name="Rechteck 5">
+            <a:extLst>
+              <a:ext uri="{FF2B5EF4-FFF2-40B4-BE49-F238E27FC236}">
+                <a16:creationId xmlns:a16="http://schemas.microsoft.com/office/drawing/2014/main" id="{91B95A9B-9792-4121-AFBE-322179A1022F}"/>
+              </a:ext>
+            </a:extLst>
+          </p:cNvPr>
+          <p:cNvSpPr/>
+          <p:nvPr/>
+        </p:nvSpPr>
+        <p:spPr>
+          <a:xfrm>
+            <a:off x="1762188" y="1968079"/>
+            <a:ext cx="1962024" cy="369332"/>
+          </a:xfrm>
+          <a:prstGeom prst="rect">
+            <a:avLst/>
+          </a:prstGeom>
+          <a:noFill/>
+          <a:ln>
+            <a:noFill/>
+          </a:ln>
+        </p:spPr>
+        <p:style>
+          <a:lnRef idx="2">
+            <a:schemeClr val="accent1">
+              <a:shade val="50000"/>
+            </a:schemeClr>
+          </a:lnRef>
+          <a:fillRef idx="1">
+            <a:schemeClr val="accent1"/>
+          </a:fillRef>
+          <a:effectRef idx="0">
+            <a:schemeClr val="accent1"/>
+          </a:effectRef>
+          <a:fontRef idx="minor">
+            <a:schemeClr val="lt1"/>
+          </a:fontRef>
+        </p:style>
+        <p:txBody>
+          <a:bodyPr rtlCol="0" anchor="ctr"/>
+          <a:lstStyle/>
+          <a:p>
+            <a:pPr algn="ctr"/>
+            <a:endParaRPr lang="de-CH"/>
+          </a:p>
+        </p:txBody>
+      </p:sp>
+      <p:sp>
+        <p:nvSpPr>
+          <p:cNvPr id="7" name="Rechteck 6">
+            <a:extLst>
+              <a:ext uri="{FF2B5EF4-FFF2-40B4-BE49-F238E27FC236}">
+                <a16:creationId xmlns:a16="http://schemas.microsoft.com/office/drawing/2014/main" id="{18B6D0A0-7776-43DA-A094-B0EB8577C848}"/>
+              </a:ext>
+            </a:extLst>
+          </p:cNvPr>
+          <p:cNvSpPr/>
+          <p:nvPr/>
+        </p:nvSpPr>
+        <p:spPr>
+          <a:xfrm>
+            <a:off x="1762188" y="1968079"/>
+            <a:ext cx="1962024" cy="369332"/>
+          </a:xfrm>
+          <a:prstGeom prst="rect">
+            <a:avLst/>
+          </a:prstGeom>
+          <a:noFill/>
+          <a:ln>
+            <a:noFill/>
+          </a:ln>
+        </p:spPr>
+        <p:style>
+          <a:lnRef idx="2">
+            <a:schemeClr val="accent1">
+              <a:shade val="50000"/>
+            </a:schemeClr>
+          </a:lnRef>
+          <a:fillRef idx="1">
+            <a:schemeClr val="accent1"/>
+          </a:fillRef>
+          <a:effectRef idx="0">
+            <a:schemeClr val="accent1"/>
+          </a:effectRef>
+          <a:fontRef idx="minor">
+            <a:schemeClr val="lt1"/>
+          </a:fontRef>
+        </p:style>
+        <p:txBody>
+          <a:bodyPr rtlCol="0" anchor="ctr"/>
+          <a:lstStyle/>
+          <a:p>
+            <a:pPr algn="ctr"/>
+            <a:endParaRPr lang="de-CH"/>
+          </a:p>
+        </p:txBody>
+      </p:sp>
+      <p:sp>
+        <p:nvSpPr>
+          <p:cNvPr id="3" name="Rechteck 2">
+            <a:hlinkClick r:id="rId4" action="ppaction://hlinkfile"/>
+            <a:extLst>
+              <a:ext uri="{FF2B5EF4-FFF2-40B4-BE49-F238E27FC236}">
+                <a16:creationId xmlns:a16="http://schemas.microsoft.com/office/drawing/2014/main" id="{65A83495-70B5-4EF0-90DA-683C437228AE}"/>
+              </a:ext>
+            </a:extLst>
+          </p:cNvPr>
+          <p:cNvSpPr/>
+          <p:nvPr/>
+        </p:nvSpPr>
+        <p:spPr>
+          <a:xfrm>
+            <a:off x="1762188" y="1968079"/>
+            <a:ext cx="1962024" cy="369332"/>
+          </a:xfrm>
+          <a:prstGeom prst="rect">
+            <a:avLst/>
+          </a:prstGeom>
+          <a:noFill/>
+          <a:ln>
+            <a:noFill/>
+          </a:ln>
+        </p:spPr>
+        <p:style>
+          <a:lnRef idx="2">
+            <a:schemeClr val="accent1">
+              <a:shade val="50000"/>
+            </a:schemeClr>
+          </a:lnRef>
+          <a:fillRef idx="1">
+            <a:schemeClr val="accent1"/>
+          </a:fillRef>
+          <a:effectRef idx="0">
+            <a:schemeClr val="accent1"/>
+          </a:effectRef>
+          <a:fontRef idx="minor">
+            <a:schemeClr val="lt1"/>
+          </a:fontRef>
+        </p:style>
+        <p:txBody>
+          <a:bodyPr rtlCol="0" anchor="ctr"/>
+          <a:lstStyle/>
+          <a:p>
+            <a:pPr algn="ctr"/>
+            <a:endParaRPr lang="de-CH"/>
+          </a:p>
+        </p:txBody>
+      </p:sp>
+      <p:sp>
+        <p:nvSpPr>
+          <p:cNvPr id="5" name="Textfeld 4">
+            <a:extLst>
+              <a:ext uri="{FF2B5EF4-FFF2-40B4-BE49-F238E27FC236}">
+                <a16:creationId xmlns:a16="http://schemas.microsoft.com/office/drawing/2014/main" id="{2734B8EC-A002-4FDB-BC66-4F7E2EADEBA1}"/>
+              </a:ext>
+            </a:extLst>
+          </p:cNvPr>
+          <p:cNvSpPr txBox="1"/>
+          <p:nvPr/>
+        </p:nvSpPr>
+        <p:spPr>
+          <a:xfrm>
+            <a:off x="1834855" y="3021759"/>
+            <a:ext cx="1526019" cy="646331"/>
+          </a:xfrm>
+          <a:prstGeom prst="rect">
+            <a:avLst/>
+          </a:prstGeom>
+          <a:noFill/>
+        </p:spPr>
+        <p:txBody>
+          <a:bodyPr wrap="square" rtlCol="0">
+            <a:spAutoFit/>
+          </a:bodyPr>
+          <a:lstStyle/>
+          <a:p>
+            <a:r>
+              <a:rPr lang="de-CH" dirty="0"/>
+              <a:t>*D sage </a:t>
+            </a:r>
+            <a:r>
+              <a:rPr lang="de-CH" dirty="0" err="1"/>
+              <a:t>diä</a:t>
+            </a:r>
+            <a:r>
+              <a:rPr lang="de-CH" dirty="0"/>
+              <a:t> </a:t>
+            </a:r>
+            <a:r>
+              <a:rPr lang="de-CH" dirty="0" err="1"/>
+              <a:t>wärdid</a:t>
+            </a:r>
+            <a:endParaRPr lang="de-CH" dirty="0"/>
+          </a:p>
+        </p:txBody>
+      </p:sp>
+      <p:sp>
+        <p:nvSpPr>
+          <p:cNvPr id="8" name="Textfeld 7">
+            <a:extLst>
+              <a:ext uri="{FF2B5EF4-FFF2-40B4-BE49-F238E27FC236}">
+                <a16:creationId xmlns:a16="http://schemas.microsoft.com/office/drawing/2014/main" id="{B4BA1586-39C7-4359-A8AF-541EA4A5B978}"/>
+              </a:ext>
+            </a:extLst>
+          </p:cNvPr>
+          <p:cNvSpPr txBox="1"/>
+          <p:nvPr/>
+        </p:nvSpPr>
+        <p:spPr>
+          <a:xfrm>
+            <a:off x="4160217" y="3021759"/>
+            <a:ext cx="1580519" cy="369332"/>
+          </a:xfrm>
+          <a:prstGeom prst="rect">
+            <a:avLst/>
+          </a:prstGeom>
+          <a:noFill/>
+        </p:spPr>
+        <p:txBody>
+          <a:bodyPr wrap="square" rtlCol="0">
+            <a:spAutoFit/>
+          </a:bodyPr>
+          <a:lstStyle/>
+          <a:p>
+            <a:r>
+              <a:rPr lang="de-CH" dirty="0"/>
+              <a:t>***</a:t>
+            </a:r>
+          </a:p>
+        </p:txBody>
+      </p:sp>
+      <p:sp>
+        <p:nvSpPr>
+          <p:cNvPr id="9" name="Textfeld 8">
+            <a:extLst>
+              <a:ext uri="{FF2B5EF4-FFF2-40B4-BE49-F238E27FC236}">
+                <a16:creationId xmlns:a16="http://schemas.microsoft.com/office/drawing/2014/main" id="{71FE9299-9CC9-4326-8611-E861A7CBA21E}"/>
+              </a:ext>
+            </a:extLst>
+          </p:cNvPr>
+          <p:cNvSpPr txBox="1"/>
+          <p:nvPr/>
+        </p:nvSpPr>
+        <p:spPr>
+          <a:xfrm>
+            <a:off x="6451266" y="3021759"/>
+            <a:ext cx="1580519" cy="646331"/>
+          </a:xfrm>
+          <a:prstGeom prst="rect">
+            <a:avLst/>
+          </a:prstGeom>
+          <a:noFill/>
+        </p:spPr>
+        <p:txBody>
+          <a:bodyPr wrap="square" rtlCol="0">
+            <a:spAutoFit/>
+          </a:bodyPr>
+          <a:lstStyle/>
+          <a:p>
+            <a:r>
+              <a:rPr lang="de-CH" dirty="0" err="1"/>
+              <a:t>tänglet</a:t>
+            </a:r>
+            <a:r>
+              <a:rPr lang="de-CH" dirty="0"/>
+              <a:t> ins </a:t>
+            </a:r>
+            <a:r>
+              <a:rPr lang="de-CH" dirty="0" err="1"/>
+              <a:t>grüschtet</a:t>
+            </a:r>
+            <a:endParaRPr lang="de-CH" dirty="0"/>
+          </a:p>
+        </p:txBody>
+      </p:sp>
+      <p:sp>
+        <p:nvSpPr>
+          <p:cNvPr id="10" name="Textfeld 9">
+            <a:extLst>
+              <a:ext uri="{FF2B5EF4-FFF2-40B4-BE49-F238E27FC236}">
+                <a16:creationId xmlns:a16="http://schemas.microsoft.com/office/drawing/2014/main" id="{1F549BA3-2F73-4C84-B92C-92BA74F410AE}"/>
+              </a:ext>
+            </a:extLst>
+          </p:cNvPr>
+          <p:cNvSpPr txBox="1"/>
+          <p:nvPr/>
+        </p:nvSpPr>
+        <p:spPr>
+          <a:xfrm>
+            <a:off x="8706992" y="3021758"/>
+            <a:ext cx="1580519" cy="646331"/>
+          </a:xfrm>
+          <a:prstGeom prst="rect">
+            <a:avLst/>
+          </a:prstGeom>
+          <a:noFill/>
+        </p:spPr>
+        <p:txBody>
+          <a:bodyPr wrap="square" rtlCol="0">
+            <a:spAutoFit/>
+          </a:bodyPr>
+          <a:lstStyle/>
+          <a:p>
+            <a:r>
+              <a:rPr lang="de-CH" dirty="0"/>
+              <a:t>Dass </a:t>
+            </a:r>
+            <a:r>
+              <a:rPr lang="de-CH" dirty="0" err="1"/>
+              <a:t>me</a:t>
+            </a:r>
+            <a:r>
+              <a:rPr lang="de-CH" dirty="0"/>
+              <a:t> denn </a:t>
+            </a:r>
+            <a:r>
+              <a:rPr lang="de-CH" dirty="0" err="1"/>
+              <a:t>moore</a:t>
+            </a:r>
+            <a:endParaRPr lang="de-CH" dirty="0"/>
+          </a:p>
+        </p:txBody>
+      </p:sp>
+      <p:sp>
+        <p:nvSpPr>
+          <p:cNvPr id="11" name="Textfeld 10">
+            <a:extLst>
+              <a:ext uri="{FF2B5EF4-FFF2-40B4-BE49-F238E27FC236}">
+                <a16:creationId xmlns:a16="http://schemas.microsoft.com/office/drawing/2014/main" id="{CC210DC8-1DFC-4808-A86F-98D1959576BC}"/>
+              </a:ext>
+            </a:extLst>
+          </p:cNvPr>
+          <p:cNvSpPr txBox="1"/>
+          <p:nvPr/>
+        </p:nvSpPr>
+        <p:spPr>
+          <a:xfrm>
+            <a:off x="1807604" y="4827346"/>
+            <a:ext cx="1916608" cy="646331"/>
+          </a:xfrm>
+          <a:prstGeom prst="rect">
+            <a:avLst/>
+          </a:prstGeom>
+          <a:noFill/>
+        </p:spPr>
+        <p:txBody>
+          <a:bodyPr wrap="square" rtlCol="0">
+            <a:spAutoFit/>
+          </a:bodyPr>
+          <a:lstStyle/>
+          <a:p>
+            <a:r>
+              <a:rPr lang="de-CH" dirty="0" err="1"/>
+              <a:t>dess</a:t>
+            </a:r>
+            <a:r>
+              <a:rPr lang="de-CH" dirty="0"/>
+              <a:t> a </a:t>
+            </a:r>
+            <a:r>
+              <a:rPr lang="de-CH" dirty="0" err="1"/>
+              <a:t>morgete</a:t>
+            </a:r>
+            <a:r>
+              <a:rPr lang="de-CH" dirty="0"/>
+              <a:t> </a:t>
+            </a:r>
+            <a:r>
+              <a:rPr lang="de-CH" dirty="0" err="1"/>
+              <a:t>cho</a:t>
+            </a:r>
+            <a:r>
+              <a:rPr lang="de-CH" dirty="0"/>
+              <a:t> ***</a:t>
+            </a:r>
+          </a:p>
+        </p:txBody>
+      </p:sp>
+    </p:spTree>
+    <p:extLst>
+      <p:ext uri="{BB962C8B-B14F-4D97-AF65-F5344CB8AC3E}">
+        <p14:creationId xmlns:p14="http://schemas.microsoft.com/office/powerpoint/2010/main" val="1179187629"/>
+      </p:ext>
+    </p:extLst>
+  </p:cSld>
+  <p:clrMapOvr>
+    <a:masterClrMapping/>
+  </p:clrMapOvr>
+</p:sld>
+</file>
+
+<file path=ppt/slides/slide9.xml><?xml version="1.0" encoding="utf-8"?>
+<p:sld xmlns:a="http://schemas.openxmlformats.org/drawingml/2006/main" xmlns:r="http://schemas.openxmlformats.org/officeDocument/2006/relationships" xmlns:p="http://schemas.openxmlformats.org/presentationml/2006/main">
+  <p:cSld>
+    <p:spTree>
+      <p:nvGrpSpPr>
+        <p:cNvPr id="1" name=""/>
+        <p:cNvGrpSpPr/>
+        <p:nvPr/>
+      </p:nvGrpSpPr>
+      <p:grpSpPr>
+        <a:xfrm>
+          <a:off x="0" y="0"/>
+          <a:ext cx="0" cy="0"/>
+          <a:chOff x="0" y="0"/>
+          <a:chExt cx="0" cy="0"/>
+        </a:xfrm>
+      </p:grpSpPr>
+      <p:sp>
+        <p:nvSpPr>
+          <p:cNvPr id="2" name="Titel 1">
+            <a:extLst>
+              <a:ext uri="{FF2B5EF4-FFF2-40B4-BE49-F238E27FC236}">
+                <a16:creationId xmlns:a16="http://schemas.microsoft.com/office/drawing/2014/main" id="{FE8D31B3-EB2A-499E-8726-D707E776407D}"/>
+              </a:ext>
+            </a:extLst>
+          </p:cNvPr>
+          <p:cNvSpPr>
+            <a:spLocks noGrp="1"/>
+          </p:cNvSpPr>
+          <p:nvPr>
+            <p:ph type="title"/>
+          </p:nvPr>
+        </p:nvSpPr>
+        <p:spPr/>
+        <p:txBody>
+          <a:bodyPr/>
+          <a:lstStyle/>
+          <a:p>
+            <a:r>
+              <a:rPr lang="de-CH" dirty="0"/>
+              <a:t>Beispiel Eingabe Schlecht</a:t>
+            </a:r>
+          </a:p>
+        </p:txBody>
+      </p:sp>
+      <p:pic>
+        <p:nvPicPr>
+          <p:cNvPr id="4" name="Inhaltsplatzhalter 3">
+            <a:extLst>
+              <a:ext uri="{FF2B5EF4-FFF2-40B4-BE49-F238E27FC236}">
+                <a16:creationId xmlns:a16="http://schemas.microsoft.com/office/drawing/2014/main" id="{B7650D72-1569-4394-ADBB-0253E391A25D}"/>
+              </a:ext>
+            </a:extLst>
+          </p:cNvPr>
+          <p:cNvPicPr>
+            <a:picLocks noGrp="1" noChangeAspect="1"/>
+          </p:cNvPicPr>
+          <p:nvPr>
+            <p:ph idx="1"/>
+          </p:nvPr>
+        </p:nvPicPr>
+        <p:blipFill>
+          <a:blip r:embed="rId3"/>
+          <a:stretch>
+            <a:fillRect/>
+          </a:stretch>
+        </p:blipFill>
+        <p:spPr>
+          <a:xfrm>
+            <a:off x="1415540" y="1825625"/>
+            <a:ext cx="9360919" cy="4351338"/>
+          </a:xfrm>
+          <a:prstGeom prst="rect">
+            <a:avLst/>
+          </a:prstGeom>
+        </p:spPr>
+      </p:pic>
+      <p:sp>
+        <p:nvSpPr>
+          <p:cNvPr id="6" name="Rechteck 5">
+            <a:extLst>
+              <a:ext uri="{FF2B5EF4-FFF2-40B4-BE49-F238E27FC236}">
+                <a16:creationId xmlns:a16="http://schemas.microsoft.com/office/drawing/2014/main" id="{91B95A9B-9792-4121-AFBE-322179A1022F}"/>
+              </a:ext>
+            </a:extLst>
+          </p:cNvPr>
+          <p:cNvSpPr/>
+          <p:nvPr/>
+        </p:nvSpPr>
+        <p:spPr>
+          <a:xfrm>
+            <a:off x="1762188" y="1968079"/>
+            <a:ext cx="1962024" cy="369332"/>
+          </a:xfrm>
+          <a:prstGeom prst="rect">
+            <a:avLst/>
+          </a:prstGeom>
+          <a:noFill/>
+          <a:ln>
+            <a:noFill/>
+          </a:ln>
+        </p:spPr>
+        <p:style>
+          <a:lnRef idx="2">
+            <a:schemeClr val="accent1">
+              <a:shade val="50000"/>
+            </a:schemeClr>
+          </a:lnRef>
+          <a:fillRef idx="1">
+            <a:schemeClr val="accent1"/>
+          </a:fillRef>
+          <a:effectRef idx="0">
+            <a:schemeClr val="accent1"/>
+          </a:effectRef>
+          <a:fontRef idx="minor">
+            <a:schemeClr val="lt1"/>
+          </a:fontRef>
+        </p:style>
+        <p:txBody>
+          <a:bodyPr rtlCol="0" anchor="ctr"/>
+          <a:lstStyle/>
+          <a:p>
+            <a:pPr algn="ctr"/>
+            <a:endParaRPr lang="de-CH"/>
+          </a:p>
+        </p:txBody>
+      </p:sp>
+      <p:sp>
+        <p:nvSpPr>
+          <p:cNvPr id="7" name="Rechteck 6">
+            <a:extLst>
+              <a:ext uri="{FF2B5EF4-FFF2-40B4-BE49-F238E27FC236}">
+                <a16:creationId xmlns:a16="http://schemas.microsoft.com/office/drawing/2014/main" id="{18B6D0A0-7776-43DA-A094-B0EB8577C848}"/>
+              </a:ext>
+            </a:extLst>
+          </p:cNvPr>
+          <p:cNvSpPr/>
+          <p:nvPr/>
+        </p:nvSpPr>
+        <p:spPr>
+          <a:xfrm>
+            <a:off x="1762188" y="1968079"/>
+            <a:ext cx="1962024" cy="369332"/>
+          </a:xfrm>
+          <a:prstGeom prst="rect">
+            <a:avLst/>
+          </a:prstGeom>
+          <a:noFill/>
+          <a:ln>
+            <a:noFill/>
+          </a:ln>
+        </p:spPr>
+        <p:style>
+          <a:lnRef idx="2">
+            <a:schemeClr val="accent1">
+              <a:shade val="50000"/>
+            </a:schemeClr>
+          </a:lnRef>
+          <a:fillRef idx="1">
+            <a:schemeClr val="accent1"/>
+          </a:fillRef>
+          <a:effectRef idx="0">
+            <a:schemeClr val="accent1"/>
+          </a:effectRef>
+          <a:fontRef idx="minor">
+            <a:schemeClr val="lt1"/>
+          </a:fontRef>
+        </p:style>
+        <p:txBody>
+          <a:bodyPr rtlCol="0" anchor="ctr"/>
+          <a:lstStyle/>
+          <a:p>
+            <a:pPr algn="ctr"/>
+            <a:endParaRPr lang="de-CH"/>
+          </a:p>
+        </p:txBody>
+      </p:sp>
+      <p:sp>
+        <p:nvSpPr>
+          <p:cNvPr id="3" name="Rechteck 2">
+            <a:hlinkClick r:id="rId4" action="ppaction://hlinkfile"/>
+            <a:extLst>
+              <a:ext uri="{FF2B5EF4-FFF2-40B4-BE49-F238E27FC236}">
+                <a16:creationId xmlns:a16="http://schemas.microsoft.com/office/drawing/2014/main" id="{65A83495-70B5-4EF0-90DA-683C437228AE}"/>
+              </a:ext>
+            </a:extLst>
+          </p:cNvPr>
+          <p:cNvSpPr/>
+          <p:nvPr/>
+        </p:nvSpPr>
+        <p:spPr>
+          <a:xfrm>
+            <a:off x="1762188" y="1968079"/>
+            <a:ext cx="1962024" cy="369332"/>
+          </a:xfrm>
+          <a:prstGeom prst="rect">
+            <a:avLst/>
+          </a:prstGeom>
+          <a:noFill/>
+          <a:ln>
+            <a:noFill/>
+          </a:ln>
+        </p:spPr>
+        <p:style>
+          <a:lnRef idx="2">
+            <a:schemeClr val="accent1">
+              <a:shade val="50000"/>
+            </a:schemeClr>
+          </a:lnRef>
+          <a:fillRef idx="1">
+            <a:schemeClr val="accent1"/>
+          </a:fillRef>
+          <a:effectRef idx="0">
+            <a:schemeClr val="accent1"/>
+          </a:effectRef>
+          <a:fontRef idx="minor">
+            <a:schemeClr val="lt1"/>
+          </a:fontRef>
+        </p:style>
+        <p:txBody>
+          <a:bodyPr rtlCol="0" anchor="ctr"/>
+          <a:lstStyle/>
+          <a:p>
+            <a:pPr algn="ctr"/>
+            <a:endParaRPr lang="de-CH"/>
+          </a:p>
+        </p:txBody>
+      </p:sp>
+      <p:sp>
+        <p:nvSpPr>
+          <p:cNvPr id="5" name="Textfeld 4">
+            <a:extLst>
+              <a:ext uri="{FF2B5EF4-FFF2-40B4-BE49-F238E27FC236}">
+                <a16:creationId xmlns:a16="http://schemas.microsoft.com/office/drawing/2014/main" id="{2734B8EC-A002-4FDB-BC66-4F7E2EADEBA1}"/>
+              </a:ext>
+            </a:extLst>
+          </p:cNvPr>
+          <p:cNvSpPr txBox="1"/>
+          <p:nvPr/>
+        </p:nvSpPr>
+        <p:spPr>
+          <a:xfrm>
+            <a:off x="1834855" y="3021759"/>
+            <a:ext cx="1526019" cy="369332"/>
+          </a:xfrm>
+          <a:prstGeom prst="rect">
+            <a:avLst/>
+          </a:prstGeom>
+          <a:noFill/>
+        </p:spPr>
+        <p:txBody>
+          <a:bodyPr wrap="square" rtlCol="0">
+            <a:spAutoFit/>
+          </a:bodyPr>
+          <a:lstStyle/>
+          <a:p>
+            <a:r>
+              <a:rPr lang="de-CH" dirty="0" err="1"/>
+              <a:t>fghfgh</a:t>
+            </a:r>
+            <a:r>
+              <a:rPr lang="de-CH" dirty="0"/>
+              <a:t>	</a:t>
+            </a:r>
+          </a:p>
+        </p:txBody>
+      </p:sp>
+      <p:sp>
+        <p:nvSpPr>
+          <p:cNvPr id="8" name="Textfeld 7">
+            <a:extLst>
+              <a:ext uri="{FF2B5EF4-FFF2-40B4-BE49-F238E27FC236}">
+                <a16:creationId xmlns:a16="http://schemas.microsoft.com/office/drawing/2014/main" id="{B4BA1586-39C7-4359-A8AF-541EA4A5B978}"/>
+              </a:ext>
+            </a:extLst>
+          </p:cNvPr>
+          <p:cNvSpPr txBox="1"/>
+          <p:nvPr/>
+        </p:nvSpPr>
+        <p:spPr>
+          <a:xfrm>
+            <a:off x="4160217" y="3021759"/>
+            <a:ext cx="1580519" cy="369332"/>
+          </a:xfrm>
+          <a:prstGeom prst="rect">
+            <a:avLst/>
+          </a:prstGeom>
+          <a:noFill/>
+        </p:spPr>
+        <p:txBody>
+          <a:bodyPr wrap="square" rtlCol="0">
+            <a:spAutoFit/>
+          </a:bodyPr>
+          <a:lstStyle/>
+          <a:p>
+            <a:r>
+              <a:rPr lang="de-CH" dirty="0" err="1"/>
+              <a:t>fghfgh</a:t>
+            </a:r>
+            <a:endParaRPr lang="de-CH" dirty="0"/>
+          </a:p>
+        </p:txBody>
+      </p:sp>
+      <p:sp>
+        <p:nvSpPr>
+          <p:cNvPr id="9" name="Textfeld 8">
+            <a:extLst>
+              <a:ext uri="{FF2B5EF4-FFF2-40B4-BE49-F238E27FC236}">
+                <a16:creationId xmlns:a16="http://schemas.microsoft.com/office/drawing/2014/main" id="{71FE9299-9CC9-4326-8611-E861A7CBA21E}"/>
+              </a:ext>
+            </a:extLst>
+          </p:cNvPr>
+          <p:cNvSpPr txBox="1"/>
+          <p:nvPr/>
+        </p:nvSpPr>
+        <p:spPr>
+          <a:xfrm>
+            <a:off x="6451266" y="3021759"/>
+            <a:ext cx="1580519" cy="369332"/>
+          </a:xfrm>
+          <a:prstGeom prst="rect">
+            <a:avLst/>
+          </a:prstGeom>
+          <a:noFill/>
+        </p:spPr>
+        <p:txBody>
+          <a:bodyPr wrap="square" rtlCol="0">
+            <a:spAutoFit/>
+          </a:bodyPr>
+          <a:lstStyle/>
+          <a:p>
+            <a:r>
+              <a:rPr lang="de-CH" dirty="0" err="1"/>
+              <a:t>fghfgh</a:t>
+            </a:r>
+            <a:endParaRPr lang="de-CH" dirty="0"/>
+          </a:p>
+        </p:txBody>
+      </p:sp>
+      <p:sp>
+        <p:nvSpPr>
+          <p:cNvPr id="10" name="Textfeld 9">
+            <a:extLst>
+              <a:ext uri="{FF2B5EF4-FFF2-40B4-BE49-F238E27FC236}">
+                <a16:creationId xmlns:a16="http://schemas.microsoft.com/office/drawing/2014/main" id="{1F549BA3-2F73-4C84-B92C-92BA74F410AE}"/>
+              </a:ext>
+            </a:extLst>
+          </p:cNvPr>
+          <p:cNvSpPr txBox="1"/>
+          <p:nvPr/>
+        </p:nvSpPr>
+        <p:spPr>
+          <a:xfrm>
+            <a:off x="8706992" y="3021758"/>
+            <a:ext cx="1580519" cy="369332"/>
+          </a:xfrm>
+          <a:prstGeom prst="rect">
+            <a:avLst/>
+          </a:prstGeom>
+          <a:noFill/>
+        </p:spPr>
+        <p:txBody>
+          <a:bodyPr wrap="square" rtlCol="0">
+            <a:spAutoFit/>
+          </a:bodyPr>
+          <a:lstStyle/>
+          <a:p>
+            <a:r>
+              <a:rPr lang="de-CH" dirty="0" err="1"/>
+              <a:t>fghfgh</a:t>
+            </a:r>
+            <a:endParaRPr lang="de-CH" dirty="0"/>
+          </a:p>
+        </p:txBody>
+      </p:sp>
+      <p:sp>
+        <p:nvSpPr>
+          <p:cNvPr id="11" name="Textfeld 10">
+            <a:extLst>
+              <a:ext uri="{FF2B5EF4-FFF2-40B4-BE49-F238E27FC236}">
+                <a16:creationId xmlns:a16="http://schemas.microsoft.com/office/drawing/2014/main" id="{CC210DC8-1DFC-4808-A86F-98D1959576BC}"/>
+              </a:ext>
+            </a:extLst>
+          </p:cNvPr>
+          <p:cNvSpPr txBox="1"/>
+          <p:nvPr/>
+        </p:nvSpPr>
+        <p:spPr>
+          <a:xfrm>
+            <a:off x="1807604" y="4827346"/>
+            <a:ext cx="1916608" cy="369332"/>
+          </a:xfrm>
+          <a:prstGeom prst="rect">
+            <a:avLst/>
+          </a:prstGeom>
+          <a:noFill/>
+        </p:spPr>
+        <p:txBody>
+          <a:bodyPr wrap="square" rtlCol="0">
+            <a:spAutoFit/>
+          </a:bodyPr>
+          <a:lstStyle/>
+          <a:p>
+            <a:r>
+              <a:rPr lang="de-CH" dirty="0" err="1"/>
+              <a:t>fghfgh</a:t>
+            </a:r>
+            <a:endParaRPr lang="de-CH" dirty="0"/>
+          </a:p>
+        </p:txBody>
+      </p:sp>
+    </p:spTree>
+    <p:extLst>
+      <p:ext uri="{BB962C8B-B14F-4D97-AF65-F5344CB8AC3E}">
+        <p14:creationId xmlns:p14="http://schemas.microsoft.com/office/powerpoint/2010/main" val="1732781841"/>
       </p:ext>
     </p:extLst>
   </p:cSld>
@@ -4707,4 +9162,299 @@
     </a:ext>
   </a:extLst>
 </a:theme>
+</file>
+
+<file path=ppt/theme/theme2.xml><?xml version="1.0" encoding="utf-8"?>
+<a:theme xmlns:a="http://schemas.openxmlformats.org/drawingml/2006/main" name="Office">
+  <a:themeElements>
+    <a:clrScheme name="Office">
+      <a:dk1>
+        <a:sysClr val="windowText" lastClr="000000"/>
+      </a:dk1>
+      <a:lt1>
+        <a:sysClr val="window" lastClr="FFFFFF"/>
+      </a:lt1>
+      <a:dk2>
+        <a:srgbClr val="44546A"/>
+      </a:dk2>
+      <a:lt2>
+        <a:srgbClr val="E7E6E6"/>
+      </a:lt2>
+      <a:accent1>
+        <a:srgbClr val="4472C4"/>
+      </a:accent1>
+      <a:accent2>
+        <a:srgbClr val="ED7D31"/>
+      </a:accent2>
+      <a:accent3>
+        <a:srgbClr val="A5A5A5"/>
+      </a:accent3>
+      <a:accent4>
+        <a:srgbClr val="FFC000"/>
+      </a:accent4>
+      <a:accent5>
+        <a:srgbClr val="5B9BD5"/>
+      </a:accent5>
+      <a:accent6>
+        <a:srgbClr val="70AD47"/>
+      </a:accent6>
+      <a:hlink>
+        <a:srgbClr val="0563C1"/>
+      </a:hlink>
+      <a:folHlink>
+        <a:srgbClr val="954F72"/>
+      </a:folHlink>
+    </a:clrScheme>
+    <a:fontScheme name="Office">
+      <a:majorFont>
+        <a:latin typeface="Calibri Light" panose="020F0302020204030204"/>
+        <a:ea typeface=""/>
+        <a:cs typeface=""/>
+        <a:font script="Jpan" typeface="游ゴシック Light"/>
+        <a:font script="Hang" typeface="맑은 고딕"/>
+        <a:font script="Hans" typeface="等线 Light"/>
+        <a:font script="Hant" typeface="新細明體"/>
+        <a:font script="Arab" typeface="Times New Roman"/>
+        <a:font script="Hebr" typeface="Times New Roman"/>
+        <a:font script="Thai" typeface="Angsana New"/>
+        <a:font script="Ethi" typeface="Nyala"/>
+        <a:font script="Beng" typeface="Vrinda"/>
+        <a:font script="Gujr" typeface="Shruti"/>
+        <a:font script="Khmr" typeface="MoolBoran"/>
+        <a:font script="Knda" typeface="Tunga"/>
+        <a:font script="Guru" typeface="Raavi"/>
+        <a:font script="Cans" typeface="Euphemia"/>
+        <a:font script="Cher" typeface="Plantagenet Cherokee"/>
+        <a:font script="Yiii" typeface="Microsoft Yi Baiti"/>
+        <a:font script="Tibt" typeface="Microsoft Himalaya"/>
+        <a:font script="Thaa" typeface="MV Boli"/>
+        <a:font script="Deva" typeface="Mangal"/>
+        <a:font script="Telu" typeface="Gautami"/>
+        <a:font script="Taml" typeface="Latha"/>
+        <a:font script="Syrc" typeface="Estrangelo Edessa"/>
+        <a:font script="Orya" typeface="Kalinga"/>
+        <a:font script="Mlym" typeface="Kartika"/>
+        <a:font script="Laoo" typeface="DokChampa"/>
+        <a:font script="Sinh" typeface="Iskoola Pota"/>
+        <a:font script="Mong" typeface="Mongolian Baiti"/>
+        <a:font script="Viet" typeface="Times New Roman"/>
+        <a:font script="Uigh" typeface="Microsoft Uighur"/>
+        <a:font script="Geor" typeface="Sylfaen"/>
+        <a:font script="Armn" typeface="Arial"/>
+        <a:font script="Bugi" typeface="Leelawadee UI"/>
+        <a:font script="Bopo" typeface="Microsoft JhengHei"/>
+        <a:font script="Java" typeface="Javanese Text"/>
+        <a:font script="Lisu" typeface="Segoe UI"/>
+        <a:font script="Mymr" typeface="Myanmar Text"/>
+        <a:font script="Nkoo" typeface="Ebrima"/>
+        <a:font script="Olck" typeface="Nirmala UI"/>
+        <a:font script="Osma" typeface="Ebrima"/>
+        <a:font script="Phag" typeface="Phagspa"/>
+        <a:font script="Syrn" typeface="Estrangelo Edessa"/>
+        <a:font script="Syrj" typeface="Estrangelo Edessa"/>
+        <a:font script="Syre" typeface="Estrangelo Edessa"/>
+        <a:font script="Sora" typeface="Nirmala UI"/>
+        <a:font script="Tale" typeface="Microsoft Tai Le"/>
+        <a:font script="Talu" typeface="Microsoft New Tai Lue"/>
+        <a:font script="Tfng" typeface="Ebrima"/>
+      </a:majorFont>
+      <a:minorFont>
+        <a:latin typeface="Calibri" panose="020F0502020204030204"/>
+        <a:ea typeface=""/>
+        <a:cs typeface=""/>
+        <a:font script="Jpan" typeface="游ゴシック"/>
+        <a:font script="Hang" typeface="맑은 고딕"/>
+        <a:font script="Hans" typeface="等线"/>
+        <a:font script="Hant" typeface="新細明體"/>
+        <a:font script="Arab" typeface="Arial"/>
+        <a:font script="Hebr" typeface="Arial"/>
+        <a:font script="Thai" typeface="Cordia New"/>
+        <a:font script="Ethi" typeface="Nyala"/>
+        <a:font script="Beng" typeface="Vrinda"/>
+        <a:font script="Gujr" typeface="Shruti"/>
+        <a:font script="Khmr" typeface="DaunPenh"/>
+        <a:font script="Knda" typeface="Tunga"/>
+        <a:font script="Guru" typeface="Raavi"/>
+        <a:font script="Cans" typeface="Euphemia"/>
+        <a:font script="Cher" typeface="Plantagenet Cherokee"/>
+        <a:font script="Yiii" typeface="Microsoft Yi Baiti"/>
+        <a:font script="Tibt" typeface="Microsoft Himalaya"/>
+        <a:font script="Thaa" typeface="MV Boli"/>
+        <a:font script="Deva" typeface="Mangal"/>
+        <a:font script="Telu" typeface="Gautami"/>
+        <a:font script="Taml" typeface="Latha"/>
+        <a:font script="Syrc" typeface="Estrangelo Edessa"/>
+        <a:font script="Orya" typeface="Kalinga"/>
+        <a:font script="Mlym" typeface="Kartika"/>
+        <a:font script="Laoo" typeface="DokChampa"/>
+        <a:font script="Sinh" typeface="Iskoola Pota"/>
+        <a:font script="Mong" typeface="Mongolian Baiti"/>
+        <a:font script="Viet" typeface="Arial"/>
+        <a:font script="Uigh" typeface="Microsoft Uighur"/>
+        <a:font script="Geor" typeface="Sylfaen"/>
+        <a:font script="Armn" typeface="Arial"/>
+        <a:font script="Bugi" typeface="Leelawadee UI"/>
+        <a:font script="Bopo" typeface="Microsoft JhengHei"/>
+        <a:font script="Java" typeface="Javanese Text"/>
+        <a:font script="Lisu" typeface="Segoe UI"/>
+        <a:font script="Mymr" typeface="Myanmar Text"/>
+        <a:font script="Nkoo" typeface="Ebrima"/>
+        <a:font script="Olck" typeface="Nirmala UI"/>
+        <a:font script="Osma" typeface="Ebrima"/>
+        <a:font script="Phag" typeface="Phagspa"/>
+        <a:font script="Syrn" typeface="Estrangelo Edessa"/>
+        <a:font script="Syrj" typeface="Estrangelo Edessa"/>
+        <a:font script="Syre" typeface="Estrangelo Edessa"/>
+        <a:font script="Sora" typeface="Nirmala UI"/>
+        <a:font script="Tale" typeface="Microsoft Tai Le"/>
+        <a:font script="Talu" typeface="Microsoft New Tai Lue"/>
+        <a:font script="Tfng" typeface="Ebrima"/>
+      </a:minorFont>
+    </a:fontScheme>
+    <a:fmtScheme name="Office">
+      <a:fillStyleLst>
+        <a:solidFill>
+          <a:schemeClr val="phClr"/>
+        </a:solidFill>
+        <a:gradFill rotWithShape="1">
+          <a:gsLst>
+            <a:gs pos="0">
+              <a:schemeClr val="phClr">
+                <a:lumMod val="110000"/>
+                <a:satMod val="105000"/>
+                <a:tint val="67000"/>
+              </a:schemeClr>
+            </a:gs>
+            <a:gs pos="50000">
+              <a:schemeClr val="phClr">
+                <a:lumMod val="105000"/>
+                <a:satMod val="103000"/>
+                <a:tint val="73000"/>
+              </a:schemeClr>
+            </a:gs>
+            <a:gs pos="100000">
+              <a:schemeClr val="phClr">
+                <a:lumMod val="105000"/>
+                <a:satMod val="109000"/>
+                <a:tint val="81000"/>
+              </a:schemeClr>
+            </a:gs>
+          </a:gsLst>
+          <a:lin ang="5400000" scaled="0"/>
+        </a:gradFill>
+        <a:gradFill rotWithShape="1">
+          <a:gsLst>
+            <a:gs pos="0">
+              <a:schemeClr val="phClr">
+                <a:satMod val="103000"/>
+                <a:lumMod val="102000"/>
+                <a:tint val="94000"/>
+              </a:schemeClr>
+            </a:gs>
+            <a:gs pos="50000">
+              <a:schemeClr val="phClr">
+                <a:satMod val="110000"/>
+                <a:lumMod val="100000"/>
+                <a:shade val="100000"/>
+              </a:schemeClr>
+            </a:gs>
+            <a:gs pos="100000">
+              <a:schemeClr val="phClr">
+                <a:lumMod val="99000"/>
+                <a:satMod val="120000"/>
+                <a:shade val="78000"/>
+              </a:schemeClr>
+            </a:gs>
+          </a:gsLst>
+          <a:lin ang="5400000" scaled="0"/>
+        </a:gradFill>
+      </a:fillStyleLst>
+      <a:lnStyleLst>
+        <a:ln w="6350" cap="flat" cmpd="sng" algn="ctr">
+          <a:solidFill>
+            <a:schemeClr val="phClr"/>
+          </a:solidFill>
+          <a:prstDash val="solid"/>
+          <a:miter lim="800000"/>
+        </a:ln>
+        <a:ln w="12700" cap="flat" cmpd="sng" algn="ctr">
+          <a:solidFill>
+            <a:schemeClr val="phClr"/>
+          </a:solidFill>
+          <a:prstDash val="solid"/>
+          <a:miter lim="800000"/>
+        </a:ln>
+        <a:ln w="19050" cap="flat" cmpd="sng" algn="ctr">
+          <a:solidFill>
+            <a:schemeClr val="phClr"/>
+          </a:solidFill>
+          <a:prstDash val="solid"/>
+          <a:miter lim="800000"/>
+        </a:ln>
+      </a:lnStyleLst>
+      <a:effectStyleLst>
+        <a:effectStyle>
+          <a:effectLst/>
+        </a:effectStyle>
+        <a:effectStyle>
+          <a:effectLst/>
+        </a:effectStyle>
+        <a:effectStyle>
+          <a:effectLst>
+            <a:outerShdw blurRad="57150" dist="19050" dir="5400000" algn="ctr" rotWithShape="0">
+              <a:srgbClr val="000000">
+                <a:alpha val="63000"/>
+              </a:srgbClr>
+            </a:outerShdw>
+          </a:effectLst>
+        </a:effectStyle>
+      </a:effectStyleLst>
+      <a:bgFillStyleLst>
+        <a:solidFill>
+          <a:schemeClr val="phClr"/>
+        </a:solidFill>
+        <a:solidFill>
+          <a:schemeClr val="phClr">
+            <a:tint val="95000"/>
+            <a:satMod val="170000"/>
+          </a:schemeClr>
+        </a:solidFill>
+        <a:gradFill rotWithShape="1">
+          <a:gsLst>
+            <a:gs pos="0">
+              <a:schemeClr val="phClr">
+                <a:tint val="93000"/>
+                <a:satMod val="150000"/>
+                <a:shade val="98000"/>
+                <a:lumMod val="102000"/>
+              </a:schemeClr>
+            </a:gs>
+            <a:gs pos="50000">
+              <a:schemeClr val="phClr">
+                <a:tint val="98000"/>
+                <a:satMod val="130000"/>
+                <a:shade val="90000"/>
+                <a:lumMod val="103000"/>
+              </a:schemeClr>
+            </a:gs>
+            <a:gs pos="100000">
+              <a:schemeClr val="phClr">
+                <a:shade val="63000"/>
+                <a:satMod val="120000"/>
+              </a:schemeClr>
+            </a:gs>
+          </a:gsLst>
+          <a:lin ang="5400000" scaled="0"/>
+        </a:gradFill>
+      </a:bgFillStyleLst>
+    </a:fmtScheme>
+  </a:themeElements>
+  <a:objectDefaults/>
+  <a:extraClrSchemeLst/>
+  <a:extLst>
+    <a:ext uri="{05A4C25C-085E-4340-85A3-A5531E510DB2}">
+      <thm15:themeFamily xmlns:thm15="http://schemas.microsoft.com/office/thememl/2012/main" name="Office Theme" id="{62F939B6-93AF-4DB8-9C6B-D6C7DFDC589F}" vid="{4A3C46E8-61CC-4603-A589-7422A47A8E4A}"/>
+    </a:ext>
+  </a:extLst>
+</a:theme>
 </file>